--- a/PPT.pptx
+++ b/PPT.pptx
@@ -4753,6 +4753,72 @@
           </a:p>
         </p:txBody>
       </p:sp>
+      <p:pic>
+        <p:nvPicPr>
+          <p:cNvPr id="5" name="图片 4">
+            <a:extLst>
+              <a:ext uri="{FF2B5EF4-FFF2-40B4-BE49-F238E27FC236}">
+                <a16:creationId xmlns:a16="http://schemas.microsoft.com/office/drawing/2014/main" id="{1223D048-7509-468C-9B4A-5083A0DB3EBC}"/>
+              </a:ext>
+            </a:extLst>
+          </p:cNvPr>
+          <p:cNvPicPr>
+            <a:picLocks noChangeAspect="1"/>
+          </p:cNvPicPr>
+          <p:nvPr/>
+        </p:nvPicPr>
+        <p:blipFill>
+          <a:blip r:embed="rId3"/>
+          <a:stretch>
+            <a:fillRect/>
+          </a:stretch>
+        </p:blipFill>
+        <p:spPr>
+          <a:xfrm>
+            <a:off x="7546274" y="1031255"/>
+            <a:ext cx="3391194" cy="4077053"/>
+          </a:xfrm>
+          <a:prstGeom prst="rect">
+            <a:avLst/>
+          </a:prstGeom>
+        </p:spPr>
+      </p:pic>
+      <p:sp>
+        <p:nvSpPr>
+          <p:cNvPr id="6" name="文本框 5">
+            <a:extLst>
+              <a:ext uri="{FF2B5EF4-FFF2-40B4-BE49-F238E27FC236}">
+                <a16:creationId xmlns:a16="http://schemas.microsoft.com/office/drawing/2014/main" id="{0F7BE1A1-568F-4BA9-886E-50EFE63E892B}"/>
+              </a:ext>
+            </a:extLst>
+          </p:cNvPr>
+          <p:cNvSpPr txBox="1"/>
+          <p:nvPr/>
+        </p:nvSpPr>
+        <p:spPr>
+          <a:xfrm>
+            <a:off x="8246378" y="478172"/>
+            <a:ext cx="2785145" cy="369332"/>
+          </a:xfrm>
+          <a:prstGeom prst="rect">
+            <a:avLst/>
+          </a:prstGeom>
+          <a:noFill/>
+        </p:spPr>
+        <p:txBody>
+          <a:bodyPr wrap="square" rtlCol="0">
+            <a:spAutoFit/>
+          </a:bodyPr>
+          <a:lstStyle/>
+          <a:p>
+            <a:r>
+              <a:rPr lang="en-US" altLang="zh-CN" dirty="0"/>
+              <a:t>Activity Diagram</a:t>
+            </a:r>
+            <a:endParaRPr lang="zh-CN" altLang="en-US" dirty="0"/>
+          </a:p>
+        </p:txBody>
+      </p:sp>
     </p:spTree>
     <p:extLst>
       <p:ext uri="{BB962C8B-B14F-4D97-AF65-F5344CB8AC3E}">
@@ -4826,7 +4892,7 @@
         </p:spPr>
         <p:txBody>
           <a:bodyPr vert="horz" lIns="91440" tIns="45720" rIns="91440" bIns="45720" rtlCol="0" anchor="b">
-            <a:normAutofit fontScale="75000" lnSpcReduction="10000"/>
+            <a:normAutofit fontScale="82500" lnSpcReduction="20000"/>
           </a:bodyPr>
           <a:lstStyle>
             <a:lvl1pPr algn="l" defTabSz="914400" rtl="0" eaLnBrk="1" latinLnBrk="0" hangingPunct="1">

--- a/PPT.pptx
+++ b/PPT.pptx
@@ -14,8 +14,10 @@
     <p:sldId id="266" r:id="rId8"/>
     <p:sldId id="267" r:id="rId9"/>
     <p:sldId id="264" r:id="rId10"/>
-    <p:sldId id="261" r:id="rId11"/>
-    <p:sldId id="262" r:id="rId12"/>
+    <p:sldId id="271" r:id="rId11"/>
+    <p:sldId id="272" r:id="rId12"/>
+    <p:sldId id="261" r:id="rId13"/>
+    <p:sldId id="262" r:id="rId14"/>
   </p:sldIdLst>
   <p:sldSz cx="12192000" cy="6858000"/>
   <p:notesSz cx="6858000" cy="9144000"/>
@@ -117,6 +119,9 @@
   <p:extLst>
     <p:ext uri="{EFAFB233-063F-42B5-8137-9DF3F51BA10A}">
       <p15:sldGuideLst xmlns:p15="http://schemas.microsoft.com/office/powerpoint/2012/main"/>
+    </p:ext>
+    <p:ext uri="{505F2C04-C923-438B-8C0F-E0CD2BADF298}">
+      <wppc:fontMiss xmlns:wppc="http://www.wps.cn/officeDocument/PresentationCustomData" xmlns="" type="true"/>
     </p:ext>
   </p:extLst>
 </p:presentation>
@@ -3749,19 +3754,1626 @@
             <p:ph type="title"/>
           </p:nvPr>
         </p:nvSpPr>
-        <p:spPr/>
-        <p:txBody>
-          <a:bodyPr/>
+        <p:spPr>
+          <a:xfrm>
+            <a:off x="1066800" y="771743"/>
+            <a:ext cx="10058400" cy="1450757"/>
+          </a:xfrm>
+        </p:spPr>
+        <p:txBody>
+          <a:bodyPr>
+            <a:normAutofit fontScale="90000"/>
+          </a:bodyPr>
           <a:lstStyle/>
           <a:p>
             <a:r>
-              <a:rPr lang="en-US" altLang="zh-CN" dirty="0"/>
-              <a:t>SCRUM PROCESS</a:t>
-            </a:r>
-            <a:endParaRPr lang="zh-CN" altLang="en-US" dirty="0"/>
-          </a:p>
-        </p:txBody>
-      </p:sp>
+              <a:rPr lang="en-US" altLang="zh-CN" dirty="0">
+                <a:sym typeface="+mn-ea"/>
+              </a:rPr>
+              <a:t>SPECIFIC BACKLOG ITEM:</a:t>
+            </a:r>
+            <a:br>
+              <a:rPr lang="en-US" altLang="zh-CN" dirty="0">
+                <a:sym typeface="+mn-ea"/>
+              </a:rPr>
+            </a:br>
+            <a:r>
+              <a:rPr lang="en-US" altLang="zh-CN" dirty="0">
+                <a:sym typeface="+mn-ea"/>
+              </a:rPr>
+              <a:t>Book VIP package</a:t>
+            </a:r>
+            <a:br>
+              <a:rPr lang="en-US" altLang="zh-CN" dirty="0">
+                <a:sym typeface="+mn-ea"/>
+              </a:rPr>
+            </a:br>
+            <a:r>
+              <a:rPr lang="en-US" altLang="zh-CN" dirty="0">
+                <a:sym typeface="+mn-ea"/>
+              </a:rPr>
+              <a:t>Team Member: Zhu Ying</a:t>
+            </a:r>
+            <a:endParaRPr lang="zh-CN" altLang="en-US"/>
+          </a:p>
+        </p:txBody>
+      </p:sp>
+      <p:graphicFrame>
+        <p:nvGraphicFramePr>
+          <p:cNvPr id="4" name="表格 3"/>
+          <p:cNvGraphicFramePr/>
+          <p:nvPr>
+            <p:custDataLst>
+              <p:tags r:id="rId1"/>
+            </p:custDataLst>
+          </p:nvPr>
+        </p:nvGraphicFramePr>
+        <p:xfrm>
+          <a:off x="3924300" y="2000885"/>
+          <a:ext cx="3524250" cy="4232910"/>
+        </p:xfrm>
+        <a:graphic>
+          <a:graphicData uri="http://schemas.openxmlformats.org/drawingml/2006/table">
+            <a:tbl>
+              <a:tblPr firstRow="1" bandRow="1">
+                <a:tableStyleId>{5940675A-B579-460E-94D1-54222C63F5DA}</a:tableStyleId>
+              </a:tblPr>
+              <a:tblGrid>
+                <a:gridCol w="1762125">
+                  <a:extLst>
+                    <a:ext uri="{9D8B030D-6E8A-4147-A177-3AD203B41FA5}">
+                      <a16:colId xmlns:a16="http://schemas.microsoft.com/office/drawing/2014/main" val="20000"/>
+                    </a:ext>
+                  </a:extLst>
+                </a:gridCol>
+                <a:gridCol w="1762125">
+                  <a:extLst>
+                    <a:ext uri="{9D8B030D-6E8A-4147-A177-3AD203B41FA5}">
+                      <a16:colId xmlns:a16="http://schemas.microsoft.com/office/drawing/2014/main" val="20001"/>
+                    </a:ext>
+                  </a:extLst>
+                </a:gridCol>
+              </a:tblGrid>
+              <a:tr h="448945">
+                <a:tc>
+                  <a:txBody>
+                    <a:bodyPr/>
+                    <a:lstStyle/>
+                    <a:p>
+                      <a:pPr indent="0">
+                        <a:buNone/>
+                      </a:pPr>
+                      <a:r>
+                        <a:rPr lang="en-US" sz="1100" b="0">
+                          <a:latin typeface="Calibri" panose="020F0502020204030204" pitchFamily="34" charset="0"/>
+                          <a:cs typeface="Calibri" panose="020F0502020204030204" pitchFamily="34" charset="0"/>
+                        </a:rPr>
+                        <a:t>ID</a:t>
+                      </a:r>
+                      <a:endParaRPr lang="en-US" altLang="en-US" sz="1100" b="0">
+                        <a:latin typeface="Calibri" panose="020F0502020204030204" pitchFamily="34" charset="0"/>
+                        <a:ea typeface="Calibri" panose="020F0502020204030204" pitchFamily="34" charset="0"/>
+                        <a:cs typeface="Calibri" panose="020F0502020204030204" pitchFamily="34" charset="0"/>
+                      </a:endParaRPr>
+                    </a:p>
+                  </a:txBody>
+                  <a:tcPr marL="68580" marR="68580" marT="0" marB="0">
+                    <a:lnL w="12700" cap="flat" cmpd="sng">
+                      <a:solidFill>
+                        <a:srgbClr val="080000"/>
+                      </a:solidFill>
+                      <a:prstDash val="solid"/>
+                      <a:headEnd type="none" w="med" len="med"/>
+                      <a:tailEnd type="none" w="med" len="med"/>
+                    </a:lnL>
+                    <a:lnR w="12700" cap="flat" cmpd="sng">
+                      <a:solidFill>
+                        <a:srgbClr val="080000"/>
+                      </a:solidFill>
+                      <a:prstDash val="solid"/>
+                      <a:headEnd type="none" w="med" len="med"/>
+                      <a:tailEnd type="none" w="med" len="med"/>
+                    </a:lnR>
+                    <a:lnT w="12700" cap="flat" cmpd="sng">
+                      <a:solidFill>
+                        <a:srgbClr val="080000"/>
+                      </a:solidFill>
+                      <a:prstDash val="solid"/>
+                      <a:headEnd type="none" w="med" len="med"/>
+                      <a:tailEnd type="none" w="med" len="med"/>
+                    </a:lnT>
+                    <a:lnB w="12700" cap="flat" cmpd="sng">
+                      <a:solidFill>
+                        <a:srgbClr val="080000"/>
+                      </a:solidFill>
+                      <a:prstDash val="solid"/>
+                      <a:headEnd type="none" w="med" len="med"/>
+                      <a:tailEnd type="none" w="med" len="med"/>
+                    </a:lnB>
+                    <a:lnTlToBr>
+                      <a:noFill/>
+                    </a:lnTlToBr>
+                    <a:lnBlToTr>
+                      <a:noFill/>
+                    </a:lnBlToTr>
+                    <a:solidFill>
+                      <a:srgbClr val="D0CECE"/>
+                    </a:solidFill>
+                  </a:tcPr>
+                </a:tc>
+                <a:tc>
+                  <a:txBody>
+                    <a:bodyPr/>
+                    <a:lstStyle/>
+                    <a:p>
+                      <a:pPr indent="0">
+                        <a:buNone/>
+                      </a:pPr>
+                      <a:r>
+                        <a:rPr lang="en-US" sz="1100" b="0">
+                          <a:latin typeface="等线" panose="02010600030101010101" charset="-122"/>
+                          <a:ea typeface="等线" panose="02010600030101010101" charset="-122"/>
+                          <a:cs typeface="等线" panose="02010600030101010101" charset="-122"/>
+                        </a:rPr>
+                        <a:t>17</a:t>
+                      </a:r>
+                      <a:endParaRPr lang="en-US" altLang="en-US" sz="1100" b="0">
+                        <a:latin typeface="等线" panose="02010600030101010101" charset="-122"/>
+                        <a:ea typeface="等线" panose="02010600030101010101" charset="-122"/>
+                        <a:cs typeface="等线" panose="02010600030101010101" charset="-122"/>
+                      </a:endParaRPr>
+                    </a:p>
+                  </a:txBody>
+                  <a:tcPr marL="68580" marR="68580" marT="0" marB="0">
+                    <a:lnL w="12700" cap="flat" cmpd="sng">
+                      <a:solidFill>
+                        <a:srgbClr val="080000"/>
+                      </a:solidFill>
+                      <a:prstDash val="solid"/>
+                      <a:headEnd type="none" w="med" len="med"/>
+                      <a:tailEnd type="none" w="med" len="med"/>
+                    </a:lnL>
+                    <a:lnR w="12700" cap="flat" cmpd="sng">
+                      <a:solidFill>
+                        <a:srgbClr val="080000"/>
+                      </a:solidFill>
+                      <a:prstDash val="solid"/>
+                      <a:headEnd type="none" w="med" len="med"/>
+                      <a:tailEnd type="none" w="med" len="med"/>
+                    </a:lnR>
+                    <a:lnT w="12700" cap="flat" cmpd="sng">
+                      <a:solidFill>
+                        <a:srgbClr val="080000"/>
+                      </a:solidFill>
+                      <a:prstDash val="solid"/>
+                      <a:headEnd type="none" w="med" len="med"/>
+                      <a:tailEnd type="none" w="med" len="med"/>
+                    </a:lnT>
+                    <a:lnB w="12700" cap="flat" cmpd="sng">
+                      <a:solidFill>
+                        <a:srgbClr val="080000"/>
+                      </a:solidFill>
+                      <a:prstDash val="solid"/>
+                      <a:headEnd type="none" w="med" len="med"/>
+                      <a:tailEnd type="none" w="med" len="med"/>
+                    </a:lnB>
+                    <a:lnTlToBr>
+                      <a:noFill/>
+                    </a:lnTlToBr>
+                    <a:lnBlToTr>
+                      <a:noFill/>
+                    </a:lnBlToTr>
+                    <a:noFill/>
+                  </a:tcPr>
+                </a:tc>
+                <a:extLst>
+                  <a:ext uri="{0D108BD9-81ED-4DB2-BD59-A6C34878D82A}">
+                    <a16:rowId xmlns:a16="http://schemas.microsoft.com/office/drawing/2014/main" val="10000"/>
+                  </a:ext>
+                </a:extLst>
+              </a:tr>
+              <a:tr h="315595">
+                <a:tc>
+                  <a:txBody>
+                    <a:bodyPr/>
+                    <a:lstStyle/>
+                    <a:p>
+                      <a:pPr indent="0">
+                        <a:buNone/>
+                      </a:pPr>
+                      <a:r>
+                        <a:rPr lang="en-US" sz="1100" b="0">
+                          <a:latin typeface="Calibri" panose="020F0502020204030204" pitchFamily="34" charset="0"/>
+                          <a:cs typeface="Calibri" panose="020F0502020204030204" pitchFamily="34" charset="0"/>
+                        </a:rPr>
+                        <a:t>Use Case Name</a:t>
+                      </a:r>
+                      <a:endParaRPr lang="en-US" altLang="en-US" sz="1100" b="0">
+                        <a:latin typeface="Calibri" panose="020F0502020204030204" pitchFamily="34" charset="0"/>
+                        <a:ea typeface="Calibri" panose="020F0502020204030204" pitchFamily="34" charset="0"/>
+                        <a:cs typeface="Calibri" panose="020F0502020204030204" pitchFamily="34" charset="0"/>
+                      </a:endParaRPr>
+                    </a:p>
+                  </a:txBody>
+                  <a:tcPr marL="68580" marR="68580" marT="0" marB="0">
+                    <a:lnL w="12700" cap="flat" cmpd="sng">
+                      <a:solidFill>
+                        <a:srgbClr val="080000"/>
+                      </a:solidFill>
+                      <a:prstDash val="solid"/>
+                      <a:headEnd type="none" w="med" len="med"/>
+                      <a:tailEnd type="none" w="med" len="med"/>
+                    </a:lnL>
+                    <a:lnR w="12700" cap="flat" cmpd="sng">
+                      <a:solidFill>
+                        <a:srgbClr val="080000"/>
+                      </a:solidFill>
+                      <a:prstDash val="solid"/>
+                      <a:headEnd type="none" w="med" len="med"/>
+                      <a:tailEnd type="none" w="med" len="med"/>
+                    </a:lnR>
+                    <a:lnT w="12700" cap="flat" cmpd="sng">
+                      <a:solidFill>
+                        <a:srgbClr val="080000"/>
+                      </a:solidFill>
+                      <a:prstDash val="solid"/>
+                      <a:headEnd type="none" w="med" len="med"/>
+                      <a:tailEnd type="none" w="med" len="med"/>
+                    </a:lnT>
+                    <a:lnB w="12700" cap="flat" cmpd="sng">
+                      <a:solidFill>
+                        <a:srgbClr val="080000"/>
+                      </a:solidFill>
+                      <a:prstDash val="solid"/>
+                      <a:headEnd type="none" w="med" len="med"/>
+                      <a:tailEnd type="none" w="med" len="med"/>
+                    </a:lnB>
+                    <a:lnTlToBr>
+                      <a:noFill/>
+                    </a:lnTlToBr>
+                    <a:lnBlToTr>
+                      <a:noFill/>
+                    </a:lnBlToTr>
+                    <a:solidFill>
+                      <a:srgbClr val="D0CECE"/>
+                    </a:solidFill>
+                  </a:tcPr>
+                </a:tc>
+                <a:tc>
+                  <a:txBody>
+                    <a:bodyPr/>
+                    <a:lstStyle/>
+                    <a:p>
+                      <a:pPr indent="0">
+                        <a:buNone/>
+                      </a:pPr>
+                      <a:r>
+                        <a:rPr lang="en-US" sz="1100" b="0">
+                          <a:latin typeface="Calibri" panose="020F0502020204030204" pitchFamily="34" charset="0"/>
+                          <a:cs typeface="Calibri" panose="020F0502020204030204" pitchFamily="34" charset="0"/>
+                        </a:rPr>
+                        <a:t>Book VIP package</a:t>
+                      </a:r>
+                      <a:endParaRPr lang="en-US" altLang="en-US" sz="1100" b="0">
+                        <a:latin typeface="Calibri" panose="020F0502020204030204" pitchFamily="34" charset="0"/>
+                        <a:ea typeface="Calibri" panose="020F0502020204030204" pitchFamily="34" charset="0"/>
+                        <a:cs typeface="Calibri" panose="020F0502020204030204" pitchFamily="34" charset="0"/>
+                      </a:endParaRPr>
+                    </a:p>
+                  </a:txBody>
+                  <a:tcPr marL="68580" marR="68580" marT="0" marB="0">
+                    <a:lnL w="12700" cap="flat" cmpd="sng">
+                      <a:solidFill>
+                        <a:srgbClr val="080000"/>
+                      </a:solidFill>
+                      <a:prstDash val="solid"/>
+                      <a:headEnd type="none" w="med" len="med"/>
+                      <a:tailEnd type="none" w="med" len="med"/>
+                    </a:lnL>
+                    <a:lnR w="12700" cap="flat" cmpd="sng">
+                      <a:solidFill>
+                        <a:srgbClr val="080000"/>
+                      </a:solidFill>
+                      <a:prstDash val="solid"/>
+                      <a:headEnd type="none" w="med" len="med"/>
+                      <a:tailEnd type="none" w="med" len="med"/>
+                    </a:lnR>
+                    <a:lnT w="12700" cap="flat" cmpd="sng">
+                      <a:solidFill>
+                        <a:srgbClr val="080000"/>
+                      </a:solidFill>
+                      <a:prstDash val="solid"/>
+                      <a:headEnd type="none" w="med" len="med"/>
+                      <a:tailEnd type="none" w="med" len="med"/>
+                    </a:lnT>
+                    <a:lnB w="12700" cap="flat" cmpd="sng">
+                      <a:solidFill>
+                        <a:srgbClr val="080000"/>
+                      </a:solidFill>
+                      <a:prstDash val="solid"/>
+                      <a:headEnd type="none" w="med" len="med"/>
+                      <a:tailEnd type="none" w="med" len="med"/>
+                    </a:lnB>
+                    <a:lnTlToBr>
+                      <a:noFill/>
+                    </a:lnTlToBr>
+                    <a:lnBlToTr>
+                      <a:noFill/>
+                    </a:lnBlToTr>
+                    <a:noFill/>
+                  </a:tcPr>
+                </a:tc>
+                <a:extLst>
+                  <a:ext uri="{0D108BD9-81ED-4DB2-BD59-A6C34878D82A}">
+                    <a16:rowId xmlns:a16="http://schemas.microsoft.com/office/drawing/2014/main" val="10001"/>
+                  </a:ext>
+                </a:extLst>
+              </a:tr>
+              <a:tr h="314960">
+                <a:tc>
+                  <a:txBody>
+                    <a:bodyPr/>
+                    <a:lstStyle/>
+                    <a:p>
+                      <a:pPr indent="0">
+                        <a:buNone/>
+                      </a:pPr>
+                      <a:r>
+                        <a:rPr lang="en-US" sz="1100" b="0">
+                          <a:latin typeface="Calibri" panose="020F0502020204030204" pitchFamily="34" charset="0"/>
+                          <a:cs typeface="Calibri" panose="020F0502020204030204" pitchFamily="34" charset="0"/>
+                        </a:rPr>
+                        <a:t>Primary Actor</a:t>
+                      </a:r>
+                      <a:endParaRPr lang="en-US" altLang="en-US" sz="1100" b="0">
+                        <a:latin typeface="Calibri" panose="020F0502020204030204" pitchFamily="34" charset="0"/>
+                        <a:ea typeface="Calibri" panose="020F0502020204030204" pitchFamily="34" charset="0"/>
+                        <a:cs typeface="Calibri" panose="020F0502020204030204" pitchFamily="34" charset="0"/>
+                      </a:endParaRPr>
+                    </a:p>
+                  </a:txBody>
+                  <a:tcPr marL="68580" marR="68580" marT="0" marB="0">
+                    <a:lnL w="12700" cap="flat" cmpd="sng">
+                      <a:solidFill>
+                        <a:srgbClr val="080000"/>
+                      </a:solidFill>
+                      <a:prstDash val="solid"/>
+                      <a:headEnd type="none" w="med" len="med"/>
+                      <a:tailEnd type="none" w="med" len="med"/>
+                    </a:lnL>
+                    <a:lnR w="12700" cap="flat" cmpd="sng">
+                      <a:solidFill>
+                        <a:srgbClr val="080000"/>
+                      </a:solidFill>
+                      <a:prstDash val="solid"/>
+                      <a:headEnd type="none" w="med" len="med"/>
+                      <a:tailEnd type="none" w="med" len="med"/>
+                    </a:lnR>
+                    <a:lnT w="12700" cap="flat" cmpd="sng">
+                      <a:solidFill>
+                        <a:srgbClr val="080000"/>
+                      </a:solidFill>
+                      <a:prstDash val="solid"/>
+                      <a:headEnd type="none" w="med" len="med"/>
+                      <a:tailEnd type="none" w="med" len="med"/>
+                    </a:lnT>
+                    <a:lnB w="12700" cap="flat" cmpd="sng">
+                      <a:solidFill>
+                        <a:srgbClr val="080000"/>
+                      </a:solidFill>
+                      <a:prstDash val="solid"/>
+                      <a:headEnd type="none" w="med" len="med"/>
+                      <a:tailEnd type="none" w="med" len="med"/>
+                    </a:lnB>
+                    <a:lnTlToBr>
+                      <a:noFill/>
+                    </a:lnTlToBr>
+                    <a:lnBlToTr>
+                      <a:noFill/>
+                    </a:lnBlToTr>
+                    <a:solidFill>
+                      <a:srgbClr val="D0CECE"/>
+                    </a:solidFill>
+                  </a:tcPr>
+                </a:tc>
+                <a:tc>
+                  <a:txBody>
+                    <a:bodyPr/>
+                    <a:lstStyle/>
+                    <a:p>
+                      <a:pPr indent="0">
+                        <a:buNone/>
+                      </a:pPr>
+                      <a:r>
+                        <a:rPr lang="en-US" sz="1100" b="0">
+                          <a:latin typeface="等线" panose="02010600030101010101" charset="-122"/>
+                          <a:ea typeface="等线" panose="02010600030101010101" charset="-122"/>
+                          <a:cs typeface="等线" panose="02010600030101010101" charset="-122"/>
+                        </a:rPr>
+                        <a:t>C</a:t>
+                      </a:r>
+                      <a:r>
+                        <a:rPr lang="en-US" sz="1100" b="0">
+                          <a:latin typeface="Calibri" panose="020F0502020204030204" pitchFamily="34" charset="0"/>
+                          <a:cs typeface="Calibri" panose="020F0502020204030204" pitchFamily="34" charset="0"/>
+                        </a:rPr>
+                        <a:t>ustomer</a:t>
+                      </a:r>
+                      <a:endParaRPr lang="en-US" altLang="en-US" sz="1100" b="0">
+                        <a:latin typeface="等线" panose="02010600030101010101" charset="-122"/>
+                        <a:ea typeface="等线" panose="02010600030101010101" charset="-122"/>
+                        <a:cs typeface="等线" panose="02010600030101010101" charset="-122"/>
+                      </a:endParaRPr>
+                    </a:p>
+                  </a:txBody>
+                  <a:tcPr marL="68580" marR="68580" marT="0" marB="0">
+                    <a:lnL w="12700" cap="flat" cmpd="sng">
+                      <a:solidFill>
+                        <a:srgbClr val="080000"/>
+                      </a:solidFill>
+                      <a:prstDash val="solid"/>
+                      <a:headEnd type="none" w="med" len="med"/>
+                      <a:tailEnd type="none" w="med" len="med"/>
+                    </a:lnL>
+                    <a:lnR w="12700" cap="flat" cmpd="sng">
+                      <a:solidFill>
+                        <a:srgbClr val="080000"/>
+                      </a:solidFill>
+                      <a:prstDash val="solid"/>
+                      <a:headEnd type="none" w="med" len="med"/>
+                      <a:tailEnd type="none" w="med" len="med"/>
+                    </a:lnR>
+                    <a:lnT w="12700" cap="flat" cmpd="sng">
+                      <a:solidFill>
+                        <a:srgbClr val="080000"/>
+                      </a:solidFill>
+                      <a:prstDash val="solid"/>
+                      <a:headEnd type="none" w="med" len="med"/>
+                      <a:tailEnd type="none" w="med" len="med"/>
+                    </a:lnT>
+                    <a:lnB w="12700" cap="flat" cmpd="sng">
+                      <a:solidFill>
+                        <a:srgbClr val="080000"/>
+                      </a:solidFill>
+                      <a:prstDash val="solid"/>
+                      <a:headEnd type="none" w="med" len="med"/>
+                      <a:tailEnd type="none" w="med" len="med"/>
+                    </a:lnB>
+                    <a:lnTlToBr>
+                      <a:noFill/>
+                    </a:lnTlToBr>
+                    <a:lnBlToTr>
+                      <a:noFill/>
+                    </a:lnBlToTr>
+                    <a:noFill/>
+                  </a:tcPr>
+                </a:tc>
+                <a:extLst>
+                  <a:ext uri="{0D108BD9-81ED-4DB2-BD59-A6C34878D82A}">
+                    <a16:rowId xmlns:a16="http://schemas.microsoft.com/office/drawing/2014/main" val="10002"/>
+                  </a:ext>
+                </a:extLst>
+              </a:tr>
+              <a:tr h="303530">
+                <a:tc>
+                  <a:txBody>
+                    <a:bodyPr/>
+                    <a:lstStyle/>
+                    <a:p>
+                      <a:pPr indent="0">
+                        <a:buNone/>
+                      </a:pPr>
+                      <a:r>
+                        <a:rPr lang="en-US" sz="1100" b="0">
+                          <a:latin typeface="Calibri" panose="020F0502020204030204" pitchFamily="34" charset="0"/>
+                          <a:cs typeface="Calibri" panose="020F0502020204030204" pitchFamily="34" charset="0"/>
+                        </a:rPr>
+                        <a:t>Further Actors</a:t>
+                      </a:r>
+                      <a:endParaRPr lang="en-US" altLang="en-US" sz="1100" b="0">
+                        <a:latin typeface="Calibri" panose="020F0502020204030204" pitchFamily="34" charset="0"/>
+                        <a:ea typeface="Calibri" panose="020F0502020204030204" pitchFamily="34" charset="0"/>
+                        <a:cs typeface="Calibri" panose="020F0502020204030204" pitchFamily="34" charset="0"/>
+                      </a:endParaRPr>
+                    </a:p>
+                  </a:txBody>
+                  <a:tcPr marL="68580" marR="68580" marT="0" marB="0">
+                    <a:lnL w="12700" cap="flat" cmpd="sng">
+                      <a:solidFill>
+                        <a:srgbClr val="080000"/>
+                      </a:solidFill>
+                      <a:prstDash val="solid"/>
+                      <a:headEnd type="none" w="med" len="med"/>
+                      <a:tailEnd type="none" w="med" len="med"/>
+                    </a:lnL>
+                    <a:lnR w="12700" cap="flat" cmpd="sng">
+                      <a:solidFill>
+                        <a:srgbClr val="080000"/>
+                      </a:solidFill>
+                      <a:prstDash val="solid"/>
+                      <a:headEnd type="none" w="med" len="med"/>
+                      <a:tailEnd type="none" w="med" len="med"/>
+                    </a:lnR>
+                    <a:lnT w="12700" cap="flat" cmpd="sng">
+                      <a:solidFill>
+                        <a:srgbClr val="080000"/>
+                      </a:solidFill>
+                      <a:prstDash val="solid"/>
+                      <a:headEnd type="none" w="med" len="med"/>
+                      <a:tailEnd type="none" w="med" len="med"/>
+                    </a:lnT>
+                    <a:lnB w="12700" cap="flat" cmpd="sng">
+                      <a:solidFill>
+                        <a:srgbClr val="080000"/>
+                      </a:solidFill>
+                      <a:prstDash val="solid"/>
+                      <a:headEnd type="none" w="med" len="med"/>
+                      <a:tailEnd type="none" w="med" len="med"/>
+                    </a:lnB>
+                    <a:lnTlToBr>
+                      <a:noFill/>
+                    </a:lnTlToBr>
+                    <a:lnBlToTr>
+                      <a:noFill/>
+                    </a:lnBlToTr>
+                    <a:solidFill>
+                      <a:srgbClr val="D0CECE"/>
+                    </a:solidFill>
+                  </a:tcPr>
+                </a:tc>
+                <a:tc>
+                  <a:txBody>
+                    <a:bodyPr/>
+                    <a:lstStyle/>
+                    <a:p>
+                      <a:pPr indent="0">
+                        <a:buNone/>
+                      </a:pPr>
+                      <a:r>
+                        <a:rPr lang="en-US" sz="1100" b="0">
+                          <a:latin typeface="等线" panose="02010600030101010101" charset="-122"/>
+                          <a:ea typeface="等线" panose="02010600030101010101" charset="-122"/>
+                          <a:cs typeface="等线" panose="02010600030101010101" charset="-122"/>
+                        </a:rPr>
+                        <a:t>C</a:t>
+                      </a:r>
+                      <a:r>
+                        <a:rPr lang="en-US" sz="1100" b="0">
+                          <a:latin typeface="Calibri" panose="020F0502020204030204" pitchFamily="34" charset="0"/>
+                          <a:cs typeface="Calibri" panose="020F0502020204030204" pitchFamily="34" charset="0"/>
+                        </a:rPr>
+                        <a:t>ompany</a:t>
+                      </a:r>
+                      <a:endParaRPr lang="en-US" altLang="en-US" sz="1100" b="0">
+                        <a:latin typeface="等线" panose="02010600030101010101" charset="-122"/>
+                        <a:ea typeface="等线" panose="02010600030101010101" charset="-122"/>
+                        <a:cs typeface="等线" panose="02010600030101010101" charset="-122"/>
+                      </a:endParaRPr>
+                    </a:p>
+                  </a:txBody>
+                  <a:tcPr marL="68580" marR="68580" marT="0" marB="0">
+                    <a:lnL w="12700" cap="flat" cmpd="sng">
+                      <a:solidFill>
+                        <a:srgbClr val="080000"/>
+                      </a:solidFill>
+                      <a:prstDash val="solid"/>
+                      <a:headEnd type="none" w="med" len="med"/>
+                      <a:tailEnd type="none" w="med" len="med"/>
+                    </a:lnL>
+                    <a:lnR w="12700" cap="flat" cmpd="sng">
+                      <a:solidFill>
+                        <a:srgbClr val="080000"/>
+                      </a:solidFill>
+                      <a:prstDash val="solid"/>
+                      <a:headEnd type="none" w="med" len="med"/>
+                      <a:tailEnd type="none" w="med" len="med"/>
+                    </a:lnR>
+                    <a:lnT w="12700" cap="flat" cmpd="sng">
+                      <a:solidFill>
+                        <a:srgbClr val="080000"/>
+                      </a:solidFill>
+                      <a:prstDash val="solid"/>
+                      <a:headEnd type="none" w="med" len="med"/>
+                      <a:tailEnd type="none" w="med" len="med"/>
+                    </a:lnT>
+                    <a:lnB w="12700" cap="flat" cmpd="sng">
+                      <a:solidFill>
+                        <a:srgbClr val="080000"/>
+                      </a:solidFill>
+                      <a:prstDash val="solid"/>
+                      <a:headEnd type="none" w="med" len="med"/>
+                      <a:tailEnd type="none" w="med" len="med"/>
+                    </a:lnB>
+                    <a:lnTlToBr>
+                      <a:noFill/>
+                    </a:lnTlToBr>
+                    <a:lnBlToTr>
+                      <a:noFill/>
+                    </a:lnBlToTr>
+                    <a:noFill/>
+                  </a:tcPr>
+                </a:tc>
+                <a:extLst>
+                  <a:ext uri="{0D108BD9-81ED-4DB2-BD59-A6C34878D82A}">
+                    <a16:rowId xmlns:a16="http://schemas.microsoft.com/office/drawing/2014/main" val="10003"/>
+                  </a:ext>
+                </a:extLst>
+              </a:tr>
+              <a:tr h="670560">
+                <a:tc>
+                  <a:txBody>
+                    <a:bodyPr/>
+                    <a:lstStyle/>
+                    <a:p>
+                      <a:pPr indent="0">
+                        <a:buNone/>
+                      </a:pPr>
+                      <a:r>
+                        <a:rPr lang="en-US" sz="1100" b="0">
+                          <a:latin typeface="Calibri" panose="020F0502020204030204" pitchFamily="34" charset="0"/>
+                          <a:cs typeface="Calibri" panose="020F0502020204030204" pitchFamily="34" charset="0"/>
+                        </a:rPr>
+                        <a:t>Stakeholder Interest</a:t>
+                      </a:r>
+                      <a:endParaRPr lang="en-US" altLang="en-US" sz="1100" b="0">
+                        <a:latin typeface="Calibri" panose="020F0502020204030204" pitchFamily="34" charset="0"/>
+                        <a:ea typeface="Calibri" panose="020F0502020204030204" pitchFamily="34" charset="0"/>
+                        <a:cs typeface="Calibri" panose="020F0502020204030204" pitchFamily="34" charset="0"/>
+                      </a:endParaRPr>
+                    </a:p>
+                  </a:txBody>
+                  <a:tcPr marL="68580" marR="68580" marT="0" marB="0">
+                    <a:lnL w="12700" cap="flat" cmpd="sng">
+                      <a:solidFill>
+                        <a:srgbClr val="080000"/>
+                      </a:solidFill>
+                      <a:prstDash val="solid"/>
+                      <a:headEnd type="none" w="med" len="med"/>
+                      <a:tailEnd type="none" w="med" len="med"/>
+                    </a:lnL>
+                    <a:lnR w="12700" cap="flat" cmpd="sng">
+                      <a:solidFill>
+                        <a:srgbClr val="080000"/>
+                      </a:solidFill>
+                      <a:prstDash val="solid"/>
+                      <a:headEnd type="none" w="med" len="med"/>
+                      <a:tailEnd type="none" w="med" len="med"/>
+                    </a:lnR>
+                    <a:lnT w="12700" cap="flat" cmpd="sng">
+                      <a:solidFill>
+                        <a:srgbClr val="080000"/>
+                      </a:solidFill>
+                      <a:prstDash val="solid"/>
+                      <a:headEnd type="none" w="med" len="med"/>
+                      <a:tailEnd type="none" w="med" len="med"/>
+                    </a:lnT>
+                    <a:lnB w="12700" cap="flat" cmpd="sng">
+                      <a:solidFill>
+                        <a:srgbClr val="080000"/>
+                      </a:solidFill>
+                      <a:prstDash val="solid"/>
+                      <a:headEnd type="none" w="med" len="med"/>
+                      <a:tailEnd type="none" w="med" len="med"/>
+                    </a:lnB>
+                    <a:lnTlToBr>
+                      <a:noFill/>
+                    </a:lnTlToBr>
+                    <a:lnBlToTr>
+                      <a:noFill/>
+                    </a:lnBlToTr>
+                    <a:solidFill>
+                      <a:srgbClr val="D0CECE"/>
+                    </a:solidFill>
+                  </a:tcPr>
+                </a:tc>
+                <a:tc>
+                  <a:txBody>
+                    <a:bodyPr/>
+                    <a:lstStyle/>
+                    <a:p>
+                      <a:pPr indent="0">
+                        <a:buNone/>
+                      </a:pPr>
+                      <a:r>
+                        <a:rPr lang="en-US" sz="1100" b="0">
+                          <a:latin typeface="等线" panose="02010600030101010101" charset="-122"/>
+                          <a:ea typeface="等线" panose="02010600030101010101" charset="-122"/>
+                          <a:cs typeface="等线" panose="02010600030101010101" charset="-122"/>
+                        </a:rPr>
+                        <a:t>C</a:t>
+                      </a:r>
+                      <a:r>
+                        <a:rPr lang="en-US" sz="1100" b="0">
+                          <a:latin typeface="Calibri" panose="020F0502020204030204" pitchFamily="34" charset="0"/>
+                          <a:cs typeface="Calibri" panose="020F0502020204030204" pitchFamily="34" charset="0"/>
+                        </a:rPr>
+                        <a:t>ustomer:</a:t>
+                      </a:r>
+                      <a:r>
+                        <a:rPr lang="en-US" sz="1100" b="0">
+                          <a:latin typeface="等线" panose="02010600030101010101" charset="-122"/>
+                          <a:ea typeface="等线" panose="02010600030101010101" charset="-122"/>
+                          <a:cs typeface="等线" panose="02010600030101010101" charset="-122"/>
+                        </a:rPr>
+                        <a:t>H</a:t>
+                      </a:r>
+                      <a:r>
+                        <a:rPr lang="en-US" sz="1100" b="0">
+                          <a:latin typeface="Calibri" panose="020F0502020204030204" pitchFamily="34" charset="0"/>
+                          <a:cs typeface="Calibri" panose="020F0502020204030204" pitchFamily="34" charset="0"/>
+                        </a:rPr>
+                        <a:t>ave discount riding the E-scooter</a:t>
+                      </a:r>
+                      <a:r>
+                        <a:rPr lang="en-US" sz="1100" b="0">
+                          <a:latin typeface="等线" panose="02010600030101010101" charset="-122"/>
+                          <a:ea typeface="等线" panose="02010600030101010101" charset="-122"/>
+                          <a:cs typeface="等线" panose="02010600030101010101" charset="-122"/>
+                        </a:rPr>
+                        <a:t>C</a:t>
+                      </a:r>
+                      <a:r>
+                        <a:rPr lang="en-US" sz="1100" b="0">
+                          <a:latin typeface="Calibri" panose="020F0502020204030204" pitchFamily="34" charset="0"/>
+                          <a:cs typeface="Calibri" panose="020F0502020204030204" pitchFamily="34" charset="0"/>
+                        </a:rPr>
+                        <a:t>ompanyAttract more customer.</a:t>
+                      </a:r>
+                      <a:endParaRPr lang="en-US" altLang="en-US" sz="1100" b="0">
+                        <a:latin typeface="等线" panose="02010600030101010101" charset="-122"/>
+                        <a:ea typeface="等线" panose="02010600030101010101" charset="-122"/>
+                        <a:cs typeface="等线" panose="02010600030101010101" charset="-122"/>
+                      </a:endParaRPr>
+                    </a:p>
+                  </a:txBody>
+                  <a:tcPr marL="68580" marR="68580" marT="0" marB="0">
+                    <a:lnL w="12700" cap="flat" cmpd="sng">
+                      <a:solidFill>
+                        <a:srgbClr val="080000"/>
+                      </a:solidFill>
+                      <a:prstDash val="solid"/>
+                      <a:headEnd type="none" w="med" len="med"/>
+                      <a:tailEnd type="none" w="med" len="med"/>
+                    </a:lnL>
+                    <a:lnR w="12700" cap="flat" cmpd="sng">
+                      <a:solidFill>
+                        <a:srgbClr val="080000"/>
+                      </a:solidFill>
+                      <a:prstDash val="solid"/>
+                      <a:headEnd type="none" w="med" len="med"/>
+                      <a:tailEnd type="none" w="med" len="med"/>
+                    </a:lnR>
+                    <a:lnT w="12700" cap="flat" cmpd="sng">
+                      <a:solidFill>
+                        <a:srgbClr val="080000"/>
+                      </a:solidFill>
+                      <a:prstDash val="solid"/>
+                      <a:headEnd type="none" w="med" len="med"/>
+                      <a:tailEnd type="none" w="med" len="med"/>
+                    </a:lnT>
+                    <a:lnB w="12700" cap="flat" cmpd="sng">
+                      <a:solidFill>
+                        <a:srgbClr val="080000"/>
+                      </a:solidFill>
+                      <a:prstDash val="solid"/>
+                      <a:headEnd type="none" w="med" len="med"/>
+                      <a:tailEnd type="none" w="med" len="med"/>
+                    </a:lnB>
+                    <a:lnTlToBr>
+                      <a:noFill/>
+                    </a:lnTlToBr>
+                    <a:lnBlToTr>
+                      <a:noFill/>
+                    </a:lnBlToTr>
+                    <a:noFill/>
+                  </a:tcPr>
+                </a:tc>
+                <a:extLst>
+                  <a:ext uri="{0D108BD9-81ED-4DB2-BD59-A6C34878D82A}">
+                    <a16:rowId xmlns:a16="http://schemas.microsoft.com/office/drawing/2014/main" val="10004"/>
+                  </a:ext>
+                </a:extLst>
+              </a:tr>
+              <a:tr h="335280">
+                <a:tc>
+                  <a:txBody>
+                    <a:bodyPr/>
+                    <a:lstStyle/>
+                    <a:p>
+                      <a:pPr indent="0">
+                        <a:buNone/>
+                      </a:pPr>
+                      <a:r>
+                        <a:rPr lang="en-US" sz="1100" b="0">
+                          <a:latin typeface="Calibri" panose="020F0502020204030204" pitchFamily="34" charset="0"/>
+                          <a:cs typeface="Calibri" panose="020F0502020204030204" pitchFamily="34" charset="0"/>
+                        </a:rPr>
+                        <a:t>Trigger</a:t>
+                      </a:r>
+                      <a:endParaRPr lang="en-US" altLang="en-US" sz="1100" b="0">
+                        <a:latin typeface="Calibri" panose="020F0502020204030204" pitchFamily="34" charset="0"/>
+                        <a:ea typeface="Calibri" panose="020F0502020204030204" pitchFamily="34" charset="0"/>
+                        <a:cs typeface="Calibri" panose="020F0502020204030204" pitchFamily="34" charset="0"/>
+                      </a:endParaRPr>
+                    </a:p>
+                  </a:txBody>
+                  <a:tcPr marL="68580" marR="68580" marT="0" marB="0">
+                    <a:lnL w="12700" cap="flat" cmpd="sng">
+                      <a:solidFill>
+                        <a:srgbClr val="080000"/>
+                      </a:solidFill>
+                      <a:prstDash val="solid"/>
+                      <a:headEnd type="none" w="med" len="med"/>
+                      <a:tailEnd type="none" w="med" len="med"/>
+                    </a:lnL>
+                    <a:lnR w="12700" cap="flat" cmpd="sng">
+                      <a:solidFill>
+                        <a:srgbClr val="080000"/>
+                      </a:solidFill>
+                      <a:prstDash val="solid"/>
+                      <a:headEnd type="none" w="med" len="med"/>
+                      <a:tailEnd type="none" w="med" len="med"/>
+                    </a:lnR>
+                    <a:lnT w="12700" cap="flat" cmpd="sng">
+                      <a:solidFill>
+                        <a:srgbClr val="080000"/>
+                      </a:solidFill>
+                      <a:prstDash val="solid"/>
+                      <a:headEnd type="none" w="med" len="med"/>
+                      <a:tailEnd type="none" w="med" len="med"/>
+                    </a:lnT>
+                    <a:lnB w="12700" cap="flat" cmpd="sng">
+                      <a:solidFill>
+                        <a:srgbClr val="080000"/>
+                      </a:solidFill>
+                      <a:prstDash val="solid"/>
+                      <a:headEnd type="none" w="med" len="med"/>
+                      <a:tailEnd type="none" w="med" len="med"/>
+                    </a:lnB>
+                    <a:lnTlToBr>
+                      <a:noFill/>
+                    </a:lnTlToBr>
+                    <a:lnBlToTr>
+                      <a:noFill/>
+                    </a:lnBlToTr>
+                    <a:solidFill>
+                      <a:srgbClr val="D0CECE"/>
+                    </a:solidFill>
+                  </a:tcPr>
+                </a:tc>
+                <a:tc>
+                  <a:txBody>
+                    <a:bodyPr/>
+                    <a:lstStyle/>
+                    <a:p>
+                      <a:pPr indent="0">
+                        <a:buNone/>
+                      </a:pPr>
+                      <a:r>
+                        <a:rPr lang="en-US" sz="1100" b="0">
+                          <a:latin typeface="等线" panose="02010600030101010101" charset="-122"/>
+                          <a:ea typeface="等线" panose="02010600030101010101" charset="-122"/>
+                          <a:cs typeface="等线" panose="02010600030101010101" charset="-122"/>
+                        </a:rPr>
+                        <a:t>C</a:t>
+                      </a:r>
+                      <a:r>
+                        <a:rPr lang="en-US" sz="1100" b="0">
+                          <a:latin typeface="Calibri" panose="020F0502020204030204" pitchFamily="34" charset="0"/>
+                          <a:cs typeface="Calibri" panose="020F0502020204030204" pitchFamily="34" charset="0"/>
+                        </a:rPr>
+                        <a:t>ustomer orders the VIP package in app.</a:t>
+                      </a:r>
+                      <a:endParaRPr lang="en-US" altLang="en-US" sz="1100" b="0">
+                        <a:latin typeface="等线" panose="02010600030101010101" charset="-122"/>
+                        <a:ea typeface="等线" panose="02010600030101010101" charset="-122"/>
+                        <a:cs typeface="等线" panose="02010600030101010101" charset="-122"/>
+                      </a:endParaRPr>
+                    </a:p>
+                  </a:txBody>
+                  <a:tcPr marL="68580" marR="68580" marT="0" marB="0">
+                    <a:lnL w="12700" cap="flat" cmpd="sng">
+                      <a:solidFill>
+                        <a:srgbClr val="080000"/>
+                      </a:solidFill>
+                      <a:prstDash val="solid"/>
+                      <a:headEnd type="none" w="med" len="med"/>
+                      <a:tailEnd type="none" w="med" len="med"/>
+                    </a:lnL>
+                    <a:lnR w="12700" cap="flat" cmpd="sng">
+                      <a:solidFill>
+                        <a:srgbClr val="080000"/>
+                      </a:solidFill>
+                      <a:prstDash val="solid"/>
+                      <a:headEnd type="none" w="med" len="med"/>
+                      <a:tailEnd type="none" w="med" len="med"/>
+                    </a:lnR>
+                    <a:lnT w="12700" cap="flat" cmpd="sng">
+                      <a:solidFill>
+                        <a:srgbClr val="080000"/>
+                      </a:solidFill>
+                      <a:prstDash val="solid"/>
+                      <a:headEnd type="none" w="med" len="med"/>
+                      <a:tailEnd type="none" w="med" len="med"/>
+                    </a:lnT>
+                    <a:lnB w="12700" cap="flat" cmpd="sng">
+                      <a:solidFill>
+                        <a:srgbClr val="080000"/>
+                      </a:solidFill>
+                      <a:prstDash val="solid"/>
+                      <a:headEnd type="none" w="med" len="med"/>
+                      <a:tailEnd type="none" w="med" len="med"/>
+                    </a:lnB>
+                    <a:lnTlToBr>
+                      <a:noFill/>
+                    </a:lnTlToBr>
+                    <a:lnBlToTr>
+                      <a:noFill/>
+                    </a:lnBlToTr>
+                    <a:noFill/>
+                  </a:tcPr>
+                </a:tc>
+                <a:extLst>
+                  <a:ext uri="{0D108BD9-81ED-4DB2-BD59-A6C34878D82A}">
+                    <a16:rowId xmlns:a16="http://schemas.microsoft.com/office/drawing/2014/main" val="10005"/>
+                  </a:ext>
+                </a:extLst>
+              </a:tr>
+              <a:tr h="502920">
+                <a:tc>
+                  <a:txBody>
+                    <a:bodyPr/>
+                    <a:lstStyle/>
+                    <a:p>
+                      <a:pPr indent="0">
+                        <a:buNone/>
+                      </a:pPr>
+                      <a:r>
+                        <a:rPr lang="en-US" sz="1100" b="0">
+                          <a:latin typeface="Calibri" panose="020F0502020204030204" pitchFamily="34" charset="0"/>
+                          <a:cs typeface="Calibri" panose="020F0502020204030204" pitchFamily="34" charset="0"/>
+                        </a:rPr>
+                        <a:t>Pre-Conditions</a:t>
+                      </a:r>
+                      <a:endParaRPr lang="en-US" altLang="en-US" sz="1100" b="0">
+                        <a:latin typeface="Calibri" panose="020F0502020204030204" pitchFamily="34" charset="0"/>
+                        <a:ea typeface="Calibri" panose="020F0502020204030204" pitchFamily="34" charset="0"/>
+                        <a:cs typeface="Calibri" panose="020F0502020204030204" pitchFamily="34" charset="0"/>
+                      </a:endParaRPr>
+                    </a:p>
+                  </a:txBody>
+                  <a:tcPr marL="68580" marR="68580" marT="0" marB="0">
+                    <a:lnL w="12700" cap="flat" cmpd="sng">
+                      <a:solidFill>
+                        <a:srgbClr val="080000"/>
+                      </a:solidFill>
+                      <a:prstDash val="solid"/>
+                      <a:headEnd type="none" w="med" len="med"/>
+                      <a:tailEnd type="none" w="med" len="med"/>
+                    </a:lnL>
+                    <a:lnR w="12700" cap="flat" cmpd="sng">
+                      <a:solidFill>
+                        <a:srgbClr val="080000"/>
+                      </a:solidFill>
+                      <a:prstDash val="solid"/>
+                      <a:headEnd type="none" w="med" len="med"/>
+                      <a:tailEnd type="none" w="med" len="med"/>
+                    </a:lnR>
+                    <a:lnT w="12700" cap="flat" cmpd="sng">
+                      <a:solidFill>
+                        <a:srgbClr val="080000"/>
+                      </a:solidFill>
+                      <a:prstDash val="solid"/>
+                      <a:headEnd type="none" w="med" len="med"/>
+                      <a:tailEnd type="none" w="med" len="med"/>
+                    </a:lnT>
+                    <a:lnB w="12700" cap="flat" cmpd="sng">
+                      <a:solidFill>
+                        <a:srgbClr val="080000"/>
+                      </a:solidFill>
+                      <a:prstDash val="solid"/>
+                      <a:headEnd type="none" w="med" len="med"/>
+                      <a:tailEnd type="none" w="med" len="med"/>
+                    </a:lnB>
+                    <a:lnTlToBr>
+                      <a:noFill/>
+                    </a:lnTlToBr>
+                    <a:lnBlToTr>
+                      <a:noFill/>
+                    </a:lnBlToTr>
+                    <a:solidFill>
+                      <a:srgbClr val="D0CECE"/>
+                    </a:solidFill>
+                  </a:tcPr>
+                </a:tc>
+                <a:tc>
+                  <a:txBody>
+                    <a:bodyPr/>
+                    <a:lstStyle/>
+                    <a:p>
+                      <a:pPr indent="0">
+                        <a:buNone/>
+                      </a:pPr>
+                      <a:r>
+                        <a:rPr lang="en-US" sz="1100" b="0">
+                          <a:latin typeface="等线" panose="02010600030101010101" charset="-122"/>
+                          <a:ea typeface="等线" panose="02010600030101010101" charset="-122"/>
+                          <a:cs typeface="等线" panose="02010600030101010101" charset="-122"/>
+                        </a:rPr>
+                        <a:t>C</a:t>
+                      </a:r>
+                      <a:r>
+                        <a:rPr lang="en-US" sz="1100" b="0">
+                          <a:latin typeface="Calibri" panose="020F0502020204030204" pitchFamily="34" charset="0"/>
+                          <a:cs typeface="Calibri" panose="020F0502020204030204" pitchFamily="34" charset="0"/>
+                        </a:rPr>
+                        <a:t>ustomer log in successfully,and hava effective payment.</a:t>
+                      </a:r>
+                      <a:endParaRPr lang="en-US" altLang="en-US" sz="1100" b="0">
+                        <a:latin typeface="等线" panose="02010600030101010101" charset="-122"/>
+                        <a:ea typeface="等线" panose="02010600030101010101" charset="-122"/>
+                        <a:cs typeface="等线" panose="02010600030101010101" charset="-122"/>
+                      </a:endParaRPr>
+                    </a:p>
+                  </a:txBody>
+                  <a:tcPr marL="68580" marR="68580" marT="0" marB="0">
+                    <a:lnL w="12700" cap="flat" cmpd="sng">
+                      <a:solidFill>
+                        <a:srgbClr val="080000"/>
+                      </a:solidFill>
+                      <a:prstDash val="solid"/>
+                      <a:headEnd type="none" w="med" len="med"/>
+                      <a:tailEnd type="none" w="med" len="med"/>
+                    </a:lnL>
+                    <a:lnR w="12700" cap="flat" cmpd="sng">
+                      <a:solidFill>
+                        <a:srgbClr val="080000"/>
+                      </a:solidFill>
+                      <a:prstDash val="solid"/>
+                      <a:headEnd type="none" w="med" len="med"/>
+                      <a:tailEnd type="none" w="med" len="med"/>
+                    </a:lnR>
+                    <a:lnT w="12700" cap="flat" cmpd="sng">
+                      <a:solidFill>
+                        <a:srgbClr val="080000"/>
+                      </a:solidFill>
+                      <a:prstDash val="solid"/>
+                      <a:headEnd type="none" w="med" len="med"/>
+                      <a:tailEnd type="none" w="med" len="med"/>
+                    </a:lnT>
+                    <a:lnB w="12700" cap="flat" cmpd="sng">
+                      <a:solidFill>
+                        <a:srgbClr val="080000"/>
+                      </a:solidFill>
+                      <a:prstDash val="solid"/>
+                      <a:headEnd type="none" w="med" len="med"/>
+                      <a:tailEnd type="none" w="med" len="med"/>
+                    </a:lnB>
+                    <a:lnTlToBr>
+                      <a:noFill/>
+                    </a:lnTlToBr>
+                    <a:lnBlToTr>
+                      <a:noFill/>
+                    </a:lnBlToTr>
+                    <a:noFill/>
+                  </a:tcPr>
+                </a:tc>
+                <a:extLst>
+                  <a:ext uri="{0D108BD9-81ED-4DB2-BD59-A6C34878D82A}">
+                    <a16:rowId xmlns:a16="http://schemas.microsoft.com/office/drawing/2014/main" val="10006"/>
+                  </a:ext>
+                </a:extLst>
+              </a:tr>
+              <a:tr h="335280">
+                <a:tc>
+                  <a:txBody>
+                    <a:bodyPr/>
+                    <a:lstStyle/>
+                    <a:p>
+                      <a:pPr indent="0">
+                        <a:buNone/>
+                      </a:pPr>
+                      <a:r>
+                        <a:rPr lang="en-US" sz="1100" b="0">
+                          <a:latin typeface="Calibri" panose="020F0502020204030204" pitchFamily="34" charset="0"/>
+                          <a:cs typeface="Calibri" panose="020F0502020204030204" pitchFamily="34" charset="0"/>
+                        </a:rPr>
+                        <a:t>Post-Conditions</a:t>
+                      </a:r>
+                      <a:endParaRPr lang="en-US" altLang="en-US" sz="1100" b="0">
+                        <a:latin typeface="Calibri" panose="020F0502020204030204" pitchFamily="34" charset="0"/>
+                        <a:ea typeface="Calibri" panose="020F0502020204030204" pitchFamily="34" charset="0"/>
+                        <a:cs typeface="Calibri" panose="020F0502020204030204" pitchFamily="34" charset="0"/>
+                      </a:endParaRPr>
+                    </a:p>
+                  </a:txBody>
+                  <a:tcPr marL="68580" marR="68580" marT="0" marB="0">
+                    <a:lnL w="12700" cap="flat" cmpd="sng">
+                      <a:solidFill>
+                        <a:srgbClr val="080000"/>
+                      </a:solidFill>
+                      <a:prstDash val="solid"/>
+                      <a:headEnd type="none" w="med" len="med"/>
+                      <a:tailEnd type="none" w="med" len="med"/>
+                    </a:lnL>
+                    <a:lnR w="12700" cap="flat" cmpd="sng">
+                      <a:solidFill>
+                        <a:srgbClr val="080000"/>
+                      </a:solidFill>
+                      <a:prstDash val="solid"/>
+                      <a:headEnd type="none" w="med" len="med"/>
+                      <a:tailEnd type="none" w="med" len="med"/>
+                    </a:lnR>
+                    <a:lnT w="12700" cap="flat" cmpd="sng">
+                      <a:solidFill>
+                        <a:srgbClr val="080000"/>
+                      </a:solidFill>
+                      <a:prstDash val="solid"/>
+                      <a:headEnd type="none" w="med" len="med"/>
+                      <a:tailEnd type="none" w="med" len="med"/>
+                    </a:lnT>
+                    <a:lnB w="12700" cap="flat" cmpd="sng">
+                      <a:solidFill>
+                        <a:srgbClr val="080000"/>
+                      </a:solidFill>
+                      <a:prstDash val="solid"/>
+                      <a:headEnd type="none" w="med" len="med"/>
+                      <a:tailEnd type="none" w="med" len="med"/>
+                    </a:lnB>
+                    <a:lnTlToBr>
+                      <a:noFill/>
+                    </a:lnTlToBr>
+                    <a:lnBlToTr>
+                      <a:noFill/>
+                    </a:lnBlToTr>
+                    <a:solidFill>
+                      <a:srgbClr val="D0CECE"/>
+                    </a:solidFill>
+                  </a:tcPr>
+                </a:tc>
+                <a:tc>
+                  <a:txBody>
+                    <a:bodyPr/>
+                    <a:lstStyle/>
+                    <a:p>
+                      <a:pPr indent="0">
+                        <a:buNone/>
+                      </a:pPr>
+                      <a:r>
+                        <a:rPr lang="en-US" sz="1100" b="0">
+                          <a:latin typeface="等线" panose="02010600030101010101" charset="-122"/>
+                          <a:ea typeface="等线" panose="02010600030101010101" charset="-122"/>
+                          <a:cs typeface="等线" panose="02010600030101010101" charset="-122"/>
+                        </a:rPr>
+                        <a:t>C</a:t>
+                      </a:r>
+                      <a:r>
+                        <a:rPr lang="en-US" sz="1100" b="0">
+                          <a:latin typeface="Calibri" panose="020F0502020204030204" pitchFamily="34" charset="0"/>
+                          <a:cs typeface="Calibri" panose="020F0502020204030204" pitchFamily="34" charset="0"/>
+                        </a:rPr>
+                        <a:t>ustomer becomes VIP and could use VIP package</a:t>
+                      </a:r>
+                      <a:endParaRPr lang="en-US" altLang="en-US" sz="1100" b="0">
+                        <a:latin typeface="等线" panose="02010600030101010101" charset="-122"/>
+                        <a:ea typeface="等线" panose="02010600030101010101" charset="-122"/>
+                        <a:cs typeface="等线" panose="02010600030101010101" charset="-122"/>
+                      </a:endParaRPr>
+                    </a:p>
+                  </a:txBody>
+                  <a:tcPr marL="68580" marR="68580" marT="0" marB="0">
+                    <a:lnL w="12700" cap="flat" cmpd="sng">
+                      <a:solidFill>
+                        <a:srgbClr val="080000"/>
+                      </a:solidFill>
+                      <a:prstDash val="solid"/>
+                      <a:headEnd type="none" w="med" len="med"/>
+                      <a:tailEnd type="none" w="med" len="med"/>
+                    </a:lnL>
+                    <a:lnR w="12700" cap="flat" cmpd="sng">
+                      <a:solidFill>
+                        <a:srgbClr val="080000"/>
+                      </a:solidFill>
+                      <a:prstDash val="solid"/>
+                      <a:headEnd type="none" w="med" len="med"/>
+                      <a:tailEnd type="none" w="med" len="med"/>
+                    </a:lnR>
+                    <a:lnT w="12700" cap="flat" cmpd="sng">
+                      <a:solidFill>
+                        <a:srgbClr val="080000"/>
+                      </a:solidFill>
+                      <a:prstDash val="solid"/>
+                      <a:headEnd type="none" w="med" len="med"/>
+                      <a:tailEnd type="none" w="med" len="med"/>
+                    </a:lnT>
+                    <a:lnB w="12700" cap="flat" cmpd="sng">
+                      <a:solidFill>
+                        <a:srgbClr val="080000"/>
+                      </a:solidFill>
+                      <a:prstDash val="solid"/>
+                      <a:headEnd type="none" w="med" len="med"/>
+                      <a:tailEnd type="none" w="med" len="med"/>
+                    </a:lnB>
+                    <a:lnTlToBr>
+                      <a:noFill/>
+                    </a:lnTlToBr>
+                    <a:lnBlToTr>
+                      <a:noFill/>
+                    </a:lnBlToTr>
+                    <a:noFill/>
+                  </a:tcPr>
+                </a:tc>
+                <a:extLst>
+                  <a:ext uri="{0D108BD9-81ED-4DB2-BD59-A6C34878D82A}">
+                    <a16:rowId xmlns:a16="http://schemas.microsoft.com/office/drawing/2014/main" val="10007"/>
+                  </a:ext>
+                </a:extLst>
+              </a:tr>
+              <a:tr h="502920">
+                <a:tc>
+                  <a:txBody>
+                    <a:bodyPr/>
+                    <a:lstStyle/>
+                    <a:p>
+                      <a:pPr indent="0">
+                        <a:buNone/>
+                      </a:pPr>
+                      <a:r>
+                        <a:rPr lang="en-US" sz="1100" b="0">
+                          <a:latin typeface="Calibri" panose="020F0502020204030204" pitchFamily="34" charset="0"/>
+                          <a:cs typeface="Calibri" panose="020F0502020204030204" pitchFamily="34" charset="0"/>
+                        </a:rPr>
+                        <a:t>Basic Course (Succes Scenario)</a:t>
+                      </a:r>
+                      <a:endParaRPr lang="en-US" altLang="en-US" sz="1100" b="0">
+                        <a:latin typeface="Calibri" panose="020F0502020204030204" pitchFamily="34" charset="0"/>
+                        <a:ea typeface="Calibri" panose="020F0502020204030204" pitchFamily="34" charset="0"/>
+                        <a:cs typeface="Calibri" panose="020F0502020204030204" pitchFamily="34" charset="0"/>
+                      </a:endParaRPr>
+                    </a:p>
+                  </a:txBody>
+                  <a:tcPr marL="68580" marR="68580" marT="0" marB="0">
+                    <a:lnL w="12700" cap="flat" cmpd="sng">
+                      <a:solidFill>
+                        <a:srgbClr val="080000"/>
+                      </a:solidFill>
+                      <a:prstDash val="solid"/>
+                      <a:headEnd type="none" w="med" len="med"/>
+                      <a:tailEnd type="none" w="med" len="med"/>
+                    </a:lnL>
+                    <a:lnR w="12700" cap="flat" cmpd="sng">
+                      <a:solidFill>
+                        <a:srgbClr val="080000"/>
+                      </a:solidFill>
+                      <a:prstDash val="solid"/>
+                      <a:headEnd type="none" w="med" len="med"/>
+                      <a:tailEnd type="none" w="med" len="med"/>
+                    </a:lnR>
+                    <a:lnT w="12700" cap="flat" cmpd="sng">
+                      <a:solidFill>
+                        <a:srgbClr val="080000"/>
+                      </a:solidFill>
+                      <a:prstDash val="solid"/>
+                      <a:headEnd type="none" w="med" len="med"/>
+                      <a:tailEnd type="none" w="med" len="med"/>
+                    </a:lnT>
+                    <a:lnB w="12700" cap="flat" cmpd="sng">
+                      <a:solidFill>
+                        <a:srgbClr val="080000"/>
+                      </a:solidFill>
+                      <a:prstDash val="solid"/>
+                      <a:headEnd type="none" w="med" len="med"/>
+                      <a:tailEnd type="none" w="med" len="med"/>
+                    </a:lnB>
+                    <a:lnTlToBr>
+                      <a:noFill/>
+                    </a:lnTlToBr>
+                    <a:lnBlToTr>
+                      <a:noFill/>
+                    </a:lnBlToTr>
+                    <a:solidFill>
+                      <a:srgbClr val="D0CECE"/>
+                    </a:solidFill>
+                  </a:tcPr>
+                </a:tc>
+                <a:tc>
+                  <a:txBody>
+                    <a:bodyPr/>
+                    <a:lstStyle/>
+                    <a:p>
+                      <a:pPr indent="0">
+                        <a:buNone/>
+                      </a:pPr>
+                      <a:r>
+                        <a:rPr lang="en-US" sz="1100" b="0">
+                          <a:latin typeface="等线" panose="02010600030101010101" charset="-122"/>
+                          <a:ea typeface="等线" panose="02010600030101010101" charset="-122"/>
+                          <a:cs typeface="等线" panose="02010600030101010101" charset="-122"/>
+                        </a:rPr>
+                        <a:t>C</a:t>
+                      </a:r>
+                      <a:r>
+                        <a:rPr lang="en-US" sz="1100" b="0">
+                          <a:latin typeface="Calibri" panose="020F0502020204030204" pitchFamily="34" charset="0"/>
+                          <a:cs typeface="Calibri" panose="020F0502020204030204" pitchFamily="34" charset="0"/>
+                        </a:rPr>
+                        <a:t>ustomer gets a VIP package and can ride E-scooter cheaper.</a:t>
+                      </a:r>
+                      <a:endParaRPr lang="en-US" altLang="en-US" sz="1100" b="0">
+                        <a:latin typeface="等线" panose="02010600030101010101" charset="-122"/>
+                        <a:ea typeface="等线" panose="02010600030101010101" charset="-122"/>
+                        <a:cs typeface="等线" panose="02010600030101010101" charset="-122"/>
+                      </a:endParaRPr>
+                    </a:p>
+                  </a:txBody>
+                  <a:tcPr marL="68580" marR="68580" marT="0" marB="0">
+                    <a:lnL w="12700" cap="flat" cmpd="sng">
+                      <a:solidFill>
+                        <a:srgbClr val="080000"/>
+                      </a:solidFill>
+                      <a:prstDash val="solid"/>
+                      <a:headEnd type="none" w="med" len="med"/>
+                      <a:tailEnd type="none" w="med" len="med"/>
+                    </a:lnL>
+                    <a:lnR w="12700" cap="flat" cmpd="sng">
+                      <a:solidFill>
+                        <a:srgbClr val="080000"/>
+                      </a:solidFill>
+                      <a:prstDash val="solid"/>
+                      <a:headEnd type="none" w="med" len="med"/>
+                      <a:tailEnd type="none" w="med" len="med"/>
+                    </a:lnR>
+                    <a:lnT w="12700" cap="flat" cmpd="sng">
+                      <a:solidFill>
+                        <a:srgbClr val="080000"/>
+                      </a:solidFill>
+                      <a:prstDash val="solid"/>
+                      <a:headEnd type="none" w="med" len="med"/>
+                      <a:tailEnd type="none" w="med" len="med"/>
+                    </a:lnT>
+                    <a:lnB w="12700" cap="flat" cmpd="sng">
+                      <a:solidFill>
+                        <a:srgbClr val="080000"/>
+                      </a:solidFill>
+                      <a:prstDash val="solid"/>
+                      <a:headEnd type="none" w="med" len="med"/>
+                      <a:tailEnd type="none" w="med" len="med"/>
+                    </a:lnB>
+                    <a:lnTlToBr>
+                      <a:noFill/>
+                    </a:lnTlToBr>
+                    <a:lnBlToTr>
+                      <a:noFill/>
+                    </a:lnBlToTr>
+                    <a:noFill/>
+                  </a:tcPr>
+                </a:tc>
+                <a:extLst>
+                  <a:ext uri="{0D108BD9-81ED-4DB2-BD59-A6C34878D82A}">
+                    <a16:rowId xmlns:a16="http://schemas.microsoft.com/office/drawing/2014/main" val="10008"/>
+                  </a:ext>
+                </a:extLst>
+              </a:tr>
+              <a:tr h="502920">
+                <a:tc>
+                  <a:txBody>
+                    <a:bodyPr/>
+                    <a:lstStyle/>
+                    <a:p>
+                      <a:pPr indent="0">
+                        <a:buNone/>
+                      </a:pPr>
+                      <a:r>
+                        <a:rPr lang="en-US" sz="1100" b="0">
+                          <a:latin typeface="Calibri" panose="020F0502020204030204" pitchFamily="34" charset="0"/>
+                          <a:cs typeface="Calibri" panose="020F0502020204030204" pitchFamily="34" charset="0"/>
+                        </a:rPr>
+                        <a:t>Alternative Course</a:t>
+                      </a:r>
+                      <a:endParaRPr lang="en-US" altLang="en-US" sz="1100" b="0">
+                        <a:latin typeface="Calibri" panose="020F0502020204030204" pitchFamily="34" charset="0"/>
+                        <a:ea typeface="Calibri" panose="020F0502020204030204" pitchFamily="34" charset="0"/>
+                        <a:cs typeface="Calibri" panose="020F0502020204030204" pitchFamily="34" charset="0"/>
+                      </a:endParaRPr>
+                    </a:p>
+                  </a:txBody>
+                  <a:tcPr marL="68580" marR="68580" marT="0" marB="0">
+                    <a:lnL w="12700" cap="flat" cmpd="sng">
+                      <a:solidFill>
+                        <a:srgbClr val="080000"/>
+                      </a:solidFill>
+                      <a:prstDash val="solid"/>
+                      <a:headEnd type="none" w="med" len="med"/>
+                      <a:tailEnd type="none" w="med" len="med"/>
+                    </a:lnL>
+                    <a:lnR w="12700" cap="flat" cmpd="sng">
+                      <a:solidFill>
+                        <a:srgbClr val="080000"/>
+                      </a:solidFill>
+                      <a:prstDash val="solid"/>
+                      <a:headEnd type="none" w="med" len="med"/>
+                      <a:tailEnd type="none" w="med" len="med"/>
+                    </a:lnR>
+                    <a:lnT w="12700" cap="flat" cmpd="sng">
+                      <a:solidFill>
+                        <a:srgbClr val="080000"/>
+                      </a:solidFill>
+                      <a:prstDash val="solid"/>
+                      <a:headEnd type="none" w="med" len="med"/>
+                      <a:tailEnd type="none" w="med" len="med"/>
+                    </a:lnT>
+                    <a:lnB w="12700" cap="flat" cmpd="sng">
+                      <a:solidFill>
+                        <a:srgbClr val="080000"/>
+                      </a:solidFill>
+                      <a:prstDash val="solid"/>
+                      <a:headEnd type="none" w="med" len="med"/>
+                      <a:tailEnd type="none" w="med" len="med"/>
+                    </a:lnB>
+                    <a:lnTlToBr>
+                      <a:noFill/>
+                    </a:lnTlToBr>
+                    <a:lnBlToTr>
+                      <a:noFill/>
+                    </a:lnBlToTr>
+                    <a:solidFill>
+                      <a:srgbClr val="D0CECE"/>
+                    </a:solidFill>
+                  </a:tcPr>
+                </a:tc>
+                <a:tc>
+                  <a:txBody>
+                    <a:bodyPr/>
+                    <a:lstStyle/>
+                    <a:p>
+                      <a:pPr indent="0">
+                        <a:buNone/>
+                      </a:pPr>
+                      <a:r>
+                        <a:rPr lang="en-US" sz="1100" b="0">
+                          <a:latin typeface="等线" panose="02010600030101010101" charset="-122"/>
+                          <a:ea typeface="等线" panose="02010600030101010101" charset="-122"/>
+                          <a:cs typeface="等线" panose="02010600030101010101" charset="-122"/>
+                        </a:rPr>
+                        <a:t>F</a:t>
+                      </a:r>
+                      <a:r>
+                        <a:rPr lang="en-US" sz="1100" b="0">
+                          <a:latin typeface="Calibri" panose="020F0502020204030204" pitchFamily="34" charset="0"/>
+                          <a:cs typeface="Calibri" panose="020F0502020204030204" pitchFamily="34" charset="0"/>
+                        </a:rPr>
+                        <a:t>ailed use VIP package.There is  a deadline,need a voucher.</a:t>
+                      </a:r>
+                      <a:endParaRPr lang="en-US" altLang="en-US" sz="1100" b="0">
+                        <a:latin typeface="等线" panose="02010600030101010101" charset="-122"/>
+                        <a:ea typeface="等线" panose="02010600030101010101" charset="-122"/>
+                        <a:cs typeface="等线" panose="02010600030101010101" charset="-122"/>
+                      </a:endParaRPr>
+                    </a:p>
+                  </a:txBody>
+                  <a:tcPr marL="68580" marR="68580" marT="0" marB="0">
+                    <a:lnL w="12700" cap="flat" cmpd="sng">
+                      <a:solidFill>
+                        <a:srgbClr val="080000"/>
+                      </a:solidFill>
+                      <a:prstDash val="solid"/>
+                      <a:headEnd type="none" w="med" len="med"/>
+                      <a:tailEnd type="none" w="med" len="med"/>
+                    </a:lnL>
+                    <a:lnR w="12700" cap="flat" cmpd="sng">
+                      <a:solidFill>
+                        <a:srgbClr val="080000"/>
+                      </a:solidFill>
+                      <a:prstDash val="solid"/>
+                      <a:headEnd type="none" w="med" len="med"/>
+                      <a:tailEnd type="none" w="med" len="med"/>
+                    </a:lnR>
+                    <a:lnT w="12700" cap="flat" cmpd="sng">
+                      <a:solidFill>
+                        <a:srgbClr val="080000"/>
+                      </a:solidFill>
+                      <a:prstDash val="solid"/>
+                      <a:headEnd type="none" w="med" len="med"/>
+                      <a:tailEnd type="none" w="med" len="med"/>
+                    </a:lnT>
+                    <a:lnB w="12700" cap="flat" cmpd="sng">
+                      <a:solidFill>
+                        <a:srgbClr val="080000"/>
+                      </a:solidFill>
+                      <a:prstDash val="solid"/>
+                      <a:headEnd type="none" w="med" len="med"/>
+                      <a:tailEnd type="none" w="med" len="med"/>
+                    </a:lnB>
+                    <a:lnTlToBr>
+                      <a:noFill/>
+                    </a:lnTlToBr>
+                    <a:lnBlToTr>
+                      <a:noFill/>
+                    </a:lnBlToTr>
+                    <a:noFill/>
+                  </a:tcPr>
+                </a:tc>
+                <a:extLst>
+                  <a:ext uri="{0D108BD9-81ED-4DB2-BD59-A6C34878D82A}">
+                    <a16:rowId xmlns:a16="http://schemas.microsoft.com/office/drawing/2014/main" val="10009"/>
+                  </a:ext>
+                </a:extLst>
+              </a:tr>
+            </a:tbl>
+          </a:graphicData>
+        </a:graphic>
+      </p:graphicFrame>
+      <p:sp>
+        <p:nvSpPr>
+          <p:cNvPr id="6" name="文本框 5"/>
+          <p:cNvSpPr txBox="1"/>
+          <p:nvPr/>
+        </p:nvSpPr>
+        <p:spPr>
+          <a:xfrm>
+            <a:off x="797560" y="2738120"/>
+            <a:ext cx="2985770" cy="1938020"/>
+          </a:xfrm>
+          <a:prstGeom prst="rect">
+            <a:avLst/>
+          </a:prstGeom>
+          <a:noFill/>
+        </p:spPr>
+        <p:txBody>
+          <a:bodyPr wrap="square" rtlCol="0">
+            <a:spAutoFit/>
+          </a:bodyPr>
+          <a:lstStyle/>
+          <a:p>
+            <a:r>
+              <a:rPr lang="en-US" sz="2400" b="1" dirty="0">
+                <a:solidFill>
+                  <a:srgbClr val="000000"/>
+                </a:solidFill>
+                <a:latin typeface="宋体" panose="02010600030101010101" pitchFamily="2" charset="-122"/>
+                <a:sym typeface="+mn-ea"/>
+              </a:rPr>
+              <a:t>User story:</a:t>
+            </a:r>
+            <a:r>
+              <a:rPr lang="zh-CN" altLang="en-US" sz="2400">
+                <a:latin typeface="+mn-ea"/>
+              </a:rPr>
+              <a:t>As a customer,I can book VIP package </a:t>
+            </a:r>
+            <a:r>
+              <a:rPr lang="en-US" altLang="zh-CN" sz="2400">
+                <a:latin typeface="+mn-ea"/>
+              </a:rPr>
+              <a:t>like 10/20/30 per month</a:t>
+            </a:r>
+          </a:p>
+        </p:txBody>
+      </p:sp>
+      <p:pic>
+        <p:nvPicPr>
+          <p:cNvPr id="7" name="图片 6"/>
+          <p:cNvPicPr>
+            <a:picLocks noChangeAspect="1"/>
+          </p:cNvPicPr>
+          <p:nvPr/>
+        </p:nvPicPr>
+        <p:blipFill>
+          <a:blip r:embed="rId3"/>
+          <a:stretch>
+            <a:fillRect/>
+          </a:stretch>
+        </p:blipFill>
+        <p:spPr>
+          <a:xfrm>
+            <a:off x="7710170" y="2000885"/>
+            <a:ext cx="3662680" cy="4148455"/>
+          </a:xfrm>
+          <a:prstGeom prst="rect">
+            <a:avLst/>
+          </a:prstGeom>
+        </p:spPr>
+      </p:pic>
     </p:spTree>
   </p:cSld>
   <p:clrMapOvr>
@@ -3797,11 +5409,235 @@
             <p:ph type="title"/>
           </p:nvPr>
         </p:nvSpPr>
-        <p:spPr/>
+        <p:spPr>
+          <a:xfrm>
+            <a:off x="1097280" y="1141730"/>
+            <a:ext cx="4022090" cy="966470"/>
+          </a:xfrm>
+        </p:spPr>
+        <p:txBody>
+          <a:bodyPr>
+            <a:normAutofit fontScale="90000"/>
+          </a:bodyPr>
+          <a:lstStyle/>
+          <a:p>
+            <a:r>
+              <a:rPr lang="en-US" altLang="zh-CN" sz="3555" dirty="0">
+                <a:sym typeface="+mn-ea"/>
+              </a:rPr>
+              <a:t>Sequence Diagram</a:t>
+            </a:r>
+            <a:br>
+              <a:rPr lang="zh-CN" altLang="en-US" dirty="0"/>
+            </a:br>
+            <a:endParaRPr lang="zh-CN" altLang="en-US"/>
+          </a:p>
+        </p:txBody>
+      </p:sp>
+      <p:sp>
+        <p:nvSpPr>
+          <p:cNvPr id="3" name="文本占位符 2"/>
+          <p:cNvSpPr>
+            <a:spLocks noGrp="1"/>
+          </p:cNvSpPr>
+          <p:nvPr>
+            <p:ph type="body" orient="vert" idx="1"/>
+          </p:nvPr>
+        </p:nvSpPr>
+        <p:spPr>
+          <a:xfrm>
+            <a:off x="1097280" y="2108200"/>
+            <a:ext cx="10058400" cy="4182745"/>
+          </a:xfrm>
+        </p:spPr>
         <p:txBody>
           <a:bodyPr/>
           <a:lstStyle/>
           <a:p>
+            <a:endParaRPr lang="zh-CN" altLang="en-US"/>
+          </a:p>
+        </p:txBody>
+      </p:sp>
+      <p:pic>
+        <p:nvPicPr>
+          <p:cNvPr id="51" name="图片 51"/>
+          <p:cNvPicPr>
+            <a:picLocks noChangeAspect="1"/>
+          </p:cNvPicPr>
+          <p:nvPr>
+            <p:custDataLst>
+              <p:tags r:id="rId1"/>
+            </p:custDataLst>
+          </p:nvPr>
+        </p:nvPicPr>
+        <p:blipFill>
+          <a:blip r:embed="rId3">
+            <a:extLst>
+              <a:ext uri="{28A0092B-C50C-407E-A947-70E740481C1C}">
+                <a14:useLocalDpi xmlns:a14="http://schemas.microsoft.com/office/drawing/2010/main" val="0"/>
+              </a:ext>
+            </a:extLst>
+          </a:blip>
+          <a:srcRect r="13328" b="26072"/>
+          <a:stretch>
+            <a:fillRect/>
+          </a:stretch>
+        </p:blipFill>
+        <p:spPr>
+          <a:xfrm>
+            <a:off x="494030" y="1966595"/>
+            <a:ext cx="5682615" cy="4323080"/>
+          </a:xfrm>
+          <a:prstGeom prst="rect">
+            <a:avLst/>
+          </a:prstGeom>
+        </p:spPr>
+      </p:pic>
+      <p:sp>
+        <p:nvSpPr>
+          <p:cNvPr id="5" name="文本框 4"/>
+          <p:cNvSpPr txBox="1"/>
+          <p:nvPr/>
+        </p:nvSpPr>
+        <p:spPr>
+          <a:xfrm>
+            <a:off x="7128510" y="772795"/>
+            <a:ext cx="3735705" cy="583565"/>
+          </a:xfrm>
+          <a:prstGeom prst="rect">
+            <a:avLst/>
+          </a:prstGeom>
+          <a:noFill/>
+        </p:spPr>
+        <p:txBody>
+          <a:bodyPr wrap="square" rtlCol="0" anchor="t">
+            <a:spAutoFit/>
+          </a:bodyPr>
+          <a:lstStyle/>
+          <a:p>
+            <a:r>
+              <a:rPr lang="en-US" altLang="zh-CN" sz="3200" dirty="0">
+                <a:sym typeface="+mn-ea"/>
+              </a:rPr>
+              <a:t>Activity Diagram</a:t>
+            </a:r>
+            <a:endParaRPr lang="zh-CN" altLang="en-US" sz="3200"/>
+          </a:p>
+        </p:txBody>
+      </p:sp>
+      <p:pic>
+        <p:nvPicPr>
+          <p:cNvPr id="6" name="图片 5"/>
+          <p:cNvPicPr>
+            <a:picLocks noChangeAspect="1"/>
+          </p:cNvPicPr>
+          <p:nvPr/>
+        </p:nvPicPr>
+        <p:blipFill>
+          <a:blip r:embed="rId4"/>
+          <a:srcRect r="39404" b="42337"/>
+          <a:stretch>
+            <a:fillRect/>
+          </a:stretch>
+        </p:blipFill>
+        <p:spPr>
+          <a:xfrm>
+            <a:off x="6764020" y="1966595"/>
+            <a:ext cx="4898390" cy="4322445"/>
+          </a:xfrm>
+          <a:prstGeom prst="rect">
+            <a:avLst/>
+          </a:prstGeom>
+        </p:spPr>
+      </p:pic>
+    </p:spTree>
+  </p:cSld>
+  <p:clrMapOvr>
+    <a:masterClrMapping/>
+  </p:clrMapOvr>
+</p:sld>
+</file>
+
+<file path=ppt/slides/slide12.xml><?xml version="1.0" encoding="utf-8"?>
+<p:sld xmlns:a="http://schemas.openxmlformats.org/drawingml/2006/main" xmlns:r="http://schemas.openxmlformats.org/officeDocument/2006/relationships" xmlns:p="http://schemas.openxmlformats.org/presentationml/2006/main">
+  <p:cSld>
+    <p:spTree>
+      <p:nvGrpSpPr>
+        <p:cNvPr id="1" name=""/>
+        <p:cNvGrpSpPr/>
+        <p:nvPr/>
+      </p:nvGrpSpPr>
+      <p:grpSpPr>
+        <a:xfrm>
+          <a:off x="0" y="0"/>
+          <a:ext cx="0" cy="0"/>
+          <a:chOff x="0" y="0"/>
+          <a:chExt cx="0" cy="0"/>
+        </a:xfrm>
+      </p:grpSpPr>
+      <p:sp>
+        <p:nvSpPr>
+          <p:cNvPr id="2" name="标题 1"/>
+          <p:cNvSpPr>
+            <a:spLocks noGrp="1"/>
+          </p:cNvSpPr>
+          <p:nvPr>
+            <p:ph type="title"/>
+          </p:nvPr>
+        </p:nvSpPr>
+        <p:spPr/>
+        <p:txBody>
+          <a:bodyPr/>
+          <a:lstStyle/>
+          <a:p>
+            <a:r>
+              <a:rPr lang="en-US" altLang="zh-CN" dirty="0"/>
+              <a:t>SCRUM PROCESS</a:t>
+            </a:r>
+            <a:endParaRPr lang="zh-CN" altLang="en-US" dirty="0"/>
+          </a:p>
+        </p:txBody>
+      </p:sp>
+    </p:spTree>
+  </p:cSld>
+  <p:clrMapOvr>
+    <a:masterClrMapping/>
+  </p:clrMapOvr>
+</p:sld>
+</file>
+
+<file path=ppt/slides/slide13.xml><?xml version="1.0" encoding="utf-8"?>
+<p:sld xmlns:a="http://schemas.openxmlformats.org/drawingml/2006/main" xmlns:r="http://schemas.openxmlformats.org/officeDocument/2006/relationships" xmlns:p="http://schemas.openxmlformats.org/presentationml/2006/main">
+  <p:cSld>
+    <p:spTree>
+      <p:nvGrpSpPr>
+        <p:cNvPr id="1" name=""/>
+        <p:cNvGrpSpPr/>
+        <p:nvPr/>
+      </p:nvGrpSpPr>
+      <p:grpSpPr>
+        <a:xfrm>
+          <a:off x="0" y="0"/>
+          <a:ext cx="0" cy="0"/>
+          <a:chOff x="0" y="0"/>
+          <a:chExt cx="0" cy="0"/>
+        </a:xfrm>
+      </p:grpSpPr>
+      <p:sp>
+        <p:nvSpPr>
+          <p:cNvPr id="2" name="标题 1"/>
+          <p:cNvSpPr>
+            <a:spLocks noGrp="1"/>
+          </p:cNvSpPr>
+          <p:nvPr>
+            <p:ph type="title"/>
+          </p:nvPr>
+        </p:nvSpPr>
+        <p:spPr/>
+        <p:txBody>
+          <a:bodyPr/>
+          <a:lstStyle/>
+          <a:p>
             <a:r>
               <a:rPr lang="en-US" altLang="zh-CN" dirty="0"/>
               <a:t>RESULTS</a:t>
@@ -3822,10 +5658,57 @@
         </p:nvSpPr>
         <p:spPr/>
         <p:txBody>
-          <a:bodyPr/>
+          <a:bodyPr>
+            <a:normAutofit fontScale="92500" lnSpcReduction="10000"/>
+          </a:bodyPr>
           <a:lstStyle/>
           <a:p>
-            <a:endParaRPr lang="zh-CN" altLang="en-US"/>
+            <a:r>
+              <a:rPr lang="en-US" altLang="zh-CN" dirty="0"/>
+              <a:t>•What we gained?</a:t>
+            </a:r>
+          </a:p>
+          <a:p>
+            <a:r>
+              <a:rPr lang="en-US" altLang="zh-CN" dirty="0"/>
+              <a:t>Cooperation</a:t>
+            </a:r>
+          </a:p>
+          <a:p>
+            <a:r>
+              <a:rPr lang="en-US" altLang="zh-CN" dirty="0"/>
+              <a:t>Team spirit</a:t>
+            </a:r>
+          </a:p>
+          <a:p>
+            <a:r>
+              <a:rPr lang="en-US" altLang="zh-CN" dirty="0"/>
+              <a:t>Communication</a:t>
+            </a:r>
+          </a:p>
+          <a:p>
+            <a:r>
+              <a:rPr lang="en-US" altLang="zh-CN" dirty="0"/>
+              <a:t>•What we learned?</a:t>
+            </a:r>
+          </a:p>
+          <a:p>
+            <a:r>
+              <a:rPr lang="en-US" altLang="zh-CN" dirty="0"/>
+              <a:t>Agile Mode</a:t>
+            </a:r>
+          </a:p>
+          <a:p>
+            <a:r>
+              <a:rPr lang="en-US" altLang="zh-CN" dirty="0"/>
+              <a:t>UML</a:t>
+            </a:r>
+          </a:p>
+          <a:p>
+            <a:r>
+              <a:rPr lang="en-US" altLang="zh-CN" dirty="0"/>
+              <a:t>Simulation Company</a:t>
+            </a:r>
           </a:p>
         </p:txBody>
       </p:sp>
@@ -4067,13 +5950,7 @@
       </p:sp>
       <p:pic>
         <p:nvPicPr>
-          <p:cNvPr id="4" name="图片 3">
-            <a:extLst>
-              <a:ext uri="{FF2B5EF4-FFF2-40B4-BE49-F238E27FC236}">
-                <a16:creationId xmlns:a16="http://schemas.microsoft.com/office/drawing/2014/main" id="{79147FB9-3925-4D82-AD3D-DA54095E17C7}"/>
-              </a:ext>
-            </a:extLst>
-          </p:cNvPr>
+          <p:cNvPr id="4" name="图片 3"/>
           <p:cNvPicPr>
             <a:picLocks noChangeAspect="1"/>
           </p:cNvPicPr>
@@ -4394,13 +6271,7 @@
       </p:sp>
       <p:sp>
         <p:nvSpPr>
-          <p:cNvPr id="3" name="文本框 2">
-            <a:extLst>
-              <a:ext uri="{FF2B5EF4-FFF2-40B4-BE49-F238E27FC236}">
-                <a16:creationId xmlns:a16="http://schemas.microsoft.com/office/drawing/2014/main" id="{CF46B817-13B5-49A4-9DA7-3DAAC1E90F48}"/>
-              </a:ext>
-            </a:extLst>
-          </p:cNvPr>
+          <p:cNvPr id="3" name="文本框 2"/>
           <p:cNvSpPr txBox="1"/>
           <p:nvPr/>
         </p:nvSpPr>
@@ -4430,13 +6301,7 @@
       </p:sp>
       <p:sp>
         <p:nvSpPr>
-          <p:cNvPr id="5" name="文本框 4">
-            <a:extLst>
-              <a:ext uri="{FF2B5EF4-FFF2-40B4-BE49-F238E27FC236}">
-                <a16:creationId xmlns:a16="http://schemas.microsoft.com/office/drawing/2014/main" id="{1001AAD0-B3F5-46AD-A147-483468253F9E}"/>
-              </a:ext>
-            </a:extLst>
-          </p:cNvPr>
+          <p:cNvPr id="5" name="文本框 4"/>
           <p:cNvSpPr txBox="1"/>
           <p:nvPr/>
         </p:nvSpPr>
@@ -4491,13 +6356,7 @@
       </p:grpSpPr>
       <p:pic>
         <p:nvPicPr>
-          <p:cNvPr id="2" name="图片 1">
-            <a:extLst>
-              <a:ext uri="{FF2B5EF4-FFF2-40B4-BE49-F238E27FC236}">
-                <a16:creationId xmlns:a16="http://schemas.microsoft.com/office/drawing/2014/main" id="{EBD0744E-694B-491A-AD51-AA9249998C4B}"/>
-              </a:ext>
-            </a:extLst>
-          </p:cNvPr>
+          <p:cNvPr id="2" name="图片 1"/>
           <p:cNvPicPr>
             <a:picLocks noChangeAspect="1"/>
           </p:cNvPicPr>
@@ -4511,8 +6370,8 @@
         </p:blipFill>
         <p:spPr>
           <a:xfrm>
-            <a:off x="63562" y="768457"/>
-            <a:ext cx="2596113" cy="5468734"/>
+            <a:off x="63500" y="768350"/>
+            <a:ext cx="2865120" cy="5468620"/>
           </a:xfrm>
           <a:prstGeom prst="rect">
             <a:avLst/>
@@ -4521,13 +6380,7 @@
       </p:pic>
       <p:pic>
         <p:nvPicPr>
-          <p:cNvPr id="3" name="图片 2">
-            <a:extLst>
-              <a:ext uri="{FF2B5EF4-FFF2-40B4-BE49-F238E27FC236}">
-                <a16:creationId xmlns:a16="http://schemas.microsoft.com/office/drawing/2014/main" id="{2C73157C-14E7-40EF-9DBD-F79C7C6F2A6E}"/>
-              </a:ext>
-            </a:extLst>
-          </p:cNvPr>
+          <p:cNvPr id="3" name="图片 2"/>
           <p:cNvPicPr>
             <a:picLocks noChangeAspect="1"/>
           </p:cNvPicPr>
@@ -4541,8 +6394,8 @@
         </p:blipFill>
         <p:spPr>
           <a:xfrm>
-            <a:off x="3172688" y="768457"/>
-            <a:ext cx="2514818" cy="4016088"/>
+            <a:off x="3032125" y="768350"/>
+            <a:ext cx="3525520" cy="5534660"/>
           </a:xfrm>
           <a:prstGeom prst="rect">
             <a:avLst/>
@@ -4551,13 +6404,7 @@
       </p:pic>
       <p:pic>
         <p:nvPicPr>
-          <p:cNvPr id="4" name="图片 3">
-            <a:extLst>
-              <a:ext uri="{FF2B5EF4-FFF2-40B4-BE49-F238E27FC236}">
-                <a16:creationId xmlns:a16="http://schemas.microsoft.com/office/drawing/2014/main" id="{378CD349-7D90-44FB-82A2-FABC6BD78436}"/>
-              </a:ext>
-            </a:extLst>
-          </p:cNvPr>
+          <p:cNvPr id="4" name="图片 3"/>
           <p:cNvPicPr>
             <a:picLocks noChangeAspect="1"/>
           </p:cNvPicPr>
@@ -4577,8 +6424,8 @@
         </p:blipFill>
         <p:spPr>
           <a:xfrm>
-            <a:off x="6445772" y="768457"/>
-            <a:ext cx="4072344" cy="3666378"/>
+            <a:off x="6929755" y="975995"/>
+            <a:ext cx="4846320" cy="4906010"/>
           </a:xfrm>
           <a:prstGeom prst="rect">
             <a:avLst/>
@@ -4587,13 +6434,7 @@
       </p:pic>
       <p:sp>
         <p:nvSpPr>
-          <p:cNvPr id="5" name="文本框 4">
-            <a:extLst>
-              <a:ext uri="{FF2B5EF4-FFF2-40B4-BE49-F238E27FC236}">
-                <a16:creationId xmlns:a16="http://schemas.microsoft.com/office/drawing/2014/main" id="{823202AE-BBB2-4A6B-9379-C0AFB9890D78}"/>
-              </a:ext>
-            </a:extLst>
-          </p:cNvPr>
+          <p:cNvPr id="5" name="文本框 4"/>
           <p:cNvSpPr txBox="1"/>
           <p:nvPr/>
         </p:nvSpPr>
@@ -4623,13 +6464,7 @@
       </p:sp>
       <p:sp>
         <p:nvSpPr>
-          <p:cNvPr id="6" name="文本框 5">
-            <a:extLst>
-              <a:ext uri="{FF2B5EF4-FFF2-40B4-BE49-F238E27FC236}">
-                <a16:creationId xmlns:a16="http://schemas.microsoft.com/office/drawing/2014/main" id="{8E2BDCA8-310C-44D7-806A-4830719687D8}"/>
-              </a:ext>
-            </a:extLst>
-          </p:cNvPr>
+          <p:cNvPr id="6" name="文本框 5"/>
           <p:cNvSpPr txBox="1"/>
           <p:nvPr/>
         </p:nvSpPr>
@@ -4658,11 +6493,6 @@
         </p:txBody>
       </p:sp>
     </p:spTree>
-    <p:extLst>
-      <p:ext uri="{BB962C8B-B14F-4D97-AF65-F5344CB8AC3E}">
-        <p14:creationId xmlns:p14="http://schemas.microsoft.com/office/powerpoint/2010/main" val="2139726024"/>
-      </p:ext>
-    </p:extLst>
   </p:cSld>
   <p:clrMapOvr>
     <a:masterClrMapping/>
@@ -4689,13 +6519,7 @@
       </p:grpSpPr>
       <p:pic>
         <p:nvPicPr>
-          <p:cNvPr id="2" name="图片 1">
-            <a:extLst>
-              <a:ext uri="{FF2B5EF4-FFF2-40B4-BE49-F238E27FC236}">
-                <a16:creationId xmlns:a16="http://schemas.microsoft.com/office/drawing/2014/main" id="{64BCA2CA-1D6A-429D-84A2-A5473CBDF2BD}"/>
-              </a:ext>
-            </a:extLst>
-          </p:cNvPr>
+          <p:cNvPr id="2" name="图片 1"/>
           <p:cNvPicPr>
             <a:picLocks noChangeAspect="1"/>
           </p:cNvPicPr>
@@ -4719,13 +6543,7 @@
       </p:pic>
       <p:sp>
         <p:nvSpPr>
-          <p:cNvPr id="3" name="文本框 2">
-            <a:extLst>
-              <a:ext uri="{FF2B5EF4-FFF2-40B4-BE49-F238E27FC236}">
-                <a16:creationId xmlns:a16="http://schemas.microsoft.com/office/drawing/2014/main" id="{7A73C93B-819B-4B1C-B832-6489BE43265A}"/>
-              </a:ext>
-            </a:extLst>
-          </p:cNvPr>
+          <p:cNvPr id="3" name="文本框 2"/>
           <p:cNvSpPr txBox="1"/>
           <p:nvPr/>
         </p:nvSpPr>
@@ -4755,13 +6573,7 @@
       </p:sp>
       <p:pic>
         <p:nvPicPr>
-          <p:cNvPr id="5" name="图片 4">
-            <a:extLst>
-              <a:ext uri="{FF2B5EF4-FFF2-40B4-BE49-F238E27FC236}">
-                <a16:creationId xmlns:a16="http://schemas.microsoft.com/office/drawing/2014/main" id="{1223D048-7509-468C-9B4A-5083A0DB3EBC}"/>
-              </a:ext>
-            </a:extLst>
-          </p:cNvPr>
+          <p:cNvPr id="5" name="图片 4"/>
           <p:cNvPicPr>
             <a:picLocks noChangeAspect="1"/>
           </p:cNvPicPr>
@@ -4775,8 +6587,8 @@
         </p:blipFill>
         <p:spPr>
           <a:xfrm>
-            <a:off x="7546274" y="1031255"/>
-            <a:ext cx="3391194" cy="4077053"/>
+            <a:off x="7494270" y="1031875"/>
+            <a:ext cx="3987165" cy="4794885"/>
           </a:xfrm>
           <a:prstGeom prst="rect">
             <a:avLst/>
@@ -4785,13 +6597,7 @@
       </p:pic>
       <p:sp>
         <p:nvSpPr>
-          <p:cNvPr id="6" name="文本框 5">
-            <a:extLst>
-              <a:ext uri="{FF2B5EF4-FFF2-40B4-BE49-F238E27FC236}">
-                <a16:creationId xmlns:a16="http://schemas.microsoft.com/office/drawing/2014/main" id="{0F7BE1A1-568F-4BA9-886E-50EFE63E892B}"/>
-              </a:ext>
-            </a:extLst>
-          </p:cNvPr>
+          <p:cNvPr id="6" name="文本框 5"/>
           <p:cNvSpPr txBox="1"/>
           <p:nvPr/>
         </p:nvSpPr>
@@ -4820,11 +6626,6 @@
         </p:txBody>
       </p:sp>
     </p:spTree>
-    <p:extLst>
-      <p:ext uri="{BB962C8B-B14F-4D97-AF65-F5344CB8AC3E}">
-        <p14:creationId xmlns:p14="http://schemas.microsoft.com/office/powerpoint/2010/main" val="646620366"/>
-      </p:ext>
-    </p:extLst>
   </p:cSld>
   <p:clrMapOvr>
     <a:masterClrMapping/>
@@ -4865,8 +6666,8 @@
         </p:blipFill>
         <p:spPr>
           <a:xfrm>
-            <a:off x="2776855" y="1953260"/>
-            <a:ext cx="3684905" cy="4420870"/>
+            <a:off x="3164840" y="1953260"/>
+            <a:ext cx="4234180" cy="4420870"/>
           </a:xfrm>
           <a:prstGeom prst="rect">
             <a:avLst/>
@@ -4955,8 +6756,8 @@
         </p:blipFill>
         <p:spPr>
           <a:xfrm>
-            <a:off x="464820" y="2190115"/>
-            <a:ext cx="1988820" cy="2827020"/>
+            <a:off x="485775" y="1953260"/>
+            <a:ext cx="2603500" cy="4420870"/>
           </a:xfrm>
           <a:prstGeom prst="rect">
             <a:avLst/>
@@ -4970,8 +6771,8 @@
           <p:nvPr/>
         </p:nvGraphicFramePr>
         <p:xfrm>
-          <a:off x="6461760" y="2190115"/>
-          <a:ext cx="3390265" cy="3064510"/>
+          <a:off x="7626985" y="2072005"/>
+          <a:ext cx="3648710" cy="4183380"/>
         </p:xfrm>
         <a:graphic>
           <a:graphicData uri="http://schemas.openxmlformats.org/drawingml/2006/table">
@@ -4980,7 +6781,7 @@
                 <a:tableStyleId>{5C22544A-7EE6-4342-B048-85BDC9FD1C3A}</a:tableStyleId>
               </a:tblPr>
               <a:tblGrid>
-                <a:gridCol w="3390265">
+                <a:gridCol w="3648710">
                   <a:extLst>
                     <a:ext uri="{9D8B030D-6E8A-4147-A177-3AD203B41FA5}">
                       <a16:colId xmlns:a16="http://schemas.microsoft.com/office/drawing/2014/main" val="20000"/>
@@ -4988,7 +6789,7 @@
                   </a:extLst>
                 </a:gridCol>
               </a:tblGrid>
-              <a:tr h="3064510">
+              <a:tr h="4183380">
                 <a:tc>
                   <a:txBody>
                     <a:bodyPr/>
@@ -4998,7 +6799,7 @@
                         <a:buNone/>
                       </a:pPr>
                       <a:r>
-                        <a:rPr lang="en-US" sz="1200" b="1" dirty="0">
+                        <a:rPr lang="en-US" sz="2400" b="1" dirty="0">
                           <a:solidFill>
                             <a:srgbClr val="000000"/>
                           </a:solidFill>
@@ -5006,7 +6807,7 @@
                         </a:rPr>
                         <a:t>User story</a:t>
                       </a:r>
-                      <a:endParaRPr lang="en-US" sz="1200" b="0" dirty="0">
+                      <a:endParaRPr lang="en-US" sz="2400" b="0" dirty="0">
                         <a:solidFill>
                           <a:srgbClr val="000000"/>
                         </a:solidFill>
@@ -5017,7 +6818,7 @@
                       <a:pPr indent="0">
                         <a:buNone/>
                       </a:pPr>
-                      <a:endParaRPr lang="en-US" sz="1200" b="0" dirty="0">
+                      <a:endParaRPr lang="en-US" sz="2400" b="0" dirty="0">
                         <a:solidFill>
                           <a:srgbClr val="000000"/>
                         </a:solidFill>
@@ -5028,7 +6829,7 @@
                       <a:pPr indent="0">
                         <a:buNone/>
                       </a:pPr>
-                      <a:endParaRPr lang="en-US" sz="1200" b="0" dirty="0">
+                      <a:endParaRPr lang="en-US" sz="2400" b="0" dirty="0">
                         <a:solidFill>
                           <a:srgbClr val="000000"/>
                         </a:solidFill>
@@ -5039,7 +6840,7 @@
                       <a:pPr indent="0">
                         <a:buNone/>
                       </a:pPr>
-                      <a:endParaRPr lang="en-US" sz="1200" b="0" dirty="0">
+                      <a:endParaRPr lang="en-US" sz="2400" b="0" dirty="0">
                         <a:solidFill>
                           <a:srgbClr val="000000"/>
                         </a:solidFill>
@@ -5051,7 +6852,7 @@
                         <a:buNone/>
                       </a:pPr>
                       <a:r>
-                        <a:rPr lang="en-US" sz="1200" b="0" dirty="0">
+                        <a:rPr lang="en-US" sz="2400" b="0" dirty="0">
                           <a:solidFill>
                             <a:srgbClr val="000000"/>
                           </a:solidFill>
@@ -5060,7 +6861,7 @@
                         <a:t>As a </a:t>
                       </a:r>
                       <a:r>
-                        <a:rPr lang="en-US" sz="1200" b="0" dirty="0" err="1">
+                        <a:rPr lang="en-US" sz="2400" b="0" dirty="0" err="1">
                           <a:solidFill>
                             <a:srgbClr val="000000"/>
                           </a:solidFill>
@@ -5069,7 +6870,7 @@
                         <a:t>customer,I</a:t>
                       </a:r>
                       <a:r>
-                        <a:rPr lang="en-US" sz="1200" b="0" dirty="0">
+                        <a:rPr lang="en-US" sz="2400" b="0" dirty="0">
                           <a:solidFill>
                             <a:srgbClr val="000000"/>
                           </a:solidFill>
@@ -5077,7 +6878,7 @@
                         </a:rPr>
                         <a:t> can give feedback to the partner when I encounter a problem with the e-scooter.</a:t>
                       </a:r>
-                      <a:endParaRPr lang="en-US" altLang="en-US" sz="1200" b="0" dirty="0">
+                      <a:endParaRPr lang="en-US" altLang="en-US" sz="2400" b="0" dirty="0">
                         <a:solidFill>
                           <a:srgbClr val="000000"/>
                         </a:solidFill>
@@ -5123,6 +6924,19 @@
     <a:masterClrMapping/>
   </p:clrMapOvr>
 </p:sld>
+</file>
+
+<file path=ppt/tags/tag1.xml><?xml version="1.0" encoding="utf-8"?>
+<p:tagLst xmlns:a="http://schemas.openxmlformats.org/drawingml/2006/main" xmlns:r="http://schemas.openxmlformats.org/officeDocument/2006/relationships" xmlns:p="http://schemas.openxmlformats.org/presentationml/2006/main">
+  <p:tag name="KSO_WM_UNIT_TABLE_BEAUTIFY" val="smartTable{9f6c558b-b28b-4512-a947-5f84a4bd0025}"/>
+</p:tagLst>
+</file>
+
+<file path=ppt/tags/tag2.xml><?xml version="1.0" encoding="utf-8"?>
+<p:tagLst xmlns:a="http://schemas.openxmlformats.org/drawingml/2006/main" xmlns:r="http://schemas.openxmlformats.org/officeDocument/2006/relationships" xmlns:p="http://schemas.openxmlformats.org/presentationml/2006/main">
+  <p:tag name="REFSHAPE" val="552137364"/>
+  <p:tag name="KSO_WM_UNIT_PLACING_PICTURE_USER_VIEWPORT" val="{&quot;height&quot;:5656,&quot;width&quot;:9072}"/>
+</p:tagLst>
 </file>
 
 <file path=ppt/theme/theme1.xml><?xml version="1.0" encoding="utf-8"?>

--- a/PPT.pptx
+++ b/PPT.pptx
@@ -13,11 +13,8 @@
     <p:sldId id="260" r:id="rId7"/>
     <p:sldId id="266" r:id="rId8"/>
     <p:sldId id="267" r:id="rId9"/>
-    <p:sldId id="264" r:id="rId10"/>
-    <p:sldId id="271" r:id="rId11"/>
-    <p:sldId id="272" r:id="rId12"/>
-    <p:sldId id="261" r:id="rId13"/>
-    <p:sldId id="262" r:id="rId14"/>
+    <p:sldId id="261" r:id="rId10"/>
+    <p:sldId id="262" r:id="rId11"/>
   </p:sldIdLst>
   <p:sldSz cx="12192000" cy="6858000"/>
   <p:notesSz cx="6858000" cy="9144000"/>
@@ -353,7 +350,7 @@
           <a:p>
             <a:fld id="{9184DA70-C731-4C70-880D-CCD4705E623C}" type="datetime1">
               <a:rPr lang="en-US" smtClean="0"/>
-              <a:t>2/2/2020</a:t>
+              <a:t>2/5/2020</a:t>
             </a:fld>
             <a:endParaRPr lang="en-US" dirty="0"/>
           </a:p>
@@ -518,7 +515,7 @@
           <a:p>
             <a:fld id="{B612A279-0833-481D-8C56-F67FD0AC6C50}" type="datetime1">
               <a:rPr lang="en-US" smtClean="0"/>
-              <a:t>2/2/2020</a:t>
+              <a:t>2/5/2020</a:t>
             </a:fld>
             <a:endParaRPr lang="en-US" dirty="0"/>
           </a:p>
@@ -731,7 +728,7 @@
           <a:p>
             <a:fld id="{6587DA83-5663-4C9C-B9AA-0B40A3DAFF81}" type="datetime1">
               <a:rPr lang="en-US" smtClean="0"/>
-              <a:t>2/2/2020</a:t>
+              <a:t>2/5/2020</a:t>
             </a:fld>
             <a:endParaRPr lang="en-US" dirty="0"/>
           </a:p>
@@ -896,7 +893,7 @@
           <a:p>
             <a:fld id="{4BE1D723-8F53-4F53-90B0-1982A396982E}" type="datetime1">
               <a:rPr lang="en-US" smtClean="0"/>
-              <a:t>2/2/2020</a:t>
+              <a:t>2/5/2020</a:t>
             </a:fld>
             <a:endParaRPr lang="en-US" dirty="0"/>
           </a:p>
@@ -1234,7 +1231,7 @@
           <a:p>
             <a:fld id="{97669AF7-7BEB-44E4-9852-375E34362B5B}" type="datetime1">
               <a:rPr lang="en-US" smtClean="0"/>
-              <a:t>2/2/2020</a:t>
+              <a:t>2/5/2020</a:t>
             </a:fld>
             <a:endParaRPr lang="en-US" dirty="0"/>
           </a:p>
@@ -1466,7 +1463,7 @@
           <a:p>
             <a:fld id="{BAAAC38D-0552-4C82-B593-E6124DFADBE2}" type="datetime1">
               <a:rPr lang="en-US" smtClean="0"/>
-              <a:t>2/2/2020</a:t>
+              <a:t>2/5/2020</a:t>
             </a:fld>
             <a:endParaRPr lang="en-US" dirty="0"/>
           </a:p>
@@ -1840,7 +1837,7 @@
           <a:p>
             <a:fld id="{D9DF0F1C-5577-4ACB-BB62-DF8F3C494C7E}" type="datetime1">
               <a:rPr lang="en-US" smtClean="0"/>
-              <a:t>2/2/2020</a:t>
+              <a:t>2/5/2020</a:t>
             </a:fld>
             <a:endParaRPr lang="en-US" dirty="0"/>
           </a:p>
@@ -1953,7 +1950,7 @@
           <a:p>
             <a:fld id="{1775B394-D9F9-4F0C-B15D-605F45CB9E9F}" type="datetime1">
               <a:rPr lang="en-US" smtClean="0"/>
-              <a:t>2/2/2020</a:t>
+              <a:t>2/5/2020</a:t>
             </a:fld>
             <a:endParaRPr lang="en-US" dirty="0"/>
           </a:p>
@@ -2081,7 +2078,7 @@
           <a:p>
             <a:fld id="{39667345-2558-425A-8533-9BFDBCE15005}" type="datetime1">
               <a:rPr lang="en-US" smtClean="0"/>
-              <a:t>2/2/2020</a:t>
+              <a:t>2/5/2020</a:t>
             </a:fld>
             <a:endParaRPr lang="en-US" dirty="0"/>
           </a:p>
@@ -2387,7 +2384,7 @@
           <a:p>
             <a:fld id="{92BEA474-078D-4E9B-9B14-09A87B19DC46}" type="datetime1">
               <a:rPr lang="en-US" smtClean="0"/>
-              <a:t>2/2/2020</a:t>
+              <a:t>2/5/2020</a:t>
             </a:fld>
             <a:endParaRPr lang="en-US" dirty="0"/>
           </a:p>
@@ -2725,7 +2722,7 @@
           <a:p>
             <a:fld id="{4907D986-8816-4272-A432-0437A28A9828}" type="datetime1">
               <a:rPr lang="en-US" smtClean="0"/>
-              <a:t>2/2/2020</a:t>
+              <a:t>2/5/2020</a:t>
             </a:fld>
             <a:endParaRPr lang="en-US" dirty="0"/>
           </a:p>
@@ -2975,7 +2972,7 @@
           <a:p>
             <a:fld id="{62D6E202-B606-4609-B914-27C9371A1F6D}" type="datetime1">
               <a:rPr lang="en-US" smtClean="0"/>
-              <a:t>2/2/2020</a:t>
+              <a:t>2/5/2020</a:t>
             </a:fld>
             <a:endParaRPr lang="en-US" dirty="0"/>
           </a:p>
@@ -3652,7 +3649,7 @@
           <a:p>
             <a:r>
               <a:rPr lang="en-US" altLang="zh-CN" sz="1800" dirty="0"/>
-              <a:t>ADIL</a:t>
+              <a:t>ADIL AKARKACH</a:t>
             </a:r>
           </a:p>
           <a:p>
@@ -3754,1885 +3751,6 @@
             <p:ph type="title"/>
           </p:nvPr>
         </p:nvSpPr>
-        <p:spPr>
-          <a:xfrm>
-            <a:off x="1066800" y="771743"/>
-            <a:ext cx="10058400" cy="1450757"/>
-          </a:xfrm>
-        </p:spPr>
-        <p:txBody>
-          <a:bodyPr>
-            <a:normAutofit fontScale="90000"/>
-          </a:bodyPr>
-          <a:lstStyle/>
-          <a:p>
-            <a:r>
-              <a:rPr lang="en-US" altLang="zh-CN" dirty="0">
-                <a:sym typeface="+mn-ea"/>
-              </a:rPr>
-              <a:t>SPECIFIC BACKLOG ITEM:</a:t>
-            </a:r>
-            <a:br>
-              <a:rPr lang="en-US" altLang="zh-CN" dirty="0">
-                <a:sym typeface="+mn-ea"/>
-              </a:rPr>
-            </a:br>
-            <a:r>
-              <a:rPr lang="en-US" altLang="zh-CN" dirty="0">
-                <a:sym typeface="+mn-ea"/>
-              </a:rPr>
-              <a:t>Book VIP package</a:t>
-            </a:r>
-            <a:br>
-              <a:rPr lang="en-US" altLang="zh-CN" dirty="0">
-                <a:sym typeface="+mn-ea"/>
-              </a:rPr>
-            </a:br>
-            <a:r>
-              <a:rPr lang="en-US" altLang="zh-CN" dirty="0">
-                <a:sym typeface="+mn-ea"/>
-              </a:rPr>
-              <a:t>Team Member: Zhu Ying</a:t>
-            </a:r>
-            <a:endParaRPr lang="zh-CN" altLang="en-US"/>
-          </a:p>
-        </p:txBody>
-      </p:sp>
-      <p:graphicFrame>
-        <p:nvGraphicFramePr>
-          <p:cNvPr id="4" name="表格 3"/>
-          <p:cNvGraphicFramePr/>
-          <p:nvPr>
-            <p:custDataLst>
-              <p:tags r:id="rId1"/>
-            </p:custDataLst>
-          </p:nvPr>
-        </p:nvGraphicFramePr>
-        <p:xfrm>
-          <a:off x="3924300" y="2000885"/>
-          <a:ext cx="3524250" cy="4232910"/>
-        </p:xfrm>
-        <a:graphic>
-          <a:graphicData uri="http://schemas.openxmlformats.org/drawingml/2006/table">
-            <a:tbl>
-              <a:tblPr firstRow="1" bandRow="1">
-                <a:tableStyleId>{5940675A-B579-460E-94D1-54222C63F5DA}</a:tableStyleId>
-              </a:tblPr>
-              <a:tblGrid>
-                <a:gridCol w="1762125">
-                  <a:extLst>
-                    <a:ext uri="{9D8B030D-6E8A-4147-A177-3AD203B41FA5}">
-                      <a16:colId xmlns:a16="http://schemas.microsoft.com/office/drawing/2014/main" val="20000"/>
-                    </a:ext>
-                  </a:extLst>
-                </a:gridCol>
-                <a:gridCol w="1762125">
-                  <a:extLst>
-                    <a:ext uri="{9D8B030D-6E8A-4147-A177-3AD203B41FA5}">
-                      <a16:colId xmlns:a16="http://schemas.microsoft.com/office/drawing/2014/main" val="20001"/>
-                    </a:ext>
-                  </a:extLst>
-                </a:gridCol>
-              </a:tblGrid>
-              <a:tr h="448945">
-                <a:tc>
-                  <a:txBody>
-                    <a:bodyPr/>
-                    <a:lstStyle/>
-                    <a:p>
-                      <a:pPr indent="0">
-                        <a:buNone/>
-                      </a:pPr>
-                      <a:r>
-                        <a:rPr lang="en-US" sz="1100" b="0">
-                          <a:latin typeface="Calibri" panose="020F0502020204030204" pitchFamily="34" charset="0"/>
-                          <a:cs typeface="Calibri" panose="020F0502020204030204" pitchFamily="34" charset="0"/>
-                        </a:rPr>
-                        <a:t>ID</a:t>
-                      </a:r>
-                      <a:endParaRPr lang="en-US" altLang="en-US" sz="1100" b="0">
-                        <a:latin typeface="Calibri" panose="020F0502020204030204" pitchFamily="34" charset="0"/>
-                        <a:ea typeface="Calibri" panose="020F0502020204030204" pitchFamily="34" charset="0"/>
-                        <a:cs typeface="Calibri" panose="020F0502020204030204" pitchFamily="34" charset="0"/>
-                      </a:endParaRPr>
-                    </a:p>
-                  </a:txBody>
-                  <a:tcPr marL="68580" marR="68580" marT="0" marB="0">
-                    <a:lnL w="12700" cap="flat" cmpd="sng">
-                      <a:solidFill>
-                        <a:srgbClr val="080000"/>
-                      </a:solidFill>
-                      <a:prstDash val="solid"/>
-                      <a:headEnd type="none" w="med" len="med"/>
-                      <a:tailEnd type="none" w="med" len="med"/>
-                    </a:lnL>
-                    <a:lnR w="12700" cap="flat" cmpd="sng">
-                      <a:solidFill>
-                        <a:srgbClr val="080000"/>
-                      </a:solidFill>
-                      <a:prstDash val="solid"/>
-                      <a:headEnd type="none" w="med" len="med"/>
-                      <a:tailEnd type="none" w="med" len="med"/>
-                    </a:lnR>
-                    <a:lnT w="12700" cap="flat" cmpd="sng">
-                      <a:solidFill>
-                        <a:srgbClr val="080000"/>
-                      </a:solidFill>
-                      <a:prstDash val="solid"/>
-                      <a:headEnd type="none" w="med" len="med"/>
-                      <a:tailEnd type="none" w="med" len="med"/>
-                    </a:lnT>
-                    <a:lnB w="12700" cap="flat" cmpd="sng">
-                      <a:solidFill>
-                        <a:srgbClr val="080000"/>
-                      </a:solidFill>
-                      <a:prstDash val="solid"/>
-                      <a:headEnd type="none" w="med" len="med"/>
-                      <a:tailEnd type="none" w="med" len="med"/>
-                    </a:lnB>
-                    <a:lnTlToBr>
-                      <a:noFill/>
-                    </a:lnTlToBr>
-                    <a:lnBlToTr>
-                      <a:noFill/>
-                    </a:lnBlToTr>
-                    <a:solidFill>
-                      <a:srgbClr val="D0CECE"/>
-                    </a:solidFill>
-                  </a:tcPr>
-                </a:tc>
-                <a:tc>
-                  <a:txBody>
-                    <a:bodyPr/>
-                    <a:lstStyle/>
-                    <a:p>
-                      <a:pPr indent="0">
-                        <a:buNone/>
-                      </a:pPr>
-                      <a:r>
-                        <a:rPr lang="en-US" sz="1100" b="0">
-                          <a:latin typeface="等线" panose="02010600030101010101" charset="-122"/>
-                          <a:ea typeface="等线" panose="02010600030101010101" charset="-122"/>
-                          <a:cs typeface="等线" panose="02010600030101010101" charset="-122"/>
-                        </a:rPr>
-                        <a:t>17</a:t>
-                      </a:r>
-                      <a:endParaRPr lang="en-US" altLang="en-US" sz="1100" b="0">
-                        <a:latin typeface="等线" panose="02010600030101010101" charset="-122"/>
-                        <a:ea typeface="等线" panose="02010600030101010101" charset="-122"/>
-                        <a:cs typeface="等线" panose="02010600030101010101" charset="-122"/>
-                      </a:endParaRPr>
-                    </a:p>
-                  </a:txBody>
-                  <a:tcPr marL="68580" marR="68580" marT="0" marB="0">
-                    <a:lnL w="12700" cap="flat" cmpd="sng">
-                      <a:solidFill>
-                        <a:srgbClr val="080000"/>
-                      </a:solidFill>
-                      <a:prstDash val="solid"/>
-                      <a:headEnd type="none" w="med" len="med"/>
-                      <a:tailEnd type="none" w="med" len="med"/>
-                    </a:lnL>
-                    <a:lnR w="12700" cap="flat" cmpd="sng">
-                      <a:solidFill>
-                        <a:srgbClr val="080000"/>
-                      </a:solidFill>
-                      <a:prstDash val="solid"/>
-                      <a:headEnd type="none" w="med" len="med"/>
-                      <a:tailEnd type="none" w="med" len="med"/>
-                    </a:lnR>
-                    <a:lnT w="12700" cap="flat" cmpd="sng">
-                      <a:solidFill>
-                        <a:srgbClr val="080000"/>
-                      </a:solidFill>
-                      <a:prstDash val="solid"/>
-                      <a:headEnd type="none" w="med" len="med"/>
-                      <a:tailEnd type="none" w="med" len="med"/>
-                    </a:lnT>
-                    <a:lnB w="12700" cap="flat" cmpd="sng">
-                      <a:solidFill>
-                        <a:srgbClr val="080000"/>
-                      </a:solidFill>
-                      <a:prstDash val="solid"/>
-                      <a:headEnd type="none" w="med" len="med"/>
-                      <a:tailEnd type="none" w="med" len="med"/>
-                    </a:lnB>
-                    <a:lnTlToBr>
-                      <a:noFill/>
-                    </a:lnTlToBr>
-                    <a:lnBlToTr>
-                      <a:noFill/>
-                    </a:lnBlToTr>
-                    <a:noFill/>
-                  </a:tcPr>
-                </a:tc>
-                <a:extLst>
-                  <a:ext uri="{0D108BD9-81ED-4DB2-BD59-A6C34878D82A}">
-                    <a16:rowId xmlns:a16="http://schemas.microsoft.com/office/drawing/2014/main" val="10000"/>
-                  </a:ext>
-                </a:extLst>
-              </a:tr>
-              <a:tr h="315595">
-                <a:tc>
-                  <a:txBody>
-                    <a:bodyPr/>
-                    <a:lstStyle/>
-                    <a:p>
-                      <a:pPr indent="0">
-                        <a:buNone/>
-                      </a:pPr>
-                      <a:r>
-                        <a:rPr lang="en-US" sz="1100" b="0">
-                          <a:latin typeface="Calibri" panose="020F0502020204030204" pitchFamily="34" charset="0"/>
-                          <a:cs typeface="Calibri" panose="020F0502020204030204" pitchFamily="34" charset="0"/>
-                        </a:rPr>
-                        <a:t>Use Case Name</a:t>
-                      </a:r>
-                      <a:endParaRPr lang="en-US" altLang="en-US" sz="1100" b="0">
-                        <a:latin typeface="Calibri" panose="020F0502020204030204" pitchFamily="34" charset="0"/>
-                        <a:ea typeface="Calibri" panose="020F0502020204030204" pitchFamily="34" charset="0"/>
-                        <a:cs typeface="Calibri" panose="020F0502020204030204" pitchFamily="34" charset="0"/>
-                      </a:endParaRPr>
-                    </a:p>
-                  </a:txBody>
-                  <a:tcPr marL="68580" marR="68580" marT="0" marB="0">
-                    <a:lnL w="12700" cap="flat" cmpd="sng">
-                      <a:solidFill>
-                        <a:srgbClr val="080000"/>
-                      </a:solidFill>
-                      <a:prstDash val="solid"/>
-                      <a:headEnd type="none" w="med" len="med"/>
-                      <a:tailEnd type="none" w="med" len="med"/>
-                    </a:lnL>
-                    <a:lnR w="12700" cap="flat" cmpd="sng">
-                      <a:solidFill>
-                        <a:srgbClr val="080000"/>
-                      </a:solidFill>
-                      <a:prstDash val="solid"/>
-                      <a:headEnd type="none" w="med" len="med"/>
-                      <a:tailEnd type="none" w="med" len="med"/>
-                    </a:lnR>
-                    <a:lnT w="12700" cap="flat" cmpd="sng">
-                      <a:solidFill>
-                        <a:srgbClr val="080000"/>
-                      </a:solidFill>
-                      <a:prstDash val="solid"/>
-                      <a:headEnd type="none" w="med" len="med"/>
-                      <a:tailEnd type="none" w="med" len="med"/>
-                    </a:lnT>
-                    <a:lnB w="12700" cap="flat" cmpd="sng">
-                      <a:solidFill>
-                        <a:srgbClr val="080000"/>
-                      </a:solidFill>
-                      <a:prstDash val="solid"/>
-                      <a:headEnd type="none" w="med" len="med"/>
-                      <a:tailEnd type="none" w="med" len="med"/>
-                    </a:lnB>
-                    <a:lnTlToBr>
-                      <a:noFill/>
-                    </a:lnTlToBr>
-                    <a:lnBlToTr>
-                      <a:noFill/>
-                    </a:lnBlToTr>
-                    <a:solidFill>
-                      <a:srgbClr val="D0CECE"/>
-                    </a:solidFill>
-                  </a:tcPr>
-                </a:tc>
-                <a:tc>
-                  <a:txBody>
-                    <a:bodyPr/>
-                    <a:lstStyle/>
-                    <a:p>
-                      <a:pPr indent="0">
-                        <a:buNone/>
-                      </a:pPr>
-                      <a:r>
-                        <a:rPr lang="en-US" sz="1100" b="0">
-                          <a:latin typeface="Calibri" panose="020F0502020204030204" pitchFamily="34" charset="0"/>
-                          <a:cs typeface="Calibri" panose="020F0502020204030204" pitchFamily="34" charset="0"/>
-                        </a:rPr>
-                        <a:t>Book VIP package</a:t>
-                      </a:r>
-                      <a:endParaRPr lang="en-US" altLang="en-US" sz="1100" b="0">
-                        <a:latin typeface="Calibri" panose="020F0502020204030204" pitchFamily="34" charset="0"/>
-                        <a:ea typeface="Calibri" panose="020F0502020204030204" pitchFamily="34" charset="0"/>
-                        <a:cs typeface="Calibri" panose="020F0502020204030204" pitchFamily="34" charset="0"/>
-                      </a:endParaRPr>
-                    </a:p>
-                  </a:txBody>
-                  <a:tcPr marL="68580" marR="68580" marT="0" marB="0">
-                    <a:lnL w="12700" cap="flat" cmpd="sng">
-                      <a:solidFill>
-                        <a:srgbClr val="080000"/>
-                      </a:solidFill>
-                      <a:prstDash val="solid"/>
-                      <a:headEnd type="none" w="med" len="med"/>
-                      <a:tailEnd type="none" w="med" len="med"/>
-                    </a:lnL>
-                    <a:lnR w="12700" cap="flat" cmpd="sng">
-                      <a:solidFill>
-                        <a:srgbClr val="080000"/>
-                      </a:solidFill>
-                      <a:prstDash val="solid"/>
-                      <a:headEnd type="none" w="med" len="med"/>
-                      <a:tailEnd type="none" w="med" len="med"/>
-                    </a:lnR>
-                    <a:lnT w="12700" cap="flat" cmpd="sng">
-                      <a:solidFill>
-                        <a:srgbClr val="080000"/>
-                      </a:solidFill>
-                      <a:prstDash val="solid"/>
-                      <a:headEnd type="none" w="med" len="med"/>
-                      <a:tailEnd type="none" w="med" len="med"/>
-                    </a:lnT>
-                    <a:lnB w="12700" cap="flat" cmpd="sng">
-                      <a:solidFill>
-                        <a:srgbClr val="080000"/>
-                      </a:solidFill>
-                      <a:prstDash val="solid"/>
-                      <a:headEnd type="none" w="med" len="med"/>
-                      <a:tailEnd type="none" w="med" len="med"/>
-                    </a:lnB>
-                    <a:lnTlToBr>
-                      <a:noFill/>
-                    </a:lnTlToBr>
-                    <a:lnBlToTr>
-                      <a:noFill/>
-                    </a:lnBlToTr>
-                    <a:noFill/>
-                  </a:tcPr>
-                </a:tc>
-                <a:extLst>
-                  <a:ext uri="{0D108BD9-81ED-4DB2-BD59-A6C34878D82A}">
-                    <a16:rowId xmlns:a16="http://schemas.microsoft.com/office/drawing/2014/main" val="10001"/>
-                  </a:ext>
-                </a:extLst>
-              </a:tr>
-              <a:tr h="314960">
-                <a:tc>
-                  <a:txBody>
-                    <a:bodyPr/>
-                    <a:lstStyle/>
-                    <a:p>
-                      <a:pPr indent="0">
-                        <a:buNone/>
-                      </a:pPr>
-                      <a:r>
-                        <a:rPr lang="en-US" sz="1100" b="0">
-                          <a:latin typeface="Calibri" panose="020F0502020204030204" pitchFamily="34" charset="0"/>
-                          <a:cs typeface="Calibri" panose="020F0502020204030204" pitchFamily="34" charset="0"/>
-                        </a:rPr>
-                        <a:t>Primary Actor</a:t>
-                      </a:r>
-                      <a:endParaRPr lang="en-US" altLang="en-US" sz="1100" b="0">
-                        <a:latin typeface="Calibri" panose="020F0502020204030204" pitchFamily="34" charset="0"/>
-                        <a:ea typeface="Calibri" panose="020F0502020204030204" pitchFamily="34" charset="0"/>
-                        <a:cs typeface="Calibri" panose="020F0502020204030204" pitchFamily="34" charset="0"/>
-                      </a:endParaRPr>
-                    </a:p>
-                  </a:txBody>
-                  <a:tcPr marL="68580" marR="68580" marT="0" marB="0">
-                    <a:lnL w="12700" cap="flat" cmpd="sng">
-                      <a:solidFill>
-                        <a:srgbClr val="080000"/>
-                      </a:solidFill>
-                      <a:prstDash val="solid"/>
-                      <a:headEnd type="none" w="med" len="med"/>
-                      <a:tailEnd type="none" w="med" len="med"/>
-                    </a:lnL>
-                    <a:lnR w="12700" cap="flat" cmpd="sng">
-                      <a:solidFill>
-                        <a:srgbClr val="080000"/>
-                      </a:solidFill>
-                      <a:prstDash val="solid"/>
-                      <a:headEnd type="none" w="med" len="med"/>
-                      <a:tailEnd type="none" w="med" len="med"/>
-                    </a:lnR>
-                    <a:lnT w="12700" cap="flat" cmpd="sng">
-                      <a:solidFill>
-                        <a:srgbClr val="080000"/>
-                      </a:solidFill>
-                      <a:prstDash val="solid"/>
-                      <a:headEnd type="none" w="med" len="med"/>
-                      <a:tailEnd type="none" w="med" len="med"/>
-                    </a:lnT>
-                    <a:lnB w="12700" cap="flat" cmpd="sng">
-                      <a:solidFill>
-                        <a:srgbClr val="080000"/>
-                      </a:solidFill>
-                      <a:prstDash val="solid"/>
-                      <a:headEnd type="none" w="med" len="med"/>
-                      <a:tailEnd type="none" w="med" len="med"/>
-                    </a:lnB>
-                    <a:lnTlToBr>
-                      <a:noFill/>
-                    </a:lnTlToBr>
-                    <a:lnBlToTr>
-                      <a:noFill/>
-                    </a:lnBlToTr>
-                    <a:solidFill>
-                      <a:srgbClr val="D0CECE"/>
-                    </a:solidFill>
-                  </a:tcPr>
-                </a:tc>
-                <a:tc>
-                  <a:txBody>
-                    <a:bodyPr/>
-                    <a:lstStyle/>
-                    <a:p>
-                      <a:pPr indent="0">
-                        <a:buNone/>
-                      </a:pPr>
-                      <a:r>
-                        <a:rPr lang="en-US" sz="1100" b="0">
-                          <a:latin typeface="等线" panose="02010600030101010101" charset="-122"/>
-                          <a:ea typeface="等线" panose="02010600030101010101" charset="-122"/>
-                          <a:cs typeface="等线" panose="02010600030101010101" charset="-122"/>
-                        </a:rPr>
-                        <a:t>C</a:t>
-                      </a:r>
-                      <a:r>
-                        <a:rPr lang="en-US" sz="1100" b="0">
-                          <a:latin typeface="Calibri" panose="020F0502020204030204" pitchFamily="34" charset="0"/>
-                          <a:cs typeface="Calibri" panose="020F0502020204030204" pitchFamily="34" charset="0"/>
-                        </a:rPr>
-                        <a:t>ustomer</a:t>
-                      </a:r>
-                      <a:endParaRPr lang="en-US" altLang="en-US" sz="1100" b="0">
-                        <a:latin typeface="等线" panose="02010600030101010101" charset="-122"/>
-                        <a:ea typeface="等线" panose="02010600030101010101" charset="-122"/>
-                        <a:cs typeface="等线" panose="02010600030101010101" charset="-122"/>
-                      </a:endParaRPr>
-                    </a:p>
-                  </a:txBody>
-                  <a:tcPr marL="68580" marR="68580" marT="0" marB="0">
-                    <a:lnL w="12700" cap="flat" cmpd="sng">
-                      <a:solidFill>
-                        <a:srgbClr val="080000"/>
-                      </a:solidFill>
-                      <a:prstDash val="solid"/>
-                      <a:headEnd type="none" w="med" len="med"/>
-                      <a:tailEnd type="none" w="med" len="med"/>
-                    </a:lnL>
-                    <a:lnR w="12700" cap="flat" cmpd="sng">
-                      <a:solidFill>
-                        <a:srgbClr val="080000"/>
-                      </a:solidFill>
-                      <a:prstDash val="solid"/>
-                      <a:headEnd type="none" w="med" len="med"/>
-                      <a:tailEnd type="none" w="med" len="med"/>
-                    </a:lnR>
-                    <a:lnT w="12700" cap="flat" cmpd="sng">
-                      <a:solidFill>
-                        <a:srgbClr val="080000"/>
-                      </a:solidFill>
-                      <a:prstDash val="solid"/>
-                      <a:headEnd type="none" w="med" len="med"/>
-                      <a:tailEnd type="none" w="med" len="med"/>
-                    </a:lnT>
-                    <a:lnB w="12700" cap="flat" cmpd="sng">
-                      <a:solidFill>
-                        <a:srgbClr val="080000"/>
-                      </a:solidFill>
-                      <a:prstDash val="solid"/>
-                      <a:headEnd type="none" w="med" len="med"/>
-                      <a:tailEnd type="none" w="med" len="med"/>
-                    </a:lnB>
-                    <a:lnTlToBr>
-                      <a:noFill/>
-                    </a:lnTlToBr>
-                    <a:lnBlToTr>
-                      <a:noFill/>
-                    </a:lnBlToTr>
-                    <a:noFill/>
-                  </a:tcPr>
-                </a:tc>
-                <a:extLst>
-                  <a:ext uri="{0D108BD9-81ED-4DB2-BD59-A6C34878D82A}">
-                    <a16:rowId xmlns:a16="http://schemas.microsoft.com/office/drawing/2014/main" val="10002"/>
-                  </a:ext>
-                </a:extLst>
-              </a:tr>
-              <a:tr h="303530">
-                <a:tc>
-                  <a:txBody>
-                    <a:bodyPr/>
-                    <a:lstStyle/>
-                    <a:p>
-                      <a:pPr indent="0">
-                        <a:buNone/>
-                      </a:pPr>
-                      <a:r>
-                        <a:rPr lang="en-US" sz="1100" b="0">
-                          <a:latin typeface="Calibri" panose="020F0502020204030204" pitchFamily="34" charset="0"/>
-                          <a:cs typeface="Calibri" panose="020F0502020204030204" pitchFamily="34" charset="0"/>
-                        </a:rPr>
-                        <a:t>Further Actors</a:t>
-                      </a:r>
-                      <a:endParaRPr lang="en-US" altLang="en-US" sz="1100" b="0">
-                        <a:latin typeface="Calibri" panose="020F0502020204030204" pitchFamily="34" charset="0"/>
-                        <a:ea typeface="Calibri" panose="020F0502020204030204" pitchFamily="34" charset="0"/>
-                        <a:cs typeface="Calibri" panose="020F0502020204030204" pitchFamily="34" charset="0"/>
-                      </a:endParaRPr>
-                    </a:p>
-                  </a:txBody>
-                  <a:tcPr marL="68580" marR="68580" marT="0" marB="0">
-                    <a:lnL w="12700" cap="flat" cmpd="sng">
-                      <a:solidFill>
-                        <a:srgbClr val="080000"/>
-                      </a:solidFill>
-                      <a:prstDash val="solid"/>
-                      <a:headEnd type="none" w="med" len="med"/>
-                      <a:tailEnd type="none" w="med" len="med"/>
-                    </a:lnL>
-                    <a:lnR w="12700" cap="flat" cmpd="sng">
-                      <a:solidFill>
-                        <a:srgbClr val="080000"/>
-                      </a:solidFill>
-                      <a:prstDash val="solid"/>
-                      <a:headEnd type="none" w="med" len="med"/>
-                      <a:tailEnd type="none" w="med" len="med"/>
-                    </a:lnR>
-                    <a:lnT w="12700" cap="flat" cmpd="sng">
-                      <a:solidFill>
-                        <a:srgbClr val="080000"/>
-                      </a:solidFill>
-                      <a:prstDash val="solid"/>
-                      <a:headEnd type="none" w="med" len="med"/>
-                      <a:tailEnd type="none" w="med" len="med"/>
-                    </a:lnT>
-                    <a:lnB w="12700" cap="flat" cmpd="sng">
-                      <a:solidFill>
-                        <a:srgbClr val="080000"/>
-                      </a:solidFill>
-                      <a:prstDash val="solid"/>
-                      <a:headEnd type="none" w="med" len="med"/>
-                      <a:tailEnd type="none" w="med" len="med"/>
-                    </a:lnB>
-                    <a:lnTlToBr>
-                      <a:noFill/>
-                    </a:lnTlToBr>
-                    <a:lnBlToTr>
-                      <a:noFill/>
-                    </a:lnBlToTr>
-                    <a:solidFill>
-                      <a:srgbClr val="D0CECE"/>
-                    </a:solidFill>
-                  </a:tcPr>
-                </a:tc>
-                <a:tc>
-                  <a:txBody>
-                    <a:bodyPr/>
-                    <a:lstStyle/>
-                    <a:p>
-                      <a:pPr indent="0">
-                        <a:buNone/>
-                      </a:pPr>
-                      <a:r>
-                        <a:rPr lang="en-US" sz="1100" b="0">
-                          <a:latin typeface="等线" panose="02010600030101010101" charset="-122"/>
-                          <a:ea typeface="等线" panose="02010600030101010101" charset="-122"/>
-                          <a:cs typeface="等线" panose="02010600030101010101" charset="-122"/>
-                        </a:rPr>
-                        <a:t>C</a:t>
-                      </a:r>
-                      <a:r>
-                        <a:rPr lang="en-US" sz="1100" b="0">
-                          <a:latin typeface="Calibri" panose="020F0502020204030204" pitchFamily="34" charset="0"/>
-                          <a:cs typeface="Calibri" panose="020F0502020204030204" pitchFamily="34" charset="0"/>
-                        </a:rPr>
-                        <a:t>ompany</a:t>
-                      </a:r>
-                      <a:endParaRPr lang="en-US" altLang="en-US" sz="1100" b="0">
-                        <a:latin typeface="等线" panose="02010600030101010101" charset="-122"/>
-                        <a:ea typeface="等线" panose="02010600030101010101" charset="-122"/>
-                        <a:cs typeface="等线" panose="02010600030101010101" charset="-122"/>
-                      </a:endParaRPr>
-                    </a:p>
-                  </a:txBody>
-                  <a:tcPr marL="68580" marR="68580" marT="0" marB="0">
-                    <a:lnL w="12700" cap="flat" cmpd="sng">
-                      <a:solidFill>
-                        <a:srgbClr val="080000"/>
-                      </a:solidFill>
-                      <a:prstDash val="solid"/>
-                      <a:headEnd type="none" w="med" len="med"/>
-                      <a:tailEnd type="none" w="med" len="med"/>
-                    </a:lnL>
-                    <a:lnR w="12700" cap="flat" cmpd="sng">
-                      <a:solidFill>
-                        <a:srgbClr val="080000"/>
-                      </a:solidFill>
-                      <a:prstDash val="solid"/>
-                      <a:headEnd type="none" w="med" len="med"/>
-                      <a:tailEnd type="none" w="med" len="med"/>
-                    </a:lnR>
-                    <a:lnT w="12700" cap="flat" cmpd="sng">
-                      <a:solidFill>
-                        <a:srgbClr val="080000"/>
-                      </a:solidFill>
-                      <a:prstDash val="solid"/>
-                      <a:headEnd type="none" w="med" len="med"/>
-                      <a:tailEnd type="none" w="med" len="med"/>
-                    </a:lnT>
-                    <a:lnB w="12700" cap="flat" cmpd="sng">
-                      <a:solidFill>
-                        <a:srgbClr val="080000"/>
-                      </a:solidFill>
-                      <a:prstDash val="solid"/>
-                      <a:headEnd type="none" w="med" len="med"/>
-                      <a:tailEnd type="none" w="med" len="med"/>
-                    </a:lnB>
-                    <a:lnTlToBr>
-                      <a:noFill/>
-                    </a:lnTlToBr>
-                    <a:lnBlToTr>
-                      <a:noFill/>
-                    </a:lnBlToTr>
-                    <a:noFill/>
-                  </a:tcPr>
-                </a:tc>
-                <a:extLst>
-                  <a:ext uri="{0D108BD9-81ED-4DB2-BD59-A6C34878D82A}">
-                    <a16:rowId xmlns:a16="http://schemas.microsoft.com/office/drawing/2014/main" val="10003"/>
-                  </a:ext>
-                </a:extLst>
-              </a:tr>
-              <a:tr h="670560">
-                <a:tc>
-                  <a:txBody>
-                    <a:bodyPr/>
-                    <a:lstStyle/>
-                    <a:p>
-                      <a:pPr indent="0">
-                        <a:buNone/>
-                      </a:pPr>
-                      <a:r>
-                        <a:rPr lang="en-US" sz="1100" b="0">
-                          <a:latin typeface="Calibri" panose="020F0502020204030204" pitchFamily="34" charset="0"/>
-                          <a:cs typeface="Calibri" panose="020F0502020204030204" pitchFamily="34" charset="0"/>
-                        </a:rPr>
-                        <a:t>Stakeholder Interest</a:t>
-                      </a:r>
-                      <a:endParaRPr lang="en-US" altLang="en-US" sz="1100" b="0">
-                        <a:latin typeface="Calibri" panose="020F0502020204030204" pitchFamily="34" charset="0"/>
-                        <a:ea typeface="Calibri" panose="020F0502020204030204" pitchFamily="34" charset="0"/>
-                        <a:cs typeface="Calibri" panose="020F0502020204030204" pitchFamily="34" charset="0"/>
-                      </a:endParaRPr>
-                    </a:p>
-                  </a:txBody>
-                  <a:tcPr marL="68580" marR="68580" marT="0" marB="0">
-                    <a:lnL w="12700" cap="flat" cmpd="sng">
-                      <a:solidFill>
-                        <a:srgbClr val="080000"/>
-                      </a:solidFill>
-                      <a:prstDash val="solid"/>
-                      <a:headEnd type="none" w="med" len="med"/>
-                      <a:tailEnd type="none" w="med" len="med"/>
-                    </a:lnL>
-                    <a:lnR w="12700" cap="flat" cmpd="sng">
-                      <a:solidFill>
-                        <a:srgbClr val="080000"/>
-                      </a:solidFill>
-                      <a:prstDash val="solid"/>
-                      <a:headEnd type="none" w="med" len="med"/>
-                      <a:tailEnd type="none" w="med" len="med"/>
-                    </a:lnR>
-                    <a:lnT w="12700" cap="flat" cmpd="sng">
-                      <a:solidFill>
-                        <a:srgbClr val="080000"/>
-                      </a:solidFill>
-                      <a:prstDash val="solid"/>
-                      <a:headEnd type="none" w="med" len="med"/>
-                      <a:tailEnd type="none" w="med" len="med"/>
-                    </a:lnT>
-                    <a:lnB w="12700" cap="flat" cmpd="sng">
-                      <a:solidFill>
-                        <a:srgbClr val="080000"/>
-                      </a:solidFill>
-                      <a:prstDash val="solid"/>
-                      <a:headEnd type="none" w="med" len="med"/>
-                      <a:tailEnd type="none" w="med" len="med"/>
-                    </a:lnB>
-                    <a:lnTlToBr>
-                      <a:noFill/>
-                    </a:lnTlToBr>
-                    <a:lnBlToTr>
-                      <a:noFill/>
-                    </a:lnBlToTr>
-                    <a:solidFill>
-                      <a:srgbClr val="D0CECE"/>
-                    </a:solidFill>
-                  </a:tcPr>
-                </a:tc>
-                <a:tc>
-                  <a:txBody>
-                    <a:bodyPr/>
-                    <a:lstStyle/>
-                    <a:p>
-                      <a:pPr indent="0">
-                        <a:buNone/>
-                      </a:pPr>
-                      <a:r>
-                        <a:rPr lang="en-US" sz="1100" b="0">
-                          <a:latin typeface="等线" panose="02010600030101010101" charset="-122"/>
-                          <a:ea typeface="等线" panose="02010600030101010101" charset="-122"/>
-                          <a:cs typeface="等线" panose="02010600030101010101" charset="-122"/>
-                        </a:rPr>
-                        <a:t>C</a:t>
-                      </a:r>
-                      <a:r>
-                        <a:rPr lang="en-US" sz="1100" b="0">
-                          <a:latin typeface="Calibri" panose="020F0502020204030204" pitchFamily="34" charset="0"/>
-                          <a:cs typeface="Calibri" panose="020F0502020204030204" pitchFamily="34" charset="0"/>
-                        </a:rPr>
-                        <a:t>ustomer:</a:t>
-                      </a:r>
-                      <a:r>
-                        <a:rPr lang="en-US" sz="1100" b="0">
-                          <a:latin typeface="等线" panose="02010600030101010101" charset="-122"/>
-                          <a:ea typeface="等线" panose="02010600030101010101" charset="-122"/>
-                          <a:cs typeface="等线" panose="02010600030101010101" charset="-122"/>
-                        </a:rPr>
-                        <a:t>H</a:t>
-                      </a:r>
-                      <a:r>
-                        <a:rPr lang="en-US" sz="1100" b="0">
-                          <a:latin typeface="Calibri" panose="020F0502020204030204" pitchFamily="34" charset="0"/>
-                          <a:cs typeface="Calibri" panose="020F0502020204030204" pitchFamily="34" charset="0"/>
-                        </a:rPr>
-                        <a:t>ave discount riding the E-scooter</a:t>
-                      </a:r>
-                      <a:r>
-                        <a:rPr lang="en-US" sz="1100" b="0">
-                          <a:latin typeface="等线" panose="02010600030101010101" charset="-122"/>
-                          <a:ea typeface="等线" panose="02010600030101010101" charset="-122"/>
-                          <a:cs typeface="等线" panose="02010600030101010101" charset="-122"/>
-                        </a:rPr>
-                        <a:t>C</a:t>
-                      </a:r>
-                      <a:r>
-                        <a:rPr lang="en-US" sz="1100" b="0">
-                          <a:latin typeface="Calibri" panose="020F0502020204030204" pitchFamily="34" charset="0"/>
-                          <a:cs typeface="Calibri" panose="020F0502020204030204" pitchFamily="34" charset="0"/>
-                        </a:rPr>
-                        <a:t>ompanyAttract more customer.</a:t>
-                      </a:r>
-                      <a:endParaRPr lang="en-US" altLang="en-US" sz="1100" b="0">
-                        <a:latin typeface="等线" panose="02010600030101010101" charset="-122"/>
-                        <a:ea typeface="等线" panose="02010600030101010101" charset="-122"/>
-                        <a:cs typeface="等线" panose="02010600030101010101" charset="-122"/>
-                      </a:endParaRPr>
-                    </a:p>
-                  </a:txBody>
-                  <a:tcPr marL="68580" marR="68580" marT="0" marB="0">
-                    <a:lnL w="12700" cap="flat" cmpd="sng">
-                      <a:solidFill>
-                        <a:srgbClr val="080000"/>
-                      </a:solidFill>
-                      <a:prstDash val="solid"/>
-                      <a:headEnd type="none" w="med" len="med"/>
-                      <a:tailEnd type="none" w="med" len="med"/>
-                    </a:lnL>
-                    <a:lnR w="12700" cap="flat" cmpd="sng">
-                      <a:solidFill>
-                        <a:srgbClr val="080000"/>
-                      </a:solidFill>
-                      <a:prstDash val="solid"/>
-                      <a:headEnd type="none" w="med" len="med"/>
-                      <a:tailEnd type="none" w="med" len="med"/>
-                    </a:lnR>
-                    <a:lnT w="12700" cap="flat" cmpd="sng">
-                      <a:solidFill>
-                        <a:srgbClr val="080000"/>
-                      </a:solidFill>
-                      <a:prstDash val="solid"/>
-                      <a:headEnd type="none" w="med" len="med"/>
-                      <a:tailEnd type="none" w="med" len="med"/>
-                    </a:lnT>
-                    <a:lnB w="12700" cap="flat" cmpd="sng">
-                      <a:solidFill>
-                        <a:srgbClr val="080000"/>
-                      </a:solidFill>
-                      <a:prstDash val="solid"/>
-                      <a:headEnd type="none" w="med" len="med"/>
-                      <a:tailEnd type="none" w="med" len="med"/>
-                    </a:lnB>
-                    <a:lnTlToBr>
-                      <a:noFill/>
-                    </a:lnTlToBr>
-                    <a:lnBlToTr>
-                      <a:noFill/>
-                    </a:lnBlToTr>
-                    <a:noFill/>
-                  </a:tcPr>
-                </a:tc>
-                <a:extLst>
-                  <a:ext uri="{0D108BD9-81ED-4DB2-BD59-A6C34878D82A}">
-                    <a16:rowId xmlns:a16="http://schemas.microsoft.com/office/drawing/2014/main" val="10004"/>
-                  </a:ext>
-                </a:extLst>
-              </a:tr>
-              <a:tr h="335280">
-                <a:tc>
-                  <a:txBody>
-                    <a:bodyPr/>
-                    <a:lstStyle/>
-                    <a:p>
-                      <a:pPr indent="0">
-                        <a:buNone/>
-                      </a:pPr>
-                      <a:r>
-                        <a:rPr lang="en-US" sz="1100" b="0">
-                          <a:latin typeface="Calibri" panose="020F0502020204030204" pitchFamily="34" charset="0"/>
-                          <a:cs typeface="Calibri" panose="020F0502020204030204" pitchFamily="34" charset="0"/>
-                        </a:rPr>
-                        <a:t>Trigger</a:t>
-                      </a:r>
-                      <a:endParaRPr lang="en-US" altLang="en-US" sz="1100" b="0">
-                        <a:latin typeface="Calibri" panose="020F0502020204030204" pitchFamily="34" charset="0"/>
-                        <a:ea typeface="Calibri" panose="020F0502020204030204" pitchFamily="34" charset="0"/>
-                        <a:cs typeface="Calibri" panose="020F0502020204030204" pitchFamily="34" charset="0"/>
-                      </a:endParaRPr>
-                    </a:p>
-                  </a:txBody>
-                  <a:tcPr marL="68580" marR="68580" marT="0" marB="0">
-                    <a:lnL w="12700" cap="flat" cmpd="sng">
-                      <a:solidFill>
-                        <a:srgbClr val="080000"/>
-                      </a:solidFill>
-                      <a:prstDash val="solid"/>
-                      <a:headEnd type="none" w="med" len="med"/>
-                      <a:tailEnd type="none" w="med" len="med"/>
-                    </a:lnL>
-                    <a:lnR w="12700" cap="flat" cmpd="sng">
-                      <a:solidFill>
-                        <a:srgbClr val="080000"/>
-                      </a:solidFill>
-                      <a:prstDash val="solid"/>
-                      <a:headEnd type="none" w="med" len="med"/>
-                      <a:tailEnd type="none" w="med" len="med"/>
-                    </a:lnR>
-                    <a:lnT w="12700" cap="flat" cmpd="sng">
-                      <a:solidFill>
-                        <a:srgbClr val="080000"/>
-                      </a:solidFill>
-                      <a:prstDash val="solid"/>
-                      <a:headEnd type="none" w="med" len="med"/>
-                      <a:tailEnd type="none" w="med" len="med"/>
-                    </a:lnT>
-                    <a:lnB w="12700" cap="flat" cmpd="sng">
-                      <a:solidFill>
-                        <a:srgbClr val="080000"/>
-                      </a:solidFill>
-                      <a:prstDash val="solid"/>
-                      <a:headEnd type="none" w="med" len="med"/>
-                      <a:tailEnd type="none" w="med" len="med"/>
-                    </a:lnB>
-                    <a:lnTlToBr>
-                      <a:noFill/>
-                    </a:lnTlToBr>
-                    <a:lnBlToTr>
-                      <a:noFill/>
-                    </a:lnBlToTr>
-                    <a:solidFill>
-                      <a:srgbClr val="D0CECE"/>
-                    </a:solidFill>
-                  </a:tcPr>
-                </a:tc>
-                <a:tc>
-                  <a:txBody>
-                    <a:bodyPr/>
-                    <a:lstStyle/>
-                    <a:p>
-                      <a:pPr indent="0">
-                        <a:buNone/>
-                      </a:pPr>
-                      <a:r>
-                        <a:rPr lang="en-US" sz="1100" b="0">
-                          <a:latin typeface="等线" panose="02010600030101010101" charset="-122"/>
-                          <a:ea typeface="等线" panose="02010600030101010101" charset="-122"/>
-                          <a:cs typeface="等线" panose="02010600030101010101" charset="-122"/>
-                        </a:rPr>
-                        <a:t>C</a:t>
-                      </a:r>
-                      <a:r>
-                        <a:rPr lang="en-US" sz="1100" b="0">
-                          <a:latin typeface="Calibri" panose="020F0502020204030204" pitchFamily="34" charset="0"/>
-                          <a:cs typeface="Calibri" panose="020F0502020204030204" pitchFamily="34" charset="0"/>
-                        </a:rPr>
-                        <a:t>ustomer orders the VIP package in app.</a:t>
-                      </a:r>
-                      <a:endParaRPr lang="en-US" altLang="en-US" sz="1100" b="0">
-                        <a:latin typeface="等线" panose="02010600030101010101" charset="-122"/>
-                        <a:ea typeface="等线" panose="02010600030101010101" charset="-122"/>
-                        <a:cs typeface="等线" panose="02010600030101010101" charset="-122"/>
-                      </a:endParaRPr>
-                    </a:p>
-                  </a:txBody>
-                  <a:tcPr marL="68580" marR="68580" marT="0" marB="0">
-                    <a:lnL w="12700" cap="flat" cmpd="sng">
-                      <a:solidFill>
-                        <a:srgbClr val="080000"/>
-                      </a:solidFill>
-                      <a:prstDash val="solid"/>
-                      <a:headEnd type="none" w="med" len="med"/>
-                      <a:tailEnd type="none" w="med" len="med"/>
-                    </a:lnL>
-                    <a:lnR w="12700" cap="flat" cmpd="sng">
-                      <a:solidFill>
-                        <a:srgbClr val="080000"/>
-                      </a:solidFill>
-                      <a:prstDash val="solid"/>
-                      <a:headEnd type="none" w="med" len="med"/>
-                      <a:tailEnd type="none" w="med" len="med"/>
-                    </a:lnR>
-                    <a:lnT w="12700" cap="flat" cmpd="sng">
-                      <a:solidFill>
-                        <a:srgbClr val="080000"/>
-                      </a:solidFill>
-                      <a:prstDash val="solid"/>
-                      <a:headEnd type="none" w="med" len="med"/>
-                      <a:tailEnd type="none" w="med" len="med"/>
-                    </a:lnT>
-                    <a:lnB w="12700" cap="flat" cmpd="sng">
-                      <a:solidFill>
-                        <a:srgbClr val="080000"/>
-                      </a:solidFill>
-                      <a:prstDash val="solid"/>
-                      <a:headEnd type="none" w="med" len="med"/>
-                      <a:tailEnd type="none" w="med" len="med"/>
-                    </a:lnB>
-                    <a:lnTlToBr>
-                      <a:noFill/>
-                    </a:lnTlToBr>
-                    <a:lnBlToTr>
-                      <a:noFill/>
-                    </a:lnBlToTr>
-                    <a:noFill/>
-                  </a:tcPr>
-                </a:tc>
-                <a:extLst>
-                  <a:ext uri="{0D108BD9-81ED-4DB2-BD59-A6C34878D82A}">
-                    <a16:rowId xmlns:a16="http://schemas.microsoft.com/office/drawing/2014/main" val="10005"/>
-                  </a:ext>
-                </a:extLst>
-              </a:tr>
-              <a:tr h="502920">
-                <a:tc>
-                  <a:txBody>
-                    <a:bodyPr/>
-                    <a:lstStyle/>
-                    <a:p>
-                      <a:pPr indent="0">
-                        <a:buNone/>
-                      </a:pPr>
-                      <a:r>
-                        <a:rPr lang="en-US" sz="1100" b="0">
-                          <a:latin typeface="Calibri" panose="020F0502020204030204" pitchFamily="34" charset="0"/>
-                          <a:cs typeface="Calibri" panose="020F0502020204030204" pitchFamily="34" charset="0"/>
-                        </a:rPr>
-                        <a:t>Pre-Conditions</a:t>
-                      </a:r>
-                      <a:endParaRPr lang="en-US" altLang="en-US" sz="1100" b="0">
-                        <a:latin typeface="Calibri" panose="020F0502020204030204" pitchFamily="34" charset="0"/>
-                        <a:ea typeface="Calibri" panose="020F0502020204030204" pitchFamily="34" charset="0"/>
-                        <a:cs typeface="Calibri" panose="020F0502020204030204" pitchFamily="34" charset="0"/>
-                      </a:endParaRPr>
-                    </a:p>
-                  </a:txBody>
-                  <a:tcPr marL="68580" marR="68580" marT="0" marB="0">
-                    <a:lnL w="12700" cap="flat" cmpd="sng">
-                      <a:solidFill>
-                        <a:srgbClr val="080000"/>
-                      </a:solidFill>
-                      <a:prstDash val="solid"/>
-                      <a:headEnd type="none" w="med" len="med"/>
-                      <a:tailEnd type="none" w="med" len="med"/>
-                    </a:lnL>
-                    <a:lnR w="12700" cap="flat" cmpd="sng">
-                      <a:solidFill>
-                        <a:srgbClr val="080000"/>
-                      </a:solidFill>
-                      <a:prstDash val="solid"/>
-                      <a:headEnd type="none" w="med" len="med"/>
-                      <a:tailEnd type="none" w="med" len="med"/>
-                    </a:lnR>
-                    <a:lnT w="12700" cap="flat" cmpd="sng">
-                      <a:solidFill>
-                        <a:srgbClr val="080000"/>
-                      </a:solidFill>
-                      <a:prstDash val="solid"/>
-                      <a:headEnd type="none" w="med" len="med"/>
-                      <a:tailEnd type="none" w="med" len="med"/>
-                    </a:lnT>
-                    <a:lnB w="12700" cap="flat" cmpd="sng">
-                      <a:solidFill>
-                        <a:srgbClr val="080000"/>
-                      </a:solidFill>
-                      <a:prstDash val="solid"/>
-                      <a:headEnd type="none" w="med" len="med"/>
-                      <a:tailEnd type="none" w="med" len="med"/>
-                    </a:lnB>
-                    <a:lnTlToBr>
-                      <a:noFill/>
-                    </a:lnTlToBr>
-                    <a:lnBlToTr>
-                      <a:noFill/>
-                    </a:lnBlToTr>
-                    <a:solidFill>
-                      <a:srgbClr val="D0CECE"/>
-                    </a:solidFill>
-                  </a:tcPr>
-                </a:tc>
-                <a:tc>
-                  <a:txBody>
-                    <a:bodyPr/>
-                    <a:lstStyle/>
-                    <a:p>
-                      <a:pPr indent="0">
-                        <a:buNone/>
-                      </a:pPr>
-                      <a:r>
-                        <a:rPr lang="en-US" sz="1100" b="0">
-                          <a:latin typeface="等线" panose="02010600030101010101" charset="-122"/>
-                          <a:ea typeface="等线" panose="02010600030101010101" charset="-122"/>
-                          <a:cs typeface="等线" panose="02010600030101010101" charset="-122"/>
-                        </a:rPr>
-                        <a:t>C</a:t>
-                      </a:r>
-                      <a:r>
-                        <a:rPr lang="en-US" sz="1100" b="0">
-                          <a:latin typeface="Calibri" panose="020F0502020204030204" pitchFamily="34" charset="0"/>
-                          <a:cs typeface="Calibri" panose="020F0502020204030204" pitchFamily="34" charset="0"/>
-                        </a:rPr>
-                        <a:t>ustomer log in successfully,and hava effective payment.</a:t>
-                      </a:r>
-                      <a:endParaRPr lang="en-US" altLang="en-US" sz="1100" b="0">
-                        <a:latin typeface="等线" panose="02010600030101010101" charset="-122"/>
-                        <a:ea typeface="等线" panose="02010600030101010101" charset="-122"/>
-                        <a:cs typeface="等线" panose="02010600030101010101" charset="-122"/>
-                      </a:endParaRPr>
-                    </a:p>
-                  </a:txBody>
-                  <a:tcPr marL="68580" marR="68580" marT="0" marB="0">
-                    <a:lnL w="12700" cap="flat" cmpd="sng">
-                      <a:solidFill>
-                        <a:srgbClr val="080000"/>
-                      </a:solidFill>
-                      <a:prstDash val="solid"/>
-                      <a:headEnd type="none" w="med" len="med"/>
-                      <a:tailEnd type="none" w="med" len="med"/>
-                    </a:lnL>
-                    <a:lnR w="12700" cap="flat" cmpd="sng">
-                      <a:solidFill>
-                        <a:srgbClr val="080000"/>
-                      </a:solidFill>
-                      <a:prstDash val="solid"/>
-                      <a:headEnd type="none" w="med" len="med"/>
-                      <a:tailEnd type="none" w="med" len="med"/>
-                    </a:lnR>
-                    <a:lnT w="12700" cap="flat" cmpd="sng">
-                      <a:solidFill>
-                        <a:srgbClr val="080000"/>
-                      </a:solidFill>
-                      <a:prstDash val="solid"/>
-                      <a:headEnd type="none" w="med" len="med"/>
-                      <a:tailEnd type="none" w="med" len="med"/>
-                    </a:lnT>
-                    <a:lnB w="12700" cap="flat" cmpd="sng">
-                      <a:solidFill>
-                        <a:srgbClr val="080000"/>
-                      </a:solidFill>
-                      <a:prstDash val="solid"/>
-                      <a:headEnd type="none" w="med" len="med"/>
-                      <a:tailEnd type="none" w="med" len="med"/>
-                    </a:lnB>
-                    <a:lnTlToBr>
-                      <a:noFill/>
-                    </a:lnTlToBr>
-                    <a:lnBlToTr>
-                      <a:noFill/>
-                    </a:lnBlToTr>
-                    <a:noFill/>
-                  </a:tcPr>
-                </a:tc>
-                <a:extLst>
-                  <a:ext uri="{0D108BD9-81ED-4DB2-BD59-A6C34878D82A}">
-                    <a16:rowId xmlns:a16="http://schemas.microsoft.com/office/drawing/2014/main" val="10006"/>
-                  </a:ext>
-                </a:extLst>
-              </a:tr>
-              <a:tr h="335280">
-                <a:tc>
-                  <a:txBody>
-                    <a:bodyPr/>
-                    <a:lstStyle/>
-                    <a:p>
-                      <a:pPr indent="0">
-                        <a:buNone/>
-                      </a:pPr>
-                      <a:r>
-                        <a:rPr lang="en-US" sz="1100" b="0">
-                          <a:latin typeface="Calibri" panose="020F0502020204030204" pitchFamily="34" charset="0"/>
-                          <a:cs typeface="Calibri" panose="020F0502020204030204" pitchFamily="34" charset="0"/>
-                        </a:rPr>
-                        <a:t>Post-Conditions</a:t>
-                      </a:r>
-                      <a:endParaRPr lang="en-US" altLang="en-US" sz="1100" b="0">
-                        <a:latin typeface="Calibri" panose="020F0502020204030204" pitchFamily="34" charset="0"/>
-                        <a:ea typeface="Calibri" panose="020F0502020204030204" pitchFamily="34" charset="0"/>
-                        <a:cs typeface="Calibri" panose="020F0502020204030204" pitchFamily="34" charset="0"/>
-                      </a:endParaRPr>
-                    </a:p>
-                  </a:txBody>
-                  <a:tcPr marL="68580" marR="68580" marT="0" marB="0">
-                    <a:lnL w="12700" cap="flat" cmpd="sng">
-                      <a:solidFill>
-                        <a:srgbClr val="080000"/>
-                      </a:solidFill>
-                      <a:prstDash val="solid"/>
-                      <a:headEnd type="none" w="med" len="med"/>
-                      <a:tailEnd type="none" w="med" len="med"/>
-                    </a:lnL>
-                    <a:lnR w="12700" cap="flat" cmpd="sng">
-                      <a:solidFill>
-                        <a:srgbClr val="080000"/>
-                      </a:solidFill>
-                      <a:prstDash val="solid"/>
-                      <a:headEnd type="none" w="med" len="med"/>
-                      <a:tailEnd type="none" w="med" len="med"/>
-                    </a:lnR>
-                    <a:lnT w="12700" cap="flat" cmpd="sng">
-                      <a:solidFill>
-                        <a:srgbClr val="080000"/>
-                      </a:solidFill>
-                      <a:prstDash val="solid"/>
-                      <a:headEnd type="none" w="med" len="med"/>
-                      <a:tailEnd type="none" w="med" len="med"/>
-                    </a:lnT>
-                    <a:lnB w="12700" cap="flat" cmpd="sng">
-                      <a:solidFill>
-                        <a:srgbClr val="080000"/>
-                      </a:solidFill>
-                      <a:prstDash val="solid"/>
-                      <a:headEnd type="none" w="med" len="med"/>
-                      <a:tailEnd type="none" w="med" len="med"/>
-                    </a:lnB>
-                    <a:lnTlToBr>
-                      <a:noFill/>
-                    </a:lnTlToBr>
-                    <a:lnBlToTr>
-                      <a:noFill/>
-                    </a:lnBlToTr>
-                    <a:solidFill>
-                      <a:srgbClr val="D0CECE"/>
-                    </a:solidFill>
-                  </a:tcPr>
-                </a:tc>
-                <a:tc>
-                  <a:txBody>
-                    <a:bodyPr/>
-                    <a:lstStyle/>
-                    <a:p>
-                      <a:pPr indent="0">
-                        <a:buNone/>
-                      </a:pPr>
-                      <a:r>
-                        <a:rPr lang="en-US" sz="1100" b="0">
-                          <a:latin typeface="等线" panose="02010600030101010101" charset="-122"/>
-                          <a:ea typeface="等线" panose="02010600030101010101" charset="-122"/>
-                          <a:cs typeface="等线" panose="02010600030101010101" charset="-122"/>
-                        </a:rPr>
-                        <a:t>C</a:t>
-                      </a:r>
-                      <a:r>
-                        <a:rPr lang="en-US" sz="1100" b="0">
-                          <a:latin typeface="Calibri" panose="020F0502020204030204" pitchFamily="34" charset="0"/>
-                          <a:cs typeface="Calibri" panose="020F0502020204030204" pitchFamily="34" charset="0"/>
-                        </a:rPr>
-                        <a:t>ustomer becomes VIP and could use VIP package</a:t>
-                      </a:r>
-                      <a:endParaRPr lang="en-US" altLang="en-US" sz="1100" b="0">
-                        <a:latin typeface="等线" panose="02010600030101010101" charset="-122"/>
-                        <a:ea typeface="等线" panose="02010600030101010101" charset="-122"/>
-                        <a:cs typeface="等线" panose="02010600030101010101" charset="-122"/>
-                      </a:endParaRPr>
-                    </a:p>
-                  </a:txBody>
-                  <a:tcPr marL="68580" marR="68580" marT="0" marB="0">
-                    <a:lnL w="12700" cap="flat" cmpd="sng">
-                      <a:solidFill>
-                        <a:srgbClr val="080000"/>
-                      </a:solidFill>
-                      <a:prstDash val="solid"/>
-                      <a:headEnd type="none" w="med" len="med"/>
-                      <a:tailEnd type="none" w="med" len="med"/>
-                    </a:lnL>
-                    <a:lnR w="12700" cap="flat" cmpd="sng">
-                      <a:solidFill>
-                        <a:srgbClr val="080000"/>
-                      </a:solidFill>
-                      <a:prstDash val="solid"/>
-                      <a:headEnd type="none" w="med" len="med"/>
-                      <a:tailEnd type="none" w="med" len="med"/>
-                    </a:lnR>
-                    <a:lnT w="12700" cap="flat" cmpd="sng">
-                      <a:solidFill>
-                        <a:srgbClr val="080000"/>
-                      </a:solidFill>
-                      <a:prstDash val="solid"/>
-                      <a:headEnd type="none" w="med" len="med"/>
-                      <a:tailEnd type="none" w="med" len="med"/>
-                    </a:lnT>
-                    <a:lnB w="12700" cap="flat" cmpd="sng">
-                      <a:solidFill>
-                        <a:srgbClr val="080000"/>
-                      </a:solidFill>
-                      <a:prstDash val="solid"/>
-                      <a:headEnd type="none" w="med" len="med"/>
-                      <a:tailEnd type="none" w="med" len="med"/>
-                    </a:lnB>
-                    <a:lnTlToBr>
-                      <a:noFill/>
-                    </a:lnTlToBr>
-                    <a:lnBlToTr>
-                      <a:noFill/>
-                    </a:lnBlToTr>
-                    <a:noFill/>
-                  </a:tcPr>
-                </a:tc>
-                <a:extLst>
-                  <a:ext uri="{0D108BD9-81ED-4DB2-BD59-A6C34878D82A}">
-                    <a16:rowId xmlns:a16="http://schemas.microsoft.com/office/drawing/2014/main" val="10007"/>
-                  </a:ext>
-                </a:extLst>
-              </a:tr>
-              <a:tr h="502920">
-                <a:tc>
-                  <a:txBody>
-                    <a:bodyPr/>
-                    <a:lstStyle/>
-                    <a:p>
-                      <a:pPr indent="0">
-                        <a:buNone/>
-                      </a:pPr>
-                      <a:r>
-                        <a:rPr lang="en-US" sz="1100" b="0">
-                          <a:latin typeface="Calibri" panose="020F0502020204030204" pitchFamily="34" charset="0"/>
-                          <a:cs typeface="Calibri" panose="020F0502020204030204" pitchFamily="34" charset="0"/>
-                        </a:rPr>
-                        <a:t>Basic Course (Succes Scenario)</a:t>
-                      </a:r>
-                      <a:endParaRPr lang="en-US" altLang="en-US" sz="1100" b="0">
-                        <a:latin typeface="Calibri" panose="020F0502020204030204" pitchFamily="34" charset="0"/>
-                        <a:ea typeface="Calibri" panose="020F0502020204030204" pitchFamily="34" charset="0"/>
-                        <a:cs typeface="Calibri" panose="020F0502020204030204" pitchFamily="34" charset="0"/>
-                      </a:endParaRPr>
-                    </a:p>
-                  </a:txBody>
-                  <a:tcPr marL="68580" marR="68580" marT="0" marB="0">
-                    <a:lnL w="12700" cap="flat" cmpd="sng">
-                      <a:solidFill>
-                        <a:srgbClr val="080000"/>
-                      </a:solidFill>
-                      <a:prstDash val="solid"/>
-                      <a:headEnd type="none" w="med" len="med"/>
-                      <a:tailEnd type="none" w="med" len="med"/>
-                    </a:lnL>
-                    <a:lnR w="12700" cap="flat" cmpd="sng">
-                      <a:solidFill>
-                        <a:srgbClr val="080000"/>
-                      </a:solidFill>
-                      <a:prstDash val="solid"/>
-                      <a:headEnd type="none" w="med" len="med"/>
-                      <a:tailEnd type="none" w="med" len="med"/>
-                    </a:lnR>
-                    <a:lnT w="12700" cap="flat" cmpd="sng">
-                      <a:solidFill>
-                        <a:srgbClr val="080000"/>
-                      </a:solidFill>
-                      <a:prstDash val="solid"/>
-                      <a:headEnd type="none" w="med" len="med"/>
-                      <a:tailEnd type="none" w="med" len="med"/>
-                    </a:lnT>
-                    <a:lnB w="12700" cap="flat" cmpd="sng">
-                      <a:solidFill>
-                        <a:srgbClr val="080000"/>
-                      </a:solidFill>
-                      <a:prstDash val="solid"/>
-                      <a:headEnd type="none" w="med" len="med"/>
-                      <a:tailEnd type="none" w="med" len="med"/>
-                    </a:lnB>
-                    <a:lnTlToBr>
-                      <a:noFill/>
-                    </a:lnTlToBr>
-                    <a:lnBlToTr>
-                      <a:noFill/>
-                    </a:lnBlToTr>
-                    <a:solidFill>
-                      <a:srgbClr val="D0CECE"/>
-                    </a:solidFill>
-                  </a:tcPr>
-                </a:tc>
-                <a:tc>
-                  <a:txBody>
-                    <a:bodyPr/>
-                    <a:lstStyle/>
-                    <a:p>
-                      <a:pPr indent="0">
-                        <a:buNone/>
-                      </a:pPr>
-                      <a:r>
-                        <a:rPr lang="en-US" sz="1100" b="0">
-                          <a:latin typeface="等线" panose="02010600030101010101" charset="-122"/>
-                          <a:ea typeface="等线" panose="02010600030101010101" charset="-122"/>
-                          <a:cs typeface="等线" panose="02010600030101010101" charset="-122"/>
-                        </a:rPr>
-                        <a:t>C</a:t>
-                      </a:r>
-                      <a:r>
-                        <a:rPr lang="en-US" sz="1100" b="0">
-                          <a:latin typeface="Calibri" panose="020F0502020204030204" pitchFamily="34" charset="0"/>
-                          <a:cs typeface="Calibri" panose="020F0502020204030204" pitchFamily="34" charset="0"/>
-                        </a:rPr>
-                        <a:t>ustomer gets a VIP package and can ride E-scooter cheaper.</a:t>
-                      </a:r>
-                      <a:endParaRPr lang="en-US" altLang="en-US" sz="1100" b="0">
-                        <a:latin typeface="等线" panose="02010600030101010101" charset="-122"/>
-                        <a:ea typeface="等线" panose="02010600030101010101" charset="-122"/>
-                        <a:cs typeface="等线" panose="02010600030101010101" charset="-122"/>
-                      </a:endParaRPr>
-                    </a:p>
-                  </a:txBody>
-                  <a:tcPr marL="68580" marR="68580" marT="0" marB="0">
-                    <a:lnL w="12700" cap="flat" cmpd="sng">
-                      <a:solidFill>
-                        <a:srgbClr val="080000"/>
-                      </a:solidFill>
-                      <a:prstDash val="solid"/>
-                      <a:headEnd type="none" w="med" len="med"/>
-                      <a:tailEnd type="none" w="med" len="med"/>
-                    </a:lnL>
-                    <a:lnR w="12700" cap="flat" cmpd="sng">
-                      <a:solidFill>
-                        <a:srgbClr val="080000"/>
-                      </a:solidFill>
-                      <a:prstDash val="solid"/>
-                      <a:headEnd type="none" w="med" len="med"/>
-                      <a:tailEnd type="none" w="med" len="med"/>
-                    </a:lnR>
-                    <a:lnT w="12700" cap="flat" cmpd="sng">
-                      <a:solidFill>
-                        <a:srgbClr val="080000"/>
-                      </a:solidFill>
-                      <a:prstDash val="solid"/>
-                      <a:headEnd type="none" w="med" len="med"/>
-                      <a:tailEnd type="none" w="med" len="med"/>
-                    </a:lnT>
-                    <a:lnB w="12700" cap="flat" cmpd="sng">
-                      <a:solidFill>
-                        <a:srgbClr val="080000"/>
-                      </a:solidFill>
-                      <a:prstDash val="solid"/>
-                      <a:headEnd type="none" w="med" len="med"/>
-                      <a:tailEnd type="none" w="med" len="med"/>
-                    </a:lnB>
-                    <a:lnTlToBr>
-                      <a:noFill/>
-                    </a:lnTlToBr>
-                    <a:lnBlToTr>
-                      <a:noFill/>
-                    </a:lnBlToTr>
-                    <a:noFill/>
-                  </a:tcPr>
-                </a:tc>
-                <a:extLst>
-                  <a:ext uri="{0D108BD9-81ED-4DB2-BD59-A6C34878D82A}">
-                    <a16:rowId xmlns:a16="http://schemas.microsoft.com/office/drawing/2014/main" val="10008"/>
-                  </a:ext>
-                </a:extLst>
-              </a:tr>
-              <a:tr h="502920">
-                <a:tc>
-                  <a:txBody>
-                    <a:bodyPr/>
-                    <a:lstStyle/>
-                    <a:p>
-                      <a:pPr indent="0">
-                        <a:buNone/>
-                      </a:pPr>
-                      <a:r>
-                        <a:rPr lang="en-US" sz="1100" b="0">
-                          <a:latin typeface="Calibri" panose="020F0502020204030204" pitchFamily="34" charset="0"/>
-                          <a:cs typeface="Calibri" panose="020F0502020204030204" pitchFamily="34" charset="0"/>
-                        </a:rPr>
-                        <a:t>Alternative Course</a:t>
-                      </a:r>
-                      <a:endParaRPr lang="en-US" altLang="en-US" sz="1100" b="0">
-                        <a:latin typeface="Calibri" panose="020F0502020204030204" pitchFamily="34" charset="0"/>
-                        <a:ea typeface="Calibri" panose="020F0502020204030204" pitchFamily="34" charset="0"/>
-                        <a:cs typeface="Calibri" panose="020F0502020204030204" pitchFamily="34" charset="0"/>
-                      </a:endParaRPr>
-                    </a:p>
-                  </a:txBody>
-                  <a:tcPr marL="68580" marR="68580" marT="0" marB="0">
-                    <a:lnL w="12700" cap="flat" cmpd="sng">
-                      <a:solidFill>
-                        <a:srgbClr val="080000"/>
-                      </a:solidFill>
-                      <a:prstDash val="solid"/>
-                      <a:headEnd type="none" w="med" len="med"/>
-                      <a:tailEnd type="none" w="med" len="med"/>
-                    </a:lnL>
-                    <a:lnR w="12700" cap="flat" cmpd="sng">
-                      <a:solidFill>
-                        <a:srgbClr val="080000"/>
-                      </a:solidFill>
-                      <a:prstDash val="solid"/>
-                      <a:headEnd type="none" w="med" len="med"/>
-                      <a:tailEnd type="none" w="med" len="med"/>
-                    </a:lnR>
-                    <a:lnT w="12700" cap="flat" cmpd="sng">
-                      <a:solidFill>
-                        <a:srgbClr val="080000"/>
-                      </a:solidFill>
-                      <a:prstDash val="solid"/>
-                      <a:headEnd type="none" w="med" len="med"/>
-                      <a:tailEnd type="none" w="med" len="med"/>
-                    </a:lnT>
-                    <a:lnB w="12700" cap="flat" cmpd="sng">
-                      <a:solidFill>
-                        <a:srgbClr val="080000"/>
-                      </a:solidFill>
-                      <a:prstDash val="solid"/>
-                      <a:headEnd type="none" w="med" len="med"/>
-                      <a:tailEnd type="none" w="med" len="med"/>
-                    </a:lnB>
-                    <a:lnTlToBr>
-                      <a:noFill/>
-                    </a:lnTlToBr>
-                    <a:lnBlToTr>
-                      <a:noFill/>
-                    </a:lnBlToTr>
-                    <a:solidFill>
-                      <a:srgbClr val="D0CECE"/>
-                    </a:solidFill>
-                  </a:tcPr>
-                </a:tc>
-                <a:tc>
-                  <a:txBody>
-                    <a:bodyPr/>
-                    <a:lstStyle/>
-                    <a:p>
-                      <a:pPr indent="0">
-                        <a:buNone/>
-                      </a:pPr>
-                      <a:r>
-                        <a:rPr lang="en-US" sz="1100" b="0">
-                          <a:latin typeface="等线" panose="02010600030101010101" charset="-122"/>
-                          <a:ea typeface="等线" panose="02010600030101010101" charset="-122"/>
-                          <a:cs typeface="等线" panose="02010600030101010101" charset="-122"/>
-                        </a:rPr>
-                        <a:t>F</a:t>
-                      </a:r>
-                      <a:r>
-                        <a:rPr lang="en-US" sz="1100" b="0">
-                          <a:latin typeface="Calibri" panose="020F0502020204030204" pitchFamily="34" charset="0"/>
-                          <a:cs typeface="Calibri" panose="020F0502020204030204" pitchFamily="34" charset="0"/>
-                        </a:rPr>
-                        <a:t>ailed use VIP package.There is  a deadline,need a voucher.</a:t>
-                      </a:r>
-                      <a:endParaRPr lang="en-US" altLang="en-US" sz="1100" b="0">
-                        <a:latin typeface="等线" panose="02010600030101010101" charset="-122"/>
-                        <a:ea typeface="等线" panose="02010600030101010101" charset="-122"/>
-                        <a:cs typeface="等线" panose="02010600030101010101" charset="-122"/>
-                      </a:endParaRPr>
-                    </a:p>
-                  </a:txBody>
-                  <a:tcPr marL="68580" marR="68580" marT="0" marB="0">
-                    <a:lnL w="12700" cap="flat" cmpd="sng">
-                      <a:solidFill>
-                        <a:srgbClr val="080000"/>
-                      </a:solidFill>
-                      <a:prstDash val="solid"/>
-                      <a:headEnd type="none" w="med" len="med"/>
-                      <a:tailEnd type="none" w="med" len="med"/>
-                    </a:lnL>
-                    <a:lnR w="12700" cap="flat" cmpd="sng">
-                      <a:solidFill>
-                        <a:srgbClr val="080000"/>
-                      </a:solidFill>
-                      <a:prstDash val="solid"/>
-                      <a:headEnd type="none" w="med" len="med"/>
-                      <a:tailEnd type="none" w="med" len="med"/>
-                    </a:lnR>
-                    <a:lnT w="12700" cap="flat" cmpd="sng">
-                      <a:solidFill>
-                        <a:srgbClr val="080000"/>
-                      </a:solidFill>
-                      <a:prstDash val="solid"/>
-                      <a:headEnd type="none" w="med" len="med"/>
-                      <a:tailEnd type="none" w="med" len="med"/>
-                    </a:lnT>
-                    <a:lnB w="12700" cap="flat" cmpd="sng">
-                      <a:solidFill>
-                        <a:srgbClr val="080000"/>
-                      </a:solidFill>
-                      <a:prstDash val="solid"/>
-                      <a:headEnd type="none" w="med" len="med"/>
-                      <a:tailEnd type="none" w="med" len="med"/>
-                    </a:lnB>
-                    <a:lnTlToBr>
-                      <a:noFill/>
-                    </a:lnTlToBr>
-                    <a:lnBlToTr>
-                      <a:noFill/>
-                    </a:lnBlToTr>
-                    <a:noFill/>
-                  </a:tcPr>
-                </a:tc>
-                <a:extLst>
-                  <a:ext uri="{0D108BD9-81ED-4DB2-BD59-A6C34878D82A}">
-                    <a16:rowId xmlns:a16="http://schemas.microsoft.com/office/drawing/2014/main" val="10009"/>
-                  </a:ext>
-                </a:extLst>
-              </a:tr>
-            </a:tbl>
-          </a:graphicData>
-        </a:graphic>
-      </p:graphicFrame>
-      <p:sp>
-        <p:nvSpPr>
-          <p:cNvPr id="6" name="文本框 5"/>
-          <p:cNvSpPr txBox="1"/>
-          <p:nvPr/>
-        </p:nvSpPr>
-        <p:spPr>
-          <a:xfrm>
-            <a:off x="797560" y="2738120"/>
-            <a:ext cx="2985770" cy="1938020"/>
-          </a:xfrm>
-          <a:prstGeom prst="rect">
-            <a:avLst/>
-          </a:prstGeom>
-          <a:noFill/>
-        </p:spPr>
-        <p:txBody>
-          <a:bodyPr wrap="square" rtlCol="0">
-            <a:spAutoFit/>
-          </a:bodyPr>
-          <a:lstStyle/>
-          <a:p>
-            <a:r>
-              <a:rPr lang="en-US" sz="2400" b="1" dirty="0">
-                <a:solidFill>
-                  <a:srgbClr val="000000"/>
-                </a:solidFill>
-                <a:latin typeface="宋体" panose="02010600030101010101" pitchFamily="2" charset="-122"/>
-                <a:sym typeface="+mn-ea"/>
-              </a:rPr>
-              <a:t>User story:</a:t>
-            </a:r>
-            <a:r>
-              <a:rPr lang="zh-CN" altLang="en-US" sz="2400">
-                <a:latin typeface="+mn-ea"/>
-              </a:rPr>
-              <a:t>As a customer,I can book VIP package </a:t>
-            </a:r>
-            <a:r>
-              <a:rPr lang="en-US" altLang="zh-CN" sz="2400">
-                <a:latin typeface="+mn-ea"/>
-              </a:rPr>
-              <a:t>like 10/20/30 per month</a:t>
-            </a:r>
-          </a:p>
-        </p:txBody>
-      </p:sp>
-      <p:pic>
-        <p:nvPicPr>
-          <p:cNvPr id="7" name="图片 6"/>
-          <p:cNvPicPr>
-            <a:picLocks noChangeAspect="1"/>
-          </p:cNvPicPr>
-          <p:nvPr/>
-        </p:nvPicPr>
-        <p:blipFill>
-          <a:blip r:embed="rId3"/>
-          <a:stretch>
-            <a:fillRect/>
-          </a:stretch>
-        </p:blipFill>
-        <p:spPr>
-          <a:xfrm>
-            <a:off x="7710170" y="2000885"/>
-            <a:ext cx="3662680" cy="4148455"/>
-          </a:xfrm>
-          <a:prstGeom prst="rect">
-            <a:avLst/>
-          </a:prstGeom>
-        </p:spPr>
-      </p:pic>
-    </p:spTree>
-  </p:cSld>
-  <p:clrMapOvr>
-    <a:masterClrMapping/>
-  </p:clrMapOvr>
-</p:sld>
-</file>
-
-<file path=ppt/slides/slide11.xml><?xml version="1.0" encoding="utf-8"?>
-<p:sld xmlns:a="http://schemas.openxmlformats.org/drawingml/2006/main" xmlns:r="http://schemas.openxmlformats.org/officeDocument/2006/relationships" xmlns:p="http://schemas.openxmlformats.org/presentationml/2006/main">
-  <p:cSld>
-    <p:spTree>
-      <p:nvGrpSpPr>
-        <p:cNvPr id="1" name=""/>
-        <p:cNvGrpSpPr/>
-        <p:nvPr/>
-      </p:nvGrpSpPr>
-      <p:grpSpPr>
-        <a:xfrm>
-          <a:off x="0" y="0"/>
-          <a:ext cx="0" cy="0"/>
-          <a:chOff x="0" y="0"/>
-          <a:chExt cx="0" cy="0"/>
-        </a:xfrm>
-      </p:grpSpPr>
-      <p:sp>
-        <p:nvSpPr>
-          <p:cNvPr id="2" name="标题 1"/>
-          <p:cNvSpPr>
-            <a:spLocks noGrp="1"/>
-          </p:cNvSpPr>
-          <p:nvPr>
-            <p:ph type="title"/>
-          </p:nvPr>
-        </p:nvSpPr>
-        <p:spPr>
-          <a:xfrm>
-            <a:off x="1097280" y="1141730"/>
-            <a:ext cx="4022090" cy="966470"/>
-          </a:xfrm>
-        </p:spPr>
-        <p:txBody>
-          <a:bodyPr>
-            <a:normAutofit fontScale="90000"/>
-          </a:bodyPr>
-          <a:lstStyle/>
-          <a:p>
-            <a:r>
-              <a:rPr lang="en-US" altLang="zh-CN" sz="3555" dirty="0">
-                <a:sym typeface="+mn-ea"/>
-              </a:rPr>
-              <a:t>Sequence Diagram</a:t>
-            </a:r>
-            <a:br>
-              <a:rPr lang="zh-CN" altLang="en-US" dirty="0"/>
-            </a:br>
-            <a:endParaRPr lang="zh-CN" altLang="en-US"/>
-          </a:p>
-        </p:txBody>
-      </p:sp>
-      <p:sp>
-        <p:nvSpPr>
-          <p:cNvPr id="3" name="文本占位符 2"/>
-          <p:cNvSpPr>
-            <a:spLocks noGrp="1"/>
-          </p:cNvSpPr>
-          <p:nvPr>
-            <p:ph type="body" orient="vert" idx="1"/>
-          </p:nvPr>
-        </p:nvSpPr>
-        <p:spPr>
-          <a:xfrm>
-            <a:off x="1097280" y="2108200"/>
-            <a:ext cx="10058400" cy="4182745"/>
-          </a:xfrm>
-        </p:spPr>
-        <p:txBody>
-          <a:bodyPr/>
-          <a:lstStyle/>
-          <a:p>
-            <a:endParaRPr lang="zh-CN" altLang="en-US"/>
-          </a:p>
-        </p:txBody>
-      </p:sp>
-      <p:pic>
-        <p:nvPicPr>
-          <p:cNvPr id="51" name="图片 51"/>
-          <p:cNvPicPr>
-            <a:picLocks noChangeAspect="1"/>
-          </p:cNvPicPr>
-          <p:nvPr>
-            <p:custDataLst>
-              <p:tags r:id="rId1"/>
-            </p:custDataLst>
-          </p:nvPr>
-        </p:nvPicPr>
-        <p:blipFill>
-          <a:blip r:embed="rId3">
-            <a:extLst>
-              <a:ext uri="{28A0092B-C50C-407E-A947-70E740481C1C}">
-                <a14:useLocalDpi xmlns:a14="http://schemas.microsoft.com/office/drawing/2010/main" val="0"/>
-              </a:ext>
-            </a:extLst>
-          </a:blip>
-          <a:srcRect r="13328" b="26072"/>
-          <a:stretch>
-            <a:fillRect/>
-          </a:stretch>
-        </p:blipFill>
-        <p:spPr>
-          <a:xfrm>
-            <a:off x="494030" y="1966595"/>
-            <a:ext cx="5682615" cy="4323080"/>
-          </a:xfrm>
-          <a:prstGeom prst="rect">
-            <a:avLst/>
-          </a:prstGeom>
-        </p:spPr>
-      </p:pic>
-      <p:sp>
-        <p:nvSpPr>
-          <p:cNvPr id="5" name="文本框 4"/>
-          <p:cNvSpPr txBox="1"/>
-          <p:nvPr/>
-        </p:nvSpPr>
-        <p:spPr>
-          <a:xfrm>
-            <a:off x="7128510" y="772795"/>
-            <a:ext cx="3735705" cy="583565"/>
-          </a:xfrm>
-          <a:prstGeom prst="rect">
-            <a:avLst/>
-          </a:prstGeom>
-          <a:noFill/>
-        </p:spPr>
-        <p:txBody>
-          <a:bodyPr wrap="square" rtlCol="0" anchor="t">
-            <a:spAutoFit/>
-          </a:bodyPr>
-          <a:lstStyle/>
-          <a:p>
-            <a:r>
-              <a:rPr lang="en-US" altLang="zh-CN" sz="3200" dirty="0">
-                <a:sym typeface="+mn-ea"/>
-              </a:rPr>
-              <a:t>Activity Diagram</a:t>
-            </a:r>
-            <a:endParaRPr lang="zh-CN" altLang="en-US" sz="3200"/>
-          </a:p>
-        </p:txBody>
-      </p:sp>
-      <p:pic>
-        <p:nvPicPr>
-          <p:cNvPr id="6" name="图片 5"/>
-          <p:cNvPicPr>
-            <a:picLocks noChangeAspect="1"/>
-          </p:cNvPicPr>
-          <p:nvPr/>
-        </p:nvPicPr>
-        <p:blipFill>
-          <a:blip r:embed="rId4"/>
-          <a:srcRect r="39404" b="42337"/>
-          <a:stretch>
-            <a:fillRect/>
-          </a:stretch>
-        </p:blipFill>
-        <p:spPr>
-          <a:xfrm>
-            <a:off x="6764020" y="1966595"/>
-            <a:ext cx="4898390" cy="4322445"/>
-          </a:xfrm>
-          <a:prstGeom prst="rect">
-            <a:avLst/>
-          </a:prstGeom>
-        </p:spPr>
-      </p:pic>
-    </p:spTree>
-  </p:cSld>
-  <p:clrMapOvr>
-    <a:masterClrMapping/>
-  </p:clrMapOvr>
-</p:sld>
-</file>
-
-<file path=ppt/slides/slide12.xml><?xml version="1.0" encoding="utf-8"?>
-<p:sld xmlns:a="http://schemas.openxmlformats.org/drawingml/2006/main" xmlns:r="http://schemas.openxmlformats.org/officeDocument/2006/relationships" xmlns:p="http://schemas.openxmlformats.org/presentationml/2006/main">
-  <p:cSld>
-    <p:spTree>
-      <p:nvGrpSpPr>
-        <p:cNvPr id="1" name=""/>
-        <p:cNvGrpSpPr/>
-        <p:nvPr/>
-      </p:nvGrpSpPr>
-      <p:grpSpPr>
-        <a:xfrm>
-          <a:off x="0" y="0"/>
-          <a:ext cx="0" cy="0"/>
-          <a:chOff x="0" y="0"/>
-          <a:chExt cx="0" cy="0"/>
-        </a:xfrm>
-      </p:grpSpPr>
-      <p:sp>
-        <p:nvSpPr>
-          <p:cNvPr id="2" name="标题 1"/>
-          <p:cNvSpPr>
-            <a:spLocks noGrp="1"/>
-          </p:cNvSpPr>
-          <p:nvPr>
-            <p:ph type="title"/>
-          </p:nvPr>
-        </p:nvSpPr>
-        <p:spPr/>
-        <p:txBody>
-          <a:bodyPr/>
-          <a:lstStyle/>
-          <a:p>
-            <a:r>
-              <a:rPr lang="en-US" altLang="zh-CN" dirty="0"/>
-              <a:t>SCRUM PROCESS</a:t>
-            </a:r>
-            <a:endParaRPr lang="zh-CN" altLang="en-US" dirty="0"/>
-          </a:p>
-        </p:txBody>
-      </p:sp>
-    </p:spTree>
-  </p:cSld>
-  <p:clrMapOvr>
-    <a:masterClrMapping/>
-  </p:clrMapOvr>
-</p:sld>
-</file>
-
-<file path=ppt/slides/slide13.xml><?xml version="1.0" encoding="utf-8"?>
-<p:sld xmlns:a="http://schemas.openxmlformats.org/drawingml/2006/main" xmlns:r="http://schemas.openxmlformats.org/officeDocument/2006/relationships" xmlns:p="http://schemas.openxmlformats.org/presentationml/2006/main">
-  <p:cSld>
-    <p:spTree>
-      <p:nvGrpSpPr>
-        <p:cNvPr id="1" name=""/>
-        <p:cNvGrpSpPr/>
-        <p:nvPr/>
-      </p:nvGrpSpPr>
-      <p:grpSpPr>
-        <a:xfrm>
-          <a:off x="0" y="0"/>
-          <a:ext cx="0" cy="0"/>
-          <a:chOff x="0" y="0"/>
-          <a:chExt cx="0" cy="0"/>
-        </a:xfrm>
-      </p:grpSpPr>
-      <p:sp>
-        <p:nvSpPr>
-          <p:cNvPr id="2" name="标题 1"/>
-          <p:cNvSpPr>
-            <a:spLocks noGrp="1"/>
-          </p:cNvSpPr>
-          <p:nvPr>
-            <p:ph type="title"/>
-          </p:nvPr>
-        </p:nvSpPr>
         <p:spPr/>
         <p:txBody>
           <a:bodyPr/>
@@ -5707,7 +3825,7 @@
           <a:p>
             <a:r>
               <a:rPr lang="en-US" altLang="zh-CN" dirty="0"/>
-              <a:t>Simulation Company</a:t>
+              <a:t>Planning a project</a:t>
             </a:r>
           </a:p>
         </p:txBody>
@@ -5858,7 +3976,7 @@
           <a:p>
             <a:r>
               <a:rPr lang="en-US" altLang="zh-CN" dirty="0"/>
-              <a:t>ADIL</a:t>
+              <a:t>ADIL AKARKACH</a:t>
             </a:r>
           </a:p>
           <a:p>
@@ -6171,7 +4289,7 @@
         </p:spPr>
         <p:txBody>
           <a:bodyPr>
-            <a:normAutofit fontScale="90000"/>
+            <a:normAutofit/>
           </a:bodyPr>
           <a:lstStyle/>
           <a:p>
@@ -6185,17 +4303,6 @@
             <a:r>
               <a:rPr lang="en-US" altLang="zh-CN" dirty="0"/>
               <a:t>PayPal/credit card</a:t>
-            </a:r>
-            <a:br>
-              <a:rPr lang="en-US" altLang="zh-CN" dirty="0"/>
-            </a:br>
-            <a:r>
-              <a:rPr lang="en-US" altLang="zh-CN" dirty="0"/>
-              <a:t>Team Member: Mao </a:t>
-            </a:r>
-            <a:r>
-              <a:rPr lang="en-US" altLang="zh-CN" dirty="0" err="1"/>
-              <a:t>Yuqing</a:t>
             </a:r>
             <a:endParaRPr lang="zh-CN" altLang="en-US" dirty="0"/>
           </a:p>
@@ -6650,293 +4757,377 @@
           <a:chExt cx="0" cy="0"/>
         </a:xfrm>
       </p:grpSpPr>
-      <p:pic>
-        <p:nvPicPr>
-          <p:cNvPr id="8" name="图片 7" descr="9.Report error"/>
-          <p:cNvPicPr>
-            <a:picLocks noChangeAspect="1"/>
-          </p:cNvPicPr>
-          <p:nvPr/>
-        </p:nvPicPr>
-        <p:blipFill>
-          <a:blip r:embed="rId2"/>
-          <a:stretch>
-            <a:fillRect/>
-          </a:stretch>
-        </p:blipFill>
-        <p:spPr>
-          <a:xfrm>
-            <a:off x="3164840" y="1953260"/>
-            <a:ext cx="4234180" cy="4420870"/>
-          </a:xfrm>
-          <a:prstGeom prst="rect">
-            <a:avLst/>
-          </a:prstGeom>
-        </p:spPr>
-      </p:pic>
-      <p:sp>
-        <p:nvSpPr>
-          <p:cNvPr id="4" name="标题 1"/>
-          <p:cNvSpPr>
-            <a:spLocks noGrp="1"/>
-          </p:cNvSpPr>
-          <p:nvPr/>
-        </p:nvSpPr>
-        <p:spPr>
-          <a:xfrm>
-            <a:off x="1066800" y="502559"/>
-            <a:ext cx="10058400" cy="1450757"/>
-          </a:xfrm>
-          <a:prstGeom prst="rect">
-            <a:avLst/>
-          </a:prstGeom>
-        </p:spPr>
-        <p:txBody>
-          <a:bodyPr vert="horz" lIns="91440" tIns="45720" rIns="91440" bIns="45720" rtlCol="0" anchor="b">
-            <a:normAutofit fontScale="82500" lnSpcReduction="20000"/>
+      <p:sp>
+        <p:nvSpPr>
+          <p:cNvPr id="2" name="标题 1"/>
+          <p:cNvSpPr>
+            <a:spLocks noGrp="1"/>
+          </p:cNvSpPr>
+          <p:nvPr>
+            <p:ph type="title"/>
+          </p:nvPr>
+        </p:nvSpPr>
+        <p:spPr/>
+        <p:txBody>
+          <a:bodyPr/>
+          <a:lstStyle/>
+          <a:p>
+            <a:r>
+              <a:rPr lang="en-US" altLang="zh-CN" dirty="0"/>
+              <a:t>SCRUM PROCESS</a:t>
+            </a:r>
+            <a:endParaRPr lang="zh-CN" altLang="en-US" dirty="0"/>
+          </a:p>
+        </p:txBody>
+      </p:sp>
+      <p:sp>
+        <p:nvSpPr>
+          <p:cNvPr id="3" name="Inhaltsplatzhalter 2"/>
+          <p:cNvSpPr>
+            <a:spLocks noGrp="1"/>
+          </p:cNvSpPr>
+          <p:nvPr>
+            <p:ph idx="1"/>
+          </p:nvPr>
+        </p:nvSpPr>
+        <p:spPr>
+          <a:xfrm>
+            <a:off x="1097280" y="2007475"/>
+            <a:ext cx="10058400" cy="3861617"/>
+          </a:xfrm>
+        </p:spPr>
+        <p:txBody>
+          <a:bodyPr>
+            <a:normAutofit lnSpcReduction="10000"/>
           </a:bodyPr>
-          <a:lstStyle>
-            <a:lvl1pPr algn="l" defTabSz="914400" rtl="0" eaLnBrk="1" latinLnBrk="0" hangingPunct="1">
-              <a:lnSpc>
-                <a:spcPct val="90000"/>
-              </a:lnSpc>
-              <a:spcBef>
-                <a:spcPct val="0"/>
-              </a:spcBef>
-              <a:buNone/>
-              <a:defRPr sz="4700" kern="1200" spc="-50" baseline="0">
-                <a:solidFill>
-                  <a:schemeClr val="tx1">
-                    <a:lumMod val="75000"/>
-                    <a:lumOff val="25000"/>
-                  </a:schemeClr>
-                </a:solidFill>
-                <a:latin typeface="+mj-lt"/>
-                <a:ea typeface="+mj-ea"/>
-                <a:cs typeface="+mj-cs"/>
-              </a:defRPr>
-            </a:lvl1pPr>
-          </a:lstStyle>
-          <a:p>
-            <a:r>
-              <a:rPr lang="en-US" altLang="zh-CN" dirty="0"/>
-              <a:t>SPECIFIC BACKLOG ITEM:</a:t>
-            </a:r>
-            <a:br>
-              <a:rPr lang="en-US" altLang="zh-CN" dirty="0"/>
-            </a:br>
-            <a:r>
-              <a:rPr lang="en-US" altLang="zh-CN" dirty="0"/>
-              <a:t>Report error</a:t>
-            </a:r>
-            <a:br>
-              <a:rPr lang="en-US" altLang="zh-CN" dirty="0"/>
-            </a:br>
-            <a:r>
-              <a:rPr lang="en-US" altLang="zh-CN" dirty="0"/>
-              <a:t>Team Member: LIU Huayu</a:t>
-            </a:r>
-            <a:endParaRPr lang="zh-CN" altLang="en-US" dirty="0"/>
-          </a:p>
-        </p:txBody>
-      </p:sp>
-      <p:pic>
-        <p:nvPicPr>
-          <p:cNvPr id="6" name="图片 5"/>
-          <p:cNvPicPr>
-            <a:picLocks noChangeAspect="1"/>
-          </p:cNvPicPr>
-          <p:nvPr/>
-        </p:nvPicPr>
-        <p:blipFill>
-          <a:blip r:embed="rId3"/>
-          <a:stretch>
-            <a:fillRect/>
-          </a:stretch>
-        </p:blipFill>
-        <p:spPr>
-          <a:xfrm>
-            <a:off x="485775" y="1953260"/>
-            <a:ext cx="2603500" cy="4420870"/>
-          </a:xfrm>
-          <a:prstGeom prst="rect">
-            <a:avLst/>
-          </a:prstGeom>
-        </p:spPr>
-      </p:pic>
-      <p:graphicFrame>
-        <p:nvGraphicFramePr>
-          <p:cNvPr id="11" name="表格 10"/>
-          <p:cNvGraphicFramePr/>
-          <p:nvPr/>
-        </p:nvGraphicFramePr>
-        <p:xfrm>
-          <a:off x="7626985" y="2072005"/>
-          <a:ext cx="3648710" cy="4183380"/>
-        </p:xfrm>
-        <a:graphic>
-          <a:graphicData uri="http://schemas.openxmlformats.org/drawingml/2006/table">
-            <a:tbl>
-              <a:tblPr firstRow="1" bandRow="1">
-                <a:tableStyleId>{5C22544A-7EE6-4342-B048-85BDC9FD1C3A}</a:tableStyleId>
-              </a:tblPr>
-              <a:tblGrid>
-                <a:gridCol w="3648710">
-                  <a:extLst>
-                    <a:ext uri="{9D8B030D-6E8A-4147-A177-3AD203B41FA5}">
-                      <a16:colId xmlns:a16="http://schemas.microsoft.com/office/drawing/2014/main" val="20000"/>
-                    </a:ext>
-                  </a:extLst>
-                </a:gridCol>
-              </a:tblGrid>
-              <a:tr h="4183380">
-                <a:tc>
-                  <a:txBody>
-                    <a:bodyPr/>
-                    <a:lstStyle/>
-                    <a:p>
-                      <a:pPr indent="0">
-                        <a:buNone/>
-                      </a:pPr>
-                      <a:r>
-                        <a:rPr lang="en-US" sz="2400" b="1" dirty="0">
-                          <a:solidFill>
-                            <a:srgbClr val="000000"/>
-                          </a:solidFill>
-                          <a:latin typeface="宋体" panose="02010600030101010101" pitchFamily="2" charset="-122"/>
-                        </a:rPr>
-                        <a:t>User story</a:t>
-                      </a:r>
-                      <a:endParaRPr lang="en-US" sz="2400" b="0" dirty="0">
-                        <a:solidFill>
-                          <a:srgbClr val="000000"/>
-                        </a:solidFill>
-                        <a:latin typeface="宋体" panose="02010600030101010101" pitchFamily="2" charset="-122"/>
-                      </a:endParaRPr>
-                    </a:p>
-                    <a:p>
-                      <a:pPr indent="0">
-                        <a:buNone/>
-                      </a:pPr>
-                      <a:endParaRPr lang="en-US" sz="2400" b="0" dirty="0">
-                        <a:solidFill>
-                          <a:srgbClr val="000000"/>
-                        </a:solidFill>
-                        <a:latin typeface="宋体" panose="02010600030101010101" pitchFamily="2" charset="-122"/>
-                      </a:endParaRPr>
-                    </a:p>
-                    <a:p>
-                      <a:pPr indent="0">
-                        <a:buNone/>
-                      </a:pPr>
-                      <a:endParaRPr lang="en-US" sz="2400" b="0" dirty="0">
-                        <a:solidFill>
-                          <a:srgbClr val="000000"/>
-                        </a:solidFill>
-                        <a:latin typeface="宋体" panose="02010600030101010101" pitchFamily="2" charset="-122"/>
-                      </a:endParaRPr>
-                    </a:p>
-                    <a:p>
-                      <a:pPr indent="0">
-                        <a:buNone/>
-                      </a:pPr>
-                      <a:endParaRPr lang="en-US" sz="2400" b="0" dirty="0">
-                        <a:solidFill>
-                          <a:srgbClr val="000000"/>
-                        </a:solidFill>
-                        <a:latin typeface="宋体" panose="02010600030101010101" pitchFamily="2" charset="-122"/>
-                      </a:endParaRPr>
-                    </a:p>
-                    <a:p>
-                      <a:pPr indent="0">
-                        <a:buNone/>
-                      </a:pPr>
-                      <a:r>
-                        <a:rPr lang="en-US" sz="2400" b="0" dirty="0">
-                          <a:solidFill>
-                            <a:srgbClr val="000000"/>
-                          </a:solidFill>
-                          <a:latin typeface="宋体" panose="02010600030101010101" pitchFamily="2" charset="-122"/>
-                        </a:rPr>
-                        <a:t>As a </a:t>
-                      </a:r>
-                      <a:r>
-                        <a:rPr lang="en-US" sz="2400" b="0" dirty="0" err="1">
-                          <a:solidFill>
-                            <a:srgbClr val="000000"/>
-                          </a:solidFill>
-                          <a:latin typeface="宋体" panose="02010600030101010101" pitchFamily="2" charset="-122"/>
-                        </a:rPr>
-                        <a:t>customer,I</a:t>
-                      </a:r>
-                      <a:r>
-                        <a:rPr lang="en-US" sz="2400" b="0" dirty="0">
-                          <a:solidFill>
-                            <a:srgbClr val="000000"/>
-                          </a:solidFill>
-                          <a:latin typeface="宋体" panose="02010600030101010101" pitchFamily="2" charset="-122"/>
-                        </a:rPr>
-                        <a:t> can give feedback to the partner when I encounter a problem with the e-scooter.</a:t>
-                      </a:r>
-                      <a:endParaRPr lang="en-US" altLang="en-US" sz="2400" b="0" dirty="0">
-                        <a:solidFill>
-                          <a:srgbClr val="000000"/>
-                        </a:solidFill>
-                        <a:latin typeface="宋体" panose="02010600030101010101" pitchFamily="2" charset="-122"/>
-                      </a:endParaRPr>
-                    </a:p>
-                  </a:txBody>
-                  <a:tcPr marL="12700" marR="12700" marT="12700" anchor="ctr">
-                    <a:lnL>
-                      <a:noFill/>
-                    </a:lnL>
-                    <a:lnR cap="flat">
-                      <a:noFill/>
-                    </a:lnR>
-                    <a:lnT cap="flat">
-                      <a:noFill/>
-                    </a:lnT>
-                    <a:lnB cap="flat">
-                      <a:noFill/>
-                    </a:lnB>
-                    <a:lnTlToBr>
-                      <a:noFill/>
-                    </a:lnTlToBr>
-                    <a:lnBlToTr>
-                      <a:noFill/>
-                    </a:lnBlToTr>
-                    <a:noFill/>
-                  </a:tcPr>
-                </a:tc>
-                <a:extLst>
-                  <a:ext uri="{0D108BD9-81ED-4DB2-BD59-A6C34878D82A}">
-                    <a16:rowId xmlns:a16="http://schemas.microsoft.com/office/drawing/2014/main" val="10000"/>
-                  </a:ext>
-                </a:extLst>
-              </a:tr>
-            </a:tbl>
-          </a:graphicData>
-        </a:graphic>
-      </p:graphicFrame>
+          <a:lstStyle/>
+          <a:p>
+            <a:r>
+              <a:rPr lang="de-DE" sz="1600" dirty="0"/>
+              <a:t>SPRINT 1:</a:t>
+            </a:r>
+          </a:p>
+          <a:p>
+            <a:r>
+              <a:rPr lang="de-DE" sz="1600" dirty="0"/>
+              <a:t>-</a:t>
+            </a:r>
+            <a:r>
+              <a:rPr lang="de-DE" sz="1600" dirty="0" err="1"/>
+              <a:t>good</a:t>
+            </a:r>
+            <a:r>
+              <a:rPr lang="de-DE" sz="1600" dirty="0"/>
+              <a:t>: </a:t>
+            </a:r>
+            <a:r>
+              <a:rPr lang="de-DE" sz="1600" dirty="0" err="1"/>
+              <a:t>estimate</a:t>
+            </a:r>
+            <a:r>
+              <a:rPr lang="de-DE" sz="1600" dirty="0"/>
+              <a:t> </a:t>
+            </a:r>
+            <a:r>
+              <a:rPr lang="de-DE" sz="1600" dirty="0" err="1"/>
+              <a:t>met</a:t>
+            </a:r>
+            <a:r>
+              <a:rPr lang="de-DE" sz="1600" dirty="0"/>
+              <a:t> / </a:t>
+            </a:r>
+            <a:r>
+              <a:rPr lang="de-DE" sz="1600" dirty="0" err="1"/>
+              <a:t>learned</a:t>
+            </a:r>
+            <a:r>
+              <a:rPr lang="de-DE" sz="1600" dirty="0"/>
+              <a:t> </a:t>
+            </a:r>
+            <a:r>
+              <a:rPr lang="de-DE" sz="1600" dirty="0" err="1"/>
+              <a:t>using</a:t>
+            </a:r>
+            <a:r>
+              <a:rPr lang="de-DE" sz="1600" dirty="0"/>
+              <a:t> </a:t>
+            </a:r>
+            <a:r>
+              <a:rPr lang="de-DE" sz="1600" dirty="0" err="1"/>
+              <a:t>the</a:t>
+            </a:r>
+            <a:r>
+              <a:rPr lang="de-DE" sz="1600" dirty="0"/>
+              <a:t> </a:t>
+            </a:r>
+            <a:r>
+              <a:rPr lang="de-DE" sz="1600" dirty="0" err="1"/>
+              <a:t>software</a:t>
+            </a:r>
+            <a:endParaRPr lang="de-DE" sz="1600" dirty="0"/>
+          </a:p>
+          <a:p>
+            <a:r>
+              <a:rPr lang="de-DE" sz="1600" dirty="0"/>
+              <a:t>-</a:t>
+            </a:r>
+            <a:r>
+              <a:rPr lang="de-DE" sz="1600" dirty="0" err="1"/>
+              <a:t>to</a:t>
+            </a:r>
+            <a:r>
+              <a:rPr lang="de-DE" sz="1600" dirty="0"/>
+              <a:t> </a:t>
+            </a:r>
+            <a:r>
+              <a:rPr lang="de-DE" sz="1600" dirty="0" err="1"/>
+              <a:t>be</a:t>
+            </a:r>
+            <a:r>
+              <a:rPr lang="de-DE" sz="1600" dirty="0"/>
+              <a:t> </a:t>
+            </a:r>
+            <a:r>
+              <a:rPr lang="de-DE" sz="1600" dirty="0" err="1"/>
+              <a:t>improved</a:t>
+            </a:r>
+            <a:r>
+              <a:rPr lang="de-DE" sz="1600" dirty="0"/>
+              <a:t>: </a:t>
+            </a:r>
+            <a:r>
+              <a:rPr lang="de-DE" sz="1600" dirty="0" err="1"/>
+              <a:t>planning</a:t>
+            </a:r>
+            <a:r>
+              <a:rPr lang="de-DE" sz="1600" dirty="0"/>
+              <a:t> &amp; </a:t>
+            </a:r>
+            <a:r>
+              <a:rPr lang="de-DE" sz="1600" dirty="0" err="1"/>
+              <a:t>distributing</a:t>
+            </a:r>
+            <a:r>
+              <a:rPr lang="de-DE" sz="1600" dirty="0"/>
+              <a:t> </a:t>
+            </a:r>
+            <a:r>
+              <a:rPr lang="de-DE" sz="1600" dirty="0" err="1"/>
+              <a:t>tasks</a:t>
+            </a:r>
+            <a:endParaRPr lang="de-DE" sz="1600" dirty="0"/>
+          </a:p>
+          <a:p>
+            <a:r>
+              <a:rPr lang="de-DE" sz="1600" dirty="0"/>
+              <a:t>SPRINT 2:</a:t>
+            </a:r>
+          </a:p>
+          <a:p>
+            <a:r>
+              <a:rPr lang="de-DE" sz="1600" dirty="0"/>
+              <a:t>-</a:t>
+            </a:r>
+            <a:r>
+              <a:rPr lang="de-DE" sz="1600" dirty="0" err="1"/>
+              <a:t>good</a:t>
+            </a:r>
+            <a:r>
+              <a:rPr lang="de-DE" sz="1600" dirty="0"/>
+              <a:t>: </a:t>
+            </a:r>
+            <a:r>
+              <a:rPr lang="de-DE" sz="1600" dirty="0" err="1"/>
+              <a:t>using</a:t>
+            </a:r>
+            <a:r>
+              <a:rPr lang="de-DE" sz="1600" dirty="0"/>
+              <a:t> </a:t>
+            </a:r>
+            <a:r>
+              <a:rPr lang="de-DE" sz="1600" dirty="0" err="1"/>
+              <a:t>software</a:t>
+            </a:r>
+            <a:r>
+              <a:rPr lang="de-DE" sz="1600" dirty="0"/>
+              <a:t> </a:t>
+            </a:r>
+            <a:r>
+              <a:rPr lang="de-DE" sz="1600" dirty="0" err="1"/>
+              <a:t>became</a:t>
+            </a:r>
+            <a:r>
+              <a:rPr lang="de-DE" sz="1600" dirty="0"/>
+              <a:t> </a:t>
+            </a:r>
+            <a:r>
+              <a:rPr lang="de-DE" sz="1600" dirty="0" err="1"/>
+              <a:t>routine</a:t>
+            </a:r>
+            <a:endParaRPr lang="de-DE" sz="1600" dirty="0"/>
+          </a:p>
+          <a:p>
+            <a:r>
+              <a:rPr lang="de-DE" sz="1600" dirty="0"/>
+              <a:t>-</a:t>
+            </a:r>
+            <a:r>
+              <a:rPr lang="de-DE" sz="1600" dirty="0" err="1"/>
+              <a:t>to</a:t>
+            </a:r>
+            <a:r>
+              <a:rPr lang="de-DE" sz="1600" dirty="0"/>
+              <a:t> </a:t>
+            </a:r>
+            <a:r>
+              <a:rPr lang="de-DE" sz="1600" dirty="0" err="1"/>
+              <a:t>be</a:t>
+            </a:r>
+            <a:r>
+              <a:rPr lang="de-DE" sz="1600" dirty="0"/>
+              <a:t> </a:t>
+            </a:r>
+            <a:r>
+              <a:rPr lang="de-DE" sz="1600" dirty="0" err="1"/>
+              <a:t>improved</a:t>
+            </a:r>
+            <a:r>
+              <a:rPr lang="de-DE" sz="1600" dirty="0"/>
+              <a:t>: </a:t>
+            </a:r>
+            <a:r>
+              <a:rPr lang="de-DE" sz="1600" dirty="0" err="1"/>
+              <a:t>integrity</a:t>
+            </a:r>
+            <a:r>
+              <a:rPr lang="de-DE" sz="1600" dirty="0"/>
+              <a:t> </a:t>
+            </a:r>
+            <a:r>
+              <a:rPr lang="de-DE" sz="1600" dirty="0" err="1"/>
+              <a:t>of</a:t>
+            </a:r>
+            <a:r>
+              <a:rPr lang="de-DE" sz="1600" dirty="0"/>
+              <a:t> </a:t>
+            </a:r>
+            <a:r>
+              <a:rPr lang="de-DE" sz="1600" dirty="0" err="1"/>
+              <a:t>names</a:t>
+            </a:r>
+            <a:r>
+              <a:rPr lang="de-DE" sz="1600" dirty="0"/>
+              <a:t> in </a:t>
+            </a:r>
+            <a:r>
+              <a:rPr lang="de-DE" sz="1600" dirty="0" err="1"/>
+              <a:t>the</a:t>
+            </a:r>
+            <a:r>
+              <a:rPr lang="de-DE" sz="1600" dirty="0"/>
+              <a:t> </a:t>
+            </a:r>
+            <a:r>
+              <a:rPr lang="de-DE" sz="1600" dirty="0" err="1"/>
+              <a:t>document</a:t>
+            </a:r>
+            <a:endParaRPr lang="de-DE" sz="1600" dirty="0"/>
+          </a:p>
+          <a:p>
+            <a:r>
+              <a:rPr lang="de-DE" sz="1600" dirty="0"/>
+              <a:t>SPRINT 3:</a:t>
+            </a:r>
+          </a:p>
+          <a:p>
+            <a:r>
+              <a:rPr lang="de-DE" sz="1600" dirty="0"/>
+              <a:t>-</a:t>
+            </a:r>
+            <a:r>
+              <a:rPr lang="de-DE" sz="1600" dirty="0" err="1"/>
+              <a:t>good</a:t>
+            </a:r>
+            <a:r>
+              <a:rPr lang="de-DE" sz="1600" dirty="0"/>
+              <a:t>: </a:t>
+            </a:r>
+            <a:r>
+              <a:rPr lang="de-DE" sz="1600" dirty="0" err="1"/>
+              <a:t>routine</a:t>
+            </a:r>
+            <a:r>
+              <a:rPr lang="de-DE" sz="1600" dirty="0"/>
+              <a:t> in SCRUM </a:t>
+            </a:r>
+            <a:r>
+              <a:rPr lang="de-DE" sz="1600" dirty="0" err="1"/>
+              <a:t>process</a:t>
+            </a:r>
+            <a:endParaRPr lang="de-DE" sz="1600" dirty="0"/>
+          </a:p>
+          <a:p>
+            <a:r>
+              <a:rPr lang="de-DE" sz="1600" dirty="0"/>
+              <a:t>-</a:t>
+            </a:r>
+            <a:r>
+              <a:rPr lang="de-DE" sz="1600" dirty="0" err="1"/>
+              <a:t>to</a:t>
+            </a:r>
+            <a:r>
+              <a:rPr lang="de-DE" sz="1600" dirty="0"/>
+              <a:t> </a:t>
+            </a:r>
+            <a:r>
+              <a:rPr lang="de-DE" sz="1600" dirty="0" err="1"/>
+              <a:t>be</a:t>
+            </a:r>
+            <a:r>
+              <a:rPr lang="de-DE" sz="1600" dirty="0"/>
+              <a:t> </a:t>
+            </a:r>
+            <a:r>
+              <a:rPr lang="de-DE" sz="1600" dirty="0" err="1"/>
+              <a:t>improved</a:t>
+            </a:r>
+            <a:r>
+              <a:rPr lang="de-DE" sz="1600" dirty="0"/>
+              <a:t>: </a:t>
+            </a:r>
+            <a:r>
+              <a:rPr lang="de-DE" sz="1600" dirty="0" err="1"/>
+              <a:t>document</a:t>
+            </a:r>
+            <a:r>
+              <a:rPr lang="de-DE" sz="1600" dirty="0"/>
+              <a:t> </a:t>
+            </a:r>
+            <a:r>
+              <a:rPr lang="de-DE" sz="1600" dirty="0" err="1"/>
+              <a:t>structure</a:t>
+            </a:r>
+            <a:r>
+              <a:rPr lang="de-DE" sz="1600" dirty="0"/>
+              <a:t>/</a:t>
+            </a:r>
+            <a:r>
+              <a:rPr lang="de-DE" sz="1600" dirty="0" err="1"/>
+              <a:t>formatting</a:t>
+            </a:r>
+            <a:endParaRPr lang="de-DE" sz="1600" dirty="0"/>
+          </a:p>
+          <a:p>
+            <a:endParaRPr lang="en-US" dirty="0"/>
+          </a:p>
+        </p:txBody>
+      </p:sp>
     </p:spTree>
   </p:cSld>
   <p:clrMapOvr>
     <a:masterClrMapping/>
   </p:clrMapOvr>
 </p:sld>
-</file>
-
-<file path=ppt/tags/tag1.xml><?xml version="1.0" encoding="utf-8"?>
-<p:tagLst xmlns:a="http://schemas.openxmlformats.org/drawingml/2006/main" xmlns:r="http://schemas.openxmlformats.org/officeDocument/2006/relationships" xmlns:p="http://schemas.openxmlformats.org/presentationml/2006/main">
-  <p:tag name="KSO_WM_UNIT_TABLE_BEAUTIFY" val="smartTable{9f6c558b-b28b-4512-a947-5f84a4bd0025}"/>
-</p:tagLst>
-</file>
-
-<file path=ppt/tags/tag2.xml><?xml version="1.0" encoding="utf-8"?>
-<p:tagLst xmlns:a="http://schemas.openxmlformats.org/drawingml/2006/main" xmlns:r="http://schemas.openxmlformats.org/officeDocument/2006/relationships" xmlns:p="http://schemas.openxmlformats.org/presentationml/2006/main">
-  <p:tag name="REFSHAPE" val="552137364"/>
-  <p:tag name="KSO_WM_UNIT_PLACING_PICTURE_USER_VIEWPORT" val="{&quot;height&quot;:5656,&quot;width&quot;:9072}"/>
-</p:tagLst>
 </file>
 
 <file path=ppt/theme/theme1.xml><?xml version="1.0" encoding="utf-8"?>
